--- a/Meeting Presentations/01.09.2022_Meeting.pptx
+++ b/Meeting Presentations/01.09.2022_Meeting.pptx
@@ -7,16 +7,20 @@
   <p:sldIdLst>
     <p:sldId id="256" r:id="rId5"/>
     <p:sldId id="257" r:id="rId6"/>
-    <p:sldId id="267" r:id="rId7"/>
-    <p:sldId id="266" r:id="rId8"/>
-    <p:sldId id="265" r:id="rId9"/>
-    <p:sldId id="258" r:id="rId10"/>
-    <p:sldId id="259" r:id="rId11"/>
-    <p:sldId id="260" r:id="rId12"/>
-    <p:sldId id="261" r:id="rId13"/>
-    <p:sldId id="262" r:id="rId14"/>
-    <p:sldId id="263" r:id="rId15"/>
-    <p:sldId id="264" r:id="rId16"/>
+    <p:sldId id="271" r:id="rId7"/>
+    <p:sldId id="267" r:id="rId8"/>
+    <p:sldId id="266" r:id="rId9"/>
+    <p:sldId id="265" r:id="rId10"/>
+    <p:sldId id="270" r:id="rId11"/>
+    <p:sldId id="258" r:id="rId12"/>
+    <p:sldId id="259" r:id="rId13"/>
+    <p:sldId id="260" r:id="rId14"/>
+    <p:sldId id="261" r:id="rId15"/>
+    <p:sldId id="262" r:id="rId16"/>
+    <p:sldId id="263" r:id="rId17"/>
+    <p:sldId id="264" r:id="rId18"/>
+    <p:sldId id="269" r:id="rId19"/>
+    <p:sldId id="268" r:id="rId20"/>
   </p:sldIdLst>
   <p:sldSz cx="12192000" cy="6858000"/>
   <p:notesSz cx="6858000" cy="9144000"/>
@@ -5870,7 +5874,7 @@
           <p:cNvPr id="2" name="Title 1">
             <a:extLst>
               <a:ext uri="{FF2B5EF4-FFF2-40B4-BE49-F238E27FC236}">
-                <a16:creationId xmlns:a16="http://schemas.microsoft.com/office/drawing/2014/main" id="{D6D78DD2-A80E-4E85-A635-702A6330AB51}"/>
+                <a16:creationId xmlns:a16="http://schemas.microsoft.com/office/drawing/2014/main" id="{FB47785E-558D-486E-A48D-98B0F64AF476}"/>
               </a:ext>
             </a:extLst>
           </p:cNvPr>
@@ -5888,11 +5892,27 @@
           <a:p>
             <a:r>
               <a:rPr lang="nb-NO" dirty="0"/>
-              <a:t>Mutual </a:t>
-            </a:r>
-            <a:r>
-              <a:rPr lang="nb-NO" dirty="0" err="1"/>
-              <a:t>expectation</a:t>
+              <a:t>My </a:t>
+            </a:r>
+            <a:r>
+              <a:rPr lang="nb-NO" dirty="0" err="1"/>
+              <a:t>expectations</a:t>
+            </a:r>
+            <a:r>
+              <a:rPr lang="nb-NO" dirty="0"/>
+              <a:t> </a:t>
+            </a:r>
+            <a:r>
+              <a:rPr lang="nb-NO" dirty="0" err="1"/>
+              <a:t>of</a:t>
+            </a:r>
+            <a:r>
+              <a:rPr lang="nb-NO" dirty="0"/>
+              <a:t> </a:t>
+            </a:r>
+            <a:r>
+              <a:rPr lang="nb-NO" dirty="0" err="1"/>
+              <a:t>you</a:t>
             </a:r>
             <a:endParaRPr lang="en-GB" dirty="0"/>
           </a:p>
@@ -5903,7 +5923,7 @@
           <p:cNvPr id="3" name="Content Placeholder 2">
             <a:extLst>
               <a:ext uri="{FF2B5EF4-FFF2-40B4-BE49-F238E27FC236}">
-                <a16:creationId xmlns:a16="http://schemas.microsoft.com/office/drawing/2014/main" id="{1DAC432C-DB26-424F-993A-6D5CF58E03A4}"/>
+                <a16:creationId xmlns:a16="http://schemas.microsoft.com/office/drawing/2014/main" id="{6CCBA94A-3773-476E-BD52-8A36EE89E1C5}"/>
               </a:ext>
             </a:extLst>
           </p:cNvPr>
@@ -5920,8 +5940,87 @@
           <a:lstStyle/>
           <a:p>
             <a:r>
-              <a:rPr lang="nb-NO" dirty="0"/>
-              <a:t>Make notes </a:t>
+              <a:rPr lang="nb-NO" dirty="0" err="1"/>
+              <a:t>Consultation</a:t>
+            </a:r>
+            <a:r>
+              <a:rPr lang="nb-NO" dirty="0"/>
+              <a:t> and </a:t>
+            </a:r>
+            <a:r>
+              <a:rPr lang="nb-NO" dirty="0" err="1"/>
+              <a:t>guidance</a:t>
+            </a:r>
+            <a:endParaRPr lang="nb-NO" dirty="0"/>
+          </a:p>
+          <a:p>
+            <a:r>
+              <a:rPr lang="nb-NO" dirty="0"/>
+              <a:t>Progress </a:t>
+            </a:r>
+            <a:r>
+              <a:rPr lang="nb-NO" dirty="0" err="1"/>
+              <a:t>with</a:t>
+            </a:r>
+            <a:r>
+              <a:rPr lang="nb-NO" dirty="0"/>
+              <a:t> </a:t>
+            </a:r>
+            <a:r>
+              <a:rPr lang="nb-NO" dirty="0" err="1"/>
+              <a:t>the</a:t>
+            </a:r>
+            <a:r>
+              <a:rPr lang="nb-NO" dirty="0"/>
+              <a:t> </a:t>
+            </a:r>
+            <a:r>
+              <a:rPr lang="nb-NO" dirty="0" err="1"/>
+              <a:t>thesis</a:t>
+            </a:r>
+            <a:r>
+              <a:rPr lang="nb-NO" dirty="0"/>
+              <a:t> </a:t>
+            </a:r>
+            <a:r>
+              <a:rPr lang="nb-NO" dirty="0" err="1"/>
+              <a:t>might</a:t>
+            </a:r>
+            <a:r>
+              <a:rPr lang="nb-NO" dirty="0"/>
+              <a:t> </a:t>
+            </a:r>
+            <a:r>
+              <a:rPr lang="nb-NO" dirty="0" err="1"/>
+              <a:t>stagnate</a:t>
+            </a:r>
+            <a:r>
+              <a:rPr lang="nb-NO" dirty="0"/>
+              <a:t> </a:t>
+            </a:r>
+            <a:r>
+              <a:rPr lang="nb-NO" dirty="0" err="1"/>
+              <a:t>while</a:t>
+            </a:r>
+            <a:r>
+              <a:rPr lang="nb-NO" dirty="0"/>
+              <a:t> </a:t>
+            </a:r>
+            <a:r>
+              <a:rPr lang="nb-NO" dirty="0" err="1"/>
+              <a:t>waiting</a:t>
+            </a:r>
+            <a:r>
+              <a:rPr lang="nb-NO" dirty="0"/>
+              <a:t> for feedback or input from </a:t>
+            </a:r>
+            <a:r>
+              <a:rPr lang="nb-NO" dirty="0" err="1"/>
+              <a:t>one</a:t>
+            </a:r>
+            <a:r>
+              <a:rPr lang="nb-NO" dirty="0"/>
+              <a:t> </a:t>
             </a:r>
             <a:r>
               <a:rPr lang="nb-NO" dirty="0" err="1"/>
@@ -5933,108 +6032,7 @@
             </a:r>
             <a:r>
               <a:rPr lang="nb-NO" dirty="0" err="1"/>
-              <a:t>items</a:t>
-            </a:r>
-            <a:r>
-              <a:rPr lang="nb-NO" dirty="0"/>
-              <a:t> </a:t>
-            </a:r>
-            <a:r>
-              <a:rPr lang="nb-NO" dirty="0" err="1"/>
-              <a:t>of</a:t>
-            </a:r>
-            <a:r>
-              <a:rPr lang="nb-NO" dirty="0"/>
-              <a:t> </a:t>
-            </a:r>
-            <a:r>
-              <a:rPr lang="nb-NO" dirty="0" err="1"/>
-              <a:t>discussion</a:t>
-            </a:r>
-            <a:r>
-              <a:rPr lang="nb-NO" dirty="0"/>
-              <a:t>, so </a:t>
-            </a:r>
-            <a:r>
-              <a:rPr lang="nb-NO" dirty="0" err="1"/>
-              <a:t>they’re</a:t>
-            </a:r>
-            <a:r>
-              <a:rPr lang="nb-NO" dirty="0"/>
-              <a:t> not lost</a:t>
-            </a:r>
-          </a:p>
-          <a:p>
-            <a:pPr lvl="1"/>
-            <a:r>
-              <a:rPr lang="nb-NO" dirty="0" err="1"/>
-              <a:t>Use</a:t>
-            </a:r>
-            <a:r>
-              <a:rPr lang="nb-NO" dirty="0"/>
-              <a:t> </a:t>
-            </a:r>
-            <a:r>
-              <a:rPr lang="nb-NO" dirty="0" err="1"/>
-              <a:t>the</a:t>
-            </a:r>
-            <a:r>
-              <a:rPr lang="nb-NO" dirty="0"/>
-              <a:t> </a:t>
-            </a:r>
-            <a:r>
-              <a:rPr lang="nb-NO" dirty="0" err="1"/>
-              <a:t>discussion</a:t>
-            </a:r>
-            <a:r>
-              <a:rPr lang="nb-NO" dirty="0"/>
-              <a:t> </a:t>
-            </a:r>
-            <a:r>
-              <a:rPr lang="nb-NO" dirty="0" err="1"/>
-              <a:t>board</a:t>
-            </a:r>
-            <a:r>
-              <a:rPr lang="nb-NO" dirty="0"/>
-              <a:t> </a:t>
-            </a:r>
-            <a:r>
-              <a:rPr lang="nb-NO" dirty="0" err="1"/>
-              <a:t>on</a:t>
-            </a:r>
-            <a:r>
-              <a:rPr lang="nb-NO" dirty="0"/>
-              <a:t> Teams</a:t>
-            </a:r>
-          </a:p>
-          <a:p>
-            <a:r>
-              <a:rPr lang="nb-NO" dirty="0" err="1"/>
-              <a:t>Respect</a:t>
-            </a:r>
-            <a:r>
-              <a:rPr lang="nb-NO" dirty="0"/>
-              <a:t> </a:t>
-            </a:r>
-            <a:r>
-              <a:rPr lang="nb-NO" dirty="0" err="1"/>
-              <a:t>each</a:t>
-            </a:r>
-            <a:r>
-              <a:rPr lang="nb-NO" dirty="0"/>
-              <a:t> </a:t>
-            </a:r>
-            <a:r>
-              <a:rPr lang="nb-NO" dirty="0" err="1"/>
-              <a:t>others</a:t>
-            </a:r>
-            <a:r>
-              <a:rPr lang="nb-NO" dirty="0"/>
-              <a:t> time [</a:t>
-            </a:r>
-            <a:r>
-              <a:rPr lang="nb-NO" dirty="0" err="1"/>
-              <a:t>wrt</a:t>
+              <a:t>you</a:t>
             </a:r>
             <a:r>
               <a:rPr lang="nb-NO" dirty="0"/>
@@ -6042,51 +6040,27 @@
             </a:r>
             <a:r>
               <a:rPr lang="nb-NO" dirty="0" err="1"/>
-              <a:t>work</a:t>
-            </a:r>
-            <a:r>
-              <a:rPr lang="nb-NO" dirty="0"/>
-              <a:t> </a:t>
-            </a:r>
-            <a:r>
-              <a:rPr lang="nb-NO" dirty="0" err="1"/>
-              <a:t>hours</a:t>
-            </a:r>
-            <a:r>
-              <a:rPr lang="nb-NO" dirty="0"/>
-              <a:t>]. </a:t>
-            </a:r>
-            <a:r>
-              <a:rPr lang="nb-NO" dirty="0" err="1"/>
-              <a:t>Includes</a:t>
-            </a:r>
-            <a:r>
-              <a:rPr lang="nb-NO" dirty="0"/>
-              <a:t> </a:t>
-            </a:r>
-            <a:r>
-              <a:rPr lang="nb-NO" dirty="0" err="1"/>
-              <a:t>notifying</a:t>
-            </a:r>
-            <a:r>
-              <a:rPr lang="nb-NO" dirty="0"/>
-              <a:t> </a:t>
-            </a:r>
-            <a:r>
-              <a:rPr lang="nb-NO" dirty="0" err="1"/>
-              <a:t>about</a:t>
-            </a:r>
-            <a:r>
-              <a:rPr lang="nb-NO" dirty="0"/>
-              <a:t> not </a:t>
-            </a:r>
-            <a:r>
-              <a:rPr lang="nb-NO" dirty="0" err="1"/>
-              <a:t>being</a:t>
-            </a:r>
-            <a:r>
-              <a:rPr lang="nb-NO" dirty="0"/>
-              <a:t> </a:t>
+              <a:t>Therefore</a:t>
+            </a:r>
+            <a:r>
+              <a:rPr lang="nb-NO" dirty="0"/>
+              <a:t> I </a:t>
+            </a:r>
+            <a:r>
+              <a:rPr lang="nb-NO" dirty="0" err="1"/>
+              <a:t>expect</a:t>
+            </a:r>
+            <a:r>
+              <a:rPr lang="nb-NO" dirty="0"/>
+              <a:t> </a:t>
+            </a:r>
+            <a:r>
+              <a:rPr lang="nb-NO" dirty="0" err="1"/>
+              <a:t>you</a:t>
+            </a:r>
+            <a:r>
+              <a:rPr lang="nb-NO" dirty="0"/>
+              <a:t> to be </a:t>
             </a:r>
             <a:r>
               <a:rPr lang="nb-NO" dirty="0" err="1"/>
@@ -6094,31 +6068,39 @@
             </a:r>
             <a:r>
               <a:rPr lang="nb-NO" dirty="0"/>
-              <a:t> for </a:t>
-            </a:r>
-            <a:r>
-              <a:rPr lang="nb-NO" dirty="0" err="1"/>
-              <a:t>meetings</a:t>
-            </a:r>
-            <a:r>
-              <a:rPr lang="nb-NO" dirty="0"/>
               <a:t> and </a:t>
             </a:r>
             <a:r>
               <a:rPr lang="nb-NO" dirty="0" err="1"/>
-              <a:t>respecting</a:t>
-            </a:r>
-            <a:r>
-              <a:rPr lang="nb-NO" dirty="0"/>
-              <a:t> time for </a:t>
-            </a:r>
-            <a:r>
-              <a:rPr lang="nb-NO" dirty="0" err="1"/>
-              <a:t>deliveries</a:t>
-            </a:r>
-            <a:r>
-              <a:rPr lang="nb-NO" dirty="0"/>
-              <a:t>.</a:t>
+              <a:t>respond</a:t>
+            </a:r>
+            <a:r>
+              <a:rPr lang="nb-NO" dirty="0"/>
+              <a:t> </a:t>
+            </a:r>
+            <a:r>
+              <a:rPr lang="nb-NO" dirty="0" err="1"/>
+              <a:t>quickly</a:t>
+            </a:r>
+            <a:r>
+              <a:rPr lang="nb-NO" dirty="0"/>
+              <a:t> (</a:t>
+            </a:r>
+            <a:r>
+              <a:rPr lang="nb-NO" dirty="0" err="1"/>
+              <a:t>within</a:t>
+            </a:r>
+            <a:r>
+              <a:rPr lang="nb-NO" dirty="0"/>
+              <a:t> </a:t>
+            </a:r>
+            <a:r>
+              <a:rPr lang="nb-NO" dirty="0" err="1"/>
+              <a:t>reason</a:t>
+            </a:r>
+            <a:r>
+              <a:rPr lang="nb-NO" dirty="0"/>
+              <a:t>)</a:t>
             </a:r>
             <a:endParaRPr lang="en-GB" dirty="0"/>
           </a:p>
@@ -6127,7 +6109,7 @@
     </p:spTree>
     <p:extLst>
       <p:ext uri="{BB962C8B-B14F-4D97-AF65-F5344CB8AC3E}">
-        <p14:creationId xmlns:p14="http://schemas.microsoft.com/office/powerpoint/2010/main" val="2868671182"/>
+        <p14:creationId xmlns:p14="http://schemas.microsoft.com/office/powerpoint/2010/main" val="2655566215"/>
       </p:ext>
     </p:extLst>
   </p:cSld>
@@ -6159,7 +6141,7 @@
           <p:cNvPr id="2" name="Title 1">
             <a:extLst>
               <a:ext uri="{FF2B5EF4-FFF2-40B4-BE49-F238E27FC236}">
-                <a16:creationId xmlns:a16="http://schemas.microsoft.com/office/drawing/2014/main" id="{55CCEF97-9460-43DD-B430-3BC304AD5B6D}"/>
+                <a16:creationId xmlns:a16="http://schemas.microsoft.com/office/drawing/2014/main" id="{69439ECD-3CD9-4AFB-97C9-9847185C750B}"/>
               </a:ext>
             </a:extLst>
           </p:cNvPr>
@@ -6177,11 +6159,19 @@
           <a:p>
             <a:r>
               <a:rPr lang="nb-NO" dirty="0"/>
-              <a:t>Groups and </a:t>
-            </a:r>
-            <a:r>
-              <a:rPr lang="nb-NO" dirty="0" err="1"/>
-              <a:t>meetings</a:t>
+              <a:t>My </a:t>
+            </a:r>
+            <a:r>
+              <a:rPr lang="nb-NO" dirty="0" err="1"/>
+              <a:t>promises</a:t>
+            </a:r>
+            <a:r>
+              <a:rPr lang="nb-NO" dirty="0"/>
+              <a:t> to </a:t>
+            </a:r>
+            <a:r>
+              <a:rPr lang="nb-NO" dirty="0" err="1"/>
+              <a:t>you</a:t>
             </a:r>
             <a:endParaRPr lang="en-GB" dirty="0"/>
           </a:p>
@@ -6192,7 +6182,7 @@
           <p:cNvPr id="3" name="Content Placeholder 2">
             <a:extLst>
               <a:ext uri="{FF2B5EF4-FFF2-40B4-BE49-F238E27FC236}">
-                <a16:creationId xmlns:a16="http://schemas.microsoft.com/office/drawing/2014/main" id="{AD1272EE-0E2C-43F0-BB01-3107073963EF}"/>
+                <a16:creationId xmlns:a16="http://schemas.microsoft.com/office/drawing/2014/main" id="{FE3F0B15-89A0-441F-9677-446312102D6B}"/>
               </a:ext>
             </a:extLst>
           </p:cNvPr>
@@ -6208,14 +6198,255 @@
           <a:bodyPr/>
           <a:lstStyle/>
           <a:p>
-            <a:endParaRPr lang="en-GB"/>
+            <a:r>
+              <a:rPr lang="nb-NO" dirty="0"/>
+              <a:t>I </a:t>
+            </a:r>
+            <a:r>
+              <a:rPr lang="nb-NO" dirty="0" err="1"/>
+              <a:t>will</a:t>
+            </a:r>
+            <a:r>
+              <a:rPr lang="nb-NO" dirty="0"/>
+              <a:t> be </a:t>
+            </a:r>
+            <a:r>
+              <a:rPr lang="nb-NO" dirty="0" err="1"/>
+              <a:t>managing</a:t>
+            </a:r>
+            <a:r>
+              <a:rPr lang="nb-NO" dirty="0"/>
+              <a:t> my time </a:t>
+            </a:r>
+            <a:r>
+              <a:rPr lang="nb-NO" dirty="0" err="1"/>
+              <a:t>between</a:t>
+            </a:r>
+            <a:r>
+              <a:rPr lang="nb-NO" dirty="0"/>
+              <a:t> different </a:t>
+            </a:r>
+            <a:r>
+              <a:rPr lang="nb-NO" dirty="0" err="1"/>
+              <a:t>activities</a:t>
+            </a:r>
+            <a:endParaRPr lang="nb-NO" dirty="0"/>
+          </a:p>
+          <a:p>
+            <a:pPr lvl="1"/>
+            <a:r>
+              <a:rPr lang="nb-NO" dirty="0"/>
+              <a:t>Student </a:t>
+            </a:r>
+            <a:r>
+              <a:rPr lang="nb-NO" dirty="0" err="1"/>
+              <a:t>assistant</a:t>
+            </a:r>
+            <a:r>
+              <a:rPr lang="nb-NO" dirty="0"/>
+              <a:t> </a:t>
+            </a:r>
+            <a:r>
+              <a:rPr lang="nb-NO" dirty="0" err="1"/>
+              <a:t>position</a:t>
+            </a:r>
+            <a:r>
+              <a:rPr lang="nb-NO" dirty="0"/>
+              <a:t> during </a:t>
+            </a:r>
+            <a:r>
+              <a:rPr lang="nb-NO" dirty="0" err="1"/>
+              <a:t>the</a:t>
+            </a:r>
+            <a:r>
+              <a:rPr lang="nb-NO" dirty="0"/>
+              <a:t> fall semester</a:t>
+            </a:r>
+            <a:endParaRPr lang="en-GB" dirty="0"/>
+          </a:p>
+          <a:p>
+            <a:pPr lvl="1"/>
+            <a:r>
+              <a:rPr lang="en-GB" dirty="0"/>
+              <a:t>Playing in the </a:t>
+            </a:r>
+            <a:r>
+              <a:rPr lang="en-GB" dirty="0" err="1"/>
+              <a:t>revy</a:t>
+            </a:r>
+            <a:r>
+              <a:rPr lang="en-GB" dirty="0"/>
+              <a:t> band, and also playing elsewhere some days</a:t>
+            </a:r>
+          </a:p>
+          <a:p>
+            <a:r>
+              <a:rPr lang="nb-NO" dirty="0"/>
+              <a:t>I have a </a:t>
+            </a:r>
+            <a:r>
+              <a:rPr lang="nb-NO" dirty="0" err="1"/>
+              <a:t>tendency</a:t>
+            </a:r>
+            <a:r>
+              <a:rPr lang="nb-NO" dirty="0"/>
+              <a:t> to </a:t>
+            </a:r>
+            <a:r>
+              <a:rPr lang="nb-NO" dirty="0" err="1"/>
+              <a:t>procrastinate</a:t>
+            </a:r>
+            <a:endParaRPr lang="nb-NO" dirty="0"/>
+          </a:p>
+          <a:p>
+            <a:pPr lvl="1"/>
+            <a:r>
+              <a:rPr lang="nb-NO" dirty="0"/>
+              <a:t>Long term plans make it so </a:t>
+            </a:r>
+            <a:r>
+              <a:rPr lang="nb-NO" dirty="0" err="1"/>
+              <a:t>that</a:t>
+            </a:r>
+            <a:r>
+              <a:rPr lang="nb-NO" dirty="0"/>
+              <a:t> I</a:t>
+            </a:r>
+            <a:r>
+              <a:rPr lang="nb-NO" b="1" dirty="0"/>
+              <a:t> must </a:t>
+            </a:r>
+            <a:r>
+              <a:rPr lang="nb-NO" dirty="0"/>
+              <a:t>finish </a:t>
+            </a:r>
+            <a:r>
+              <a:rPr lang="nb-NO" dirty="0" err="1"/>
+              <a:t>within</a:t>
+            </a:r>
+            <a:r>
+              <a:rPr lang="nb-NO" dirty="0"/>
+              <a:t> </a:t>
+            </a:r>
+            <a:r>
+              <a:rPr lang="nb-NO" dirty="0" err="1"/>
+              <a:t>alotted</a:t>
+            </a:r>
+            <a:r>
+              <a:rPr lang="nb-NO" dirty="0"/>
+              <a:t> time, and </a:t>
+            </a:r>
+            <a:r>
+              <a:rPr lang="nb-NO" dirty="0" err="1"/>
+              <a:t>I’m</a:t>
+            </a:r>
+            <a:r>
+              <a:rPr lang="nb-NO" dirty="0"/>
+              <a:t> </a:t>
+            </a:r>
+            <a:r>
+              <a:rPr lang="nb-NO" dirty="0" err="1"/>
+              <a:t>motivated</a:t>
+            </a:r>
+            <a:r>
+              <a:rPr lang="nb-NO" dirty="0"/>
+              <a:t> to do so</a:t>
+            </a:r>
+          </a:p>
+          <a:p>
+            <a:pPr lvl="1"/>
+            <a:r>
+              <a:rPr lang="nb-NO" dirty="0" err="1"/>
+              <a:t>Therefore</a:t>
+            </a:r>
+            <a:r>
+              <a:rPr lang="nb-NO" dirty="0"/>
+              <a:t> I </a:t>
+            </a:r>
+            <a:r>
+              <a:rPr lang="nb-NO" dirty="0" err="1"/>
+              <a:t>will</a:t>
+            </a:r>
+            <a:r>
+              <a:rPr lang="nb-NO" dirty="0"/>
+              <a:t> start more </a:t>
+            </a:r>
+            <a:r>
+              <a:rPr lang="nb-NO" dirty="0" err="1"/>
+              <a:t>modestly</a:t>
+            </a:r>
+            <a:r>
+              <a:rPr lang="nb-NO" dirty="0"/>
+              <a:t> (</a:t>
+            </a:r>
+            <a:r>
+              <a:rPr lang="nb-NO" dirty="0" err="1"/>
+              <a:t>than</a:t>
+            </a:r>
+            <a:r>
+              <a:rPr lang="nb-NO" dirty="0"/>
+              <a:t> I </a:t>
+            </a:r>
+            <a:r>
+              <a:rPr lang="nb-NO" dirty="0" err="1"/>
+              <a:t>would</a:t>
+            </a:r>
+            <a:r>
+              <a:rPr lang="nb-NO" dirty="0"/>
+              <a:t> like) </a:t>
+            </a:r>
+            <a:r>
+              <a:rPr lang="nb-NO" dirty="0" err="1"/>
+              <a:t>with</a:t>
+            </a:r>
+            <a:r>
+              <a:rPr lang="nb-NO" dirty="0"/>
+              <a:t> </a:t>
+            </a:r>
+            <a:r>
+              <a:rPr lang="nb-NO" dirty="0" err="1"/>
+              <a:t>the</a:t>
+            </a:r>
+            <a:r>
+              <a:rPr lang="nb-NO" dirty="0"/>
+              <a:t> </a:t>
+            </a:r>
+            <a:r>
+              <a:rPr lang="nb-NO" dirty="0" err="1"/>
+              <a:t>scope</a:t>
+            </a:r>
+            <a:r>
+              <a:rPr lang="nb-NO" dirty="0"/>
+              <a:t> </a:t>
+            </a:r>
+            <a:r>
+              <a:rPr lang="nb-NO" dirty="0" err="1"/>
+              <a:t>of</a:t>
+            </a:r>
+            <a:r>
+              <a:rPr lang="nb-NO" dirty="0"/>
+              <a:t> </a:t>
+            </a:r>
+            <a:r>
+              <a:rPr lang="nb-NO" dirty="0" err="1"/>
+              <a:t>work</a:t>
+            </a:r>
+            <a:r>
+              <a:rPr lang="nb-NO" dirty="0"/>
+              <a:t> and </a:t>
+            </a:r>
+            <a:r>
+              <a:rPr lang="nb-NO" dirty="0" err="1"/>
+              <a:t>expand</a:t>
+            </a:r>
+            <a:endParaRPr lang="nb-NO" dirty="0"/>
           </a:p>
         </p:txBody>
       </p:sp>
     </p:spTree>
     <p:extLst>
       <p:ext uri="{BB962C8B-B14F-4D97-AF65-F5344CB8AC3E}">
-        <p14:creationId xmlns:p14="http://schemas.microsoft.com/office/powerpoint/2010/main" val="3535460785"/>
+        <p14:creationId xmlns:p14="http://schemas.microsoft.com/office/powerpoint/2010/main" val="3857087672"/>
       </p:ext>
     </p:extLst>
   </p:cSld>
@@ -6247,7 +6478,7 @@
           <p:cNvPr id="2" name="Title 1">
             <a:extLst>
               <a:ext uri="{FF2B5EF4-FFF2-40B4-BE49-F238E27FC236}">
-                <a16:creationId xmlns:a16="http://schemas.microsoft.com/office/drawing/2014/main" id="{D1FA454F-487C-4A90-9ED9-11F6F58DC691}"/>
+                <a16:creationId xmlns:a16="http://schemas.microsoft.com/office/drawing/2014/main" id="{D6D78DD2-A80E-4E85-A635-702A6330AB51}"/>
               </a:ext>
             </a:extLst>
           </p:cNvPr>
@@ -6264,16 +6495,12 @@
           <a:lstStyle/>
           <a:p>
             <a:r>
-              <a:rPr lang="nb-NO" dirty="0" err="1"/>
-              <a:t>Next</a:t>
-            </a:r>
-            <a:r>
-              <a:rPr lang="nb-NO" dirty="0"/>
-              <a:t> </a:t>
-            </a:r>
-            <a:r>
-              <a:rPr lang="nb-NO" dirty="0" err="1"/>
-              <a:t>meeting</a:t>
+              <a:rPr lang="nb-NO" dirty="0"/>
+              <a:t>Mutual </a:t>
+            </a:r>
+            <a:r>
+              <a:rPr lang="nb-NO" dirty="0" err="1"/>
+              <a:t>expectations</a:t>
             </a:r>
             <a:endParaRPr lang="en-GB" dirty="0"/>
           </a:p>
@@ -6284,7 +6511,7 @@
           <p:cNvPr id="3" name="Content Placeholder 2">
             <a:extLst>
               <a:ext uri="{FF2B5EF4-FFF2-40B4-BE49-F238E27FC236}">
-                <a16:creationId xmlns:a16="http://schemas.microsoft.com/office/drawing/2014/main" id="{EEDE0348-4BAD-4DC6-A630-22EDE1929B6C}"/>
+                <a16:creationId xmlns:a16="http://schemas.microsoft.com/office/drawing/2014/main" id="{1DAC432C-DB26-424F-993A-6D5CF58E03A4}"/>
               </a:ext>
             </a:extLst>
           </p:cNvPr>
@@ -6300,7 +6527,1607 @@
           <a:bodyPr/>
           <a:lstStyle/>
           <a:p>
+            <a:r>
+              <a:rPr lang="nb-NO" dirty="0"/>
+              <a:t>Make notes </a:t>
+            </a:r>
+            <a:r>
+              <a:rPr lang="nb-NO" dirty="0" err="1"/>
+              <a:t>of</a:t>
+            </a:r>
+            <a:r>
+              <a:rPr lang="nb-NO" dirty="0"/>
+              <a:t> </a:t>
+            </a:r>
+            <a:r>
+              <a:rPr lang="nb-NO" dirty="0" err="1"/>
+              <a:t>items</a:t>
+            </a:r>
+            <a:r>
+              <a:rPr lang="nb-NO" dirty="0"/>
+              <a:t> </a:t>
+            </a:r>
+            <a:r>
+              <a:rPr lang="nb-NO" dirty="0" err="1"/>
+              <a:t>of</a:t>
+            </a:r>
+            <a:r>
+              <a:rPr lang="nb-NO" dirty="0"/>
+              <a:t> </a:t>
+            </a:r>
+            <a:r>
+              <a:rPr lang="nb-NO" dirty="0" err="1"/>
+              <a:t>discussion</a:t>
+            </a:r>
+            <a:r>
+              <a:rPr lang="nb-NO" dirty="0"/>
+              <a:t>, so </a:t>
+            </a:r>
+            <a:r>
+              <a:rPr lang="nb-NO" dirty="0" err="1"/>
+              <a:t>they’re</a:t>
+            </a:r>
+            <a:r>
+              <a:rPr lang="nb-NO" dirty="0"/>
+              <a:t> not lost</a:t>
+            </a:r>
+          </a:p>
+          <a:p>
+            <a:pPr lvl="1"/>
+            <a:r>
+              <a:rPr lang="nb-NO" dirty="0" err="1"/>
+              <a:t>Use</a:t>
+            </a:r>
+            <a:r>
+              <a:rPr lang="nb-NO" dirty="0"/>
+              <a:t> </a:t>
+            </a:r>
+            <a:r>
+              <a:rPr lang="nb-NO" dirty="0" err="1"/>
+              <a:t>the</a:t>
+            </a:r>
+            <a:r>
+              <a:rPr lang="nb-NO" dirty="0"/>
+              <a:t> </a:t>
+            </a:r>
+            <a:r>
+              <a:rPr lang="nb-NO" dirty="0" err="1"/>
+              <a:t>discussion</a:t>
+            </a:r>
+            <a:r>
+              <a:rPr lang="nb-NO" dirty="0"/>
+              <a:t> </a:t>
+            </a:r>
+            <a:r>
+              <a:rPr lang="nb-NO" dirty="0" err="1"/>
+              <a:t>board</a:t>
+            </a:r>
+            <a:r>
+              <a:rPr lang="nb-NO" dirty="0"/>
+              <a:t> </a:t>
+            </a:r>
+            <a:r>
+              <a:rPr lang="nb-NO" dirty="0" err="1"/>
+              <a:t>on</a:t>
+            </a:r>
+            <a:r>
+              <a:rPr lang="nb-NO" dirty="0"/>
+              <a:t> Teams</a:t>
+            </a:r>
+          </a:p>
+          <a:p>
+            <a:r>
+              <a:rPr lang="nb-NO" dirty="0" err="1"/>
+              <a:t>Respect</a:t>
+            </a:r>
+            <a:r>
+              <a:rPr lang="nb-NO" dirty="0"/>
+              <a:t> </a:t>
+            </a:r>
+            <a:r>
+              <a:rPr lang="nb-NO" dirty="0" err="1"/>
+              <a:t>each</a:t>
+            </a:r>
+            <a:r>
+              <a:rPr lang="nb-NO" dirty="0"/>
+              <a:t> </a:t>
+            </a:r>
+            <a:r>
+              <a:rPr lang="nb-NO" dirty="0" err="1"/>
+              <a:t>others</a:t>
+            </a:r>
+            <a:r>
+              <a:rPr lang="nb-NO" dirty="0"/>
+              <a:t> time [</a:t>
+            </a:r>
+            <a:r>
+              <a:rPr lang="nb-NO" dirty="0" err="1"/>
+              <a:t>wrt</a:t>
+            </a:r>
+            <a:r>
+              <a:rPr lang="nb-NO" dirty="0"/>
+              <a:t>. </a:t>
+            </a:r>
+            <a:r>
+              <a:rPr lang="nb-NO" dirty="0" err="1"/>
+              <a:t>work</a:t>
+            </a:r>
+            <a:r>
+              <a:rPr lang="nb-NO" dirty="0"/>
+              <a:t> </a:t>
+            </a:r>
+            <a:r>
+              <a:rPr lang="nb-NO" dirty="0" err="1"/>
+              <a:t>hours</a:t>
+            </a:r>
+            <a:r>
+              <a:rPr lang="nb-NO" dirty="0"/>
+              <a:t>]. </a:t>
+            </a:r>
+            <a:r>
+              <a:rPr lang="nb-NO" dirty="0" err="1"/>
+              <a:t>Includes</a:t>
+            </a:r>
+            <a:r>
+              <a:rPr lang="nb-NO" dirty="0"/>
+              <a:t> </a:t>
+            </a:r>
+            <a:r>
+              <a:rPr lang="nb-NO" dirty="0" err="1"/>
+              <a:t>notifying</a:t>
+            </a:r>
+            <a:r>
+              <a:rPr lang="nb-NO" dirty="0"/>
+              <a:t> </a:t>
+            </a:r>
+            <a:r>
+              <a:rPr lang="nb-NO" dirty="0" err="1"/>
+              <a:t>about</a:t>
+            </a:r>
+            <a:r>
+              <a:rPr lang="nb-NO" dirty="0"/>
+              <a:t> not </a:t>
+            </a:r>
+            <a:r>
+              <a:rPr lang="nb-NO" dirty="0" err="1"/>
+              <a:t>being</a:t>
+            </a:r>
+            <a:r>
+              <a:rPr lang="nb-NO" dirty="0"/>
+              <a:t> </a:t>
+            </a:r>
+            <a:r>
+              <a:rPr lang="nb-NO" dirty="0" err="1"/>
+              <a:t>available</a:t>
+            </a:r>
+            <a:r>
+              <a:rPr lang="nb-NO" dirty="0"/>
+              <a:t> for </a:t>
+            </a:r>
+            <a:r>
+              <a:rPr lang="nb-NO" dirty="0" err="1"/>
+              <a:t>meetings</a:t>
+            </a:r>
+            <a:r>
+              <a:rPr lang="nb-NO" dirty="0"/>
+              <a:t> and </a:t>
+            </a:r>
+            <a:r>
+              <a:rPr lang="nb-NO" dirty="0" err="1"/>
+              <a:t>respecting</a:t>
+            </a:r>
+            <a:r>
+              <a:rPr lang="nb-NO" dirty="0"/>
+              <a:t> time for </a:t>
+            </a:r>
+            <a:r>
+              <a:rPr lang="nb-NO" dirty="0" err="1"/>
+              <a:t>deliveries</a:t>
+            </a:r>
+            <a:r>
+              <a:rPr lang="nb-NO" dirty="0"/>
+              <a:t>.</a:t>
+            </a:r>
+          </a:p>
+          <a:p>
+            <a:endParaRPr lang="nb-NO" dirty="0"/>
+          </a:p>
+          <a:p>
+            <a:endParaRPr lang="nb-NO" dirty="0"/>
+          </a:p>
+          <a:p>
+            <a:r>
+              <a:rPr lang="nb-NO" dirty="0"/>
+              <a:t>I </a:t>
+            </a:r>
+            <a:r>
+              <a:rPr lang="nb-NO" dirty="0" err="1"/>
+              <a:t>will</a:t>
+            </a:r>
+            <a:r>
+              <a:rPr lang="nb-NO" dirty="0"/>
+              <a:t> be </a:t>
+            </a:r>
+            <a:r>
+              <a:rPr lang="nb-NO" dirty="0" err="1"/>
+              <a:t>available</a:t>
+            </a:r>
+            <a:r>
+              <a:rPr lang="nb-NO" dirty="0"/>
+              <a:t> all </a:t>
+            </a:r>
+            <a:r>
+              <a:rPr lang="nb-NO" dirty="0" err="1"/>
+              <a:t>weekdays</a:t>
+            </a:r>
+            <a:r>
+              <a:rPr lang="nb-NO" dirty="0"/>
+              <a:t>, </a:t>
+            </a:r>
+            <a:r>
+              <a:rPr lang="nb-NO" dirty="0" err="1"/>
+              <a:t>mainly</a:t>
+            </a:r>
+            <a:r>
+              <a:rPr lang="nb-NO" dirty="0"/>
+              <a:t> from 9 to 17</a:t>
+            </a:r>
             <a:endParaRPr lang="en-GB" dirty="0"/>
+          </a:p>
+        </p:txBody>
+      </p:sp>
+    </p:spTree>
+    <p:extLst>
+      <p:ext uri="{BB962C8B-B14F-4D97-AF65-F5344CB8AC3E}">
+        <p14:creationId xmlns:p14="http://schemas.microsoft.com/office/powerpoint/2010/main" val="2868671182"/>
+      </p:ext>
+    </p:extLst>
+  </p:cSld>
+  <p:clrMapOvr>
+    <a:masterClrMapping/>
+  </p:clrMapOvr>
+</p:sld>
+</file>
+
+<file path=ppt/slides/slide13.xml><?xml version="1.0" encoding="utf-8"?>
+<p:sld xmlns:a="http://schemas.openxmlformats.org/drawingml/2006/main" xmlns:r="http://schemas.openxmlformats.org/officeDocument/2006/relationships" xmlns:p="http://schemas.openxmlformats.org/presentationml/2006/main">
+  <p:cSld>
+    <p:spTree>
+      <p:nvGrpSpPr>
+        <p:cNvPr id="1" name=""/>
+        <p:cNvGrpSpPr/>
+        <p:nvPr/>
+      </p:nvGrpSpPr>
+      <p:grpSpPr>
+        <a:xfrm>
+          <a:off x="0" y="0"/>
+          <a:ext cx="0" cy="0"/>
+          <a:chOff x="0" y="0"/>
+          <a:chExt cx="0" cy="0"/>
+        </a:xfrm>
+      </p:grpSpPr>
+      <p:sp>
+        <p:nvSpPr>
+          <p:cNvPr id="2" name="Title 1">
+            <a:extLst>
+              <a:ext uri="{FF2B5EF4-FFF2-40B4-BE49-F238E27FC236}">
+                <a16:creationId xmlns:a16="http://schemas.microsoft.com/office/drawing/2014/main" id="{55CCEF97-9460-43DD-B430-3BC304AD5B6D}"/>
+              </a:ext>
+            </a:extLst>
+          </p:cNvPr>
+          <p:cNvSpPr>
+            <a:spLocks noGrp="1"/>
+          </p:cNvSpPr>
+          <p:nvPr>
+            <p:ph type="title"/>
+          </p:nvPr>
+        </p:nvSpPr>
+        <p:spPr/>
+        <p:txBody>
+          <a:bodyPr/>
+          <a:lstStyle/>
+          <a:p>
+            <a:r>
+              <a:rPr lang="nb-NO" dirty="0"/>
+              <a:t>Groups and </a:t>
+            </a:r>
+            <a:r>
+              <a:rPr lang="nb-NO" dirty="0" err="1"/>
+              <a:t>meetings</a:t>
+            </a:r>
+            <a:endParaRPr lang="en-GB" dirty="0"/>
+          </a:p>
+        </p:txBody>
+      </p:sp>
+      <p:graphicFrame>
+        <p:nvGraphicFramePr>
+          <p:cNvPr id="4" name="Table 4">
+            <a:extLst>
+              <a:ext uri="{FF2B5EF4-FFF2-40B4-BE49-F238E27FC236}">
+                <a16:creationId xmlns:a16="http://schemas.microsoft.com/office/drawing/2014/main" id="{CB871B16-0242-4166-BE76-D43BF0B5FC72}"/>
+              </a:ext>
+            </a:extLst>
+          </p:cNvPr>
+          <p:cNvGraphicFramePr>
+            <a:graphicFrameLocks noGrp="1"/>
+          </p:cNvGraphicFramePr>
+          <p:nvPr>
+            <p:ph idx="1"/>
+            <p:extLst>
+              <p:ext uri="{D42A27DB-BD31-4B8C-83A1-F6EECF244321}">
+                <p14:modId xmlns:p14="http://schemas.microsoft.com/office/powerpoint/2010/main" val="1186901982"/>
+              </p:ext>
+            </p:extLst>
+          </p:nvPr>
+        </p:nvGraphicFramePr>
+        <p:xfrm>
+          <a:off x="4806923" y="2788329"/>
+          <a:ext cx="6476774" cy="2943003"/>
+        </p:xfrm>
+        <a:graphic>
+          <a:graphicData uri="http://schemas.openxmlformats.org/drawingml/2006/table">
+            <a:tbl>
+              <a:tblPr firstCol="1" bandRow="1">
+                <a:tableStyleId>{93296810-A885-4BE3-A3E7-6D5BEEA58F35}</a:tableStyleId>
+              </a:tblPr>
+              <a:tblGrid>
+                <a:gridCol w="3238387">
+                  <a:extLst>
+                    <a:ext uri="{9D8B030D-6E8A-4147-A177-3AD203B41FA5}">
+                      <a16:colId xmlns:a16="http://schemas.microsoft.com/office/drawing/2014/main" val="591642725"/>
+                    </a:ext>
+                  </a:extLst>
+                </a:gridCol>
+                <a:gridCol w="3238387">
+                  <a:extLst>
+                    <a:ext uri="{9D8B030D-6E8A-4147-A177-3AD203B41FA5}">
+                      <a16:colId xmlns:a16="http://schemas.microsoft.com/office/drawing/2014/main" val="1598503229"/>
+                    </a:ext>
+                  </a:extLst>
+                </a:gridCol>
+              </a:tblGrid>
+              <a:tr h="420429">
+                <a:tc>
+                  <a:txBody>
+                    <a:bodyPr/>
+                    <a:lstStyle/>
+                    <a:p>
+                      <a:pPr algn="ctr"/>
+                      <a:r>
+                        <a:rPr lang="nb-NO" sz="2000" dirty="0"/>
+                        <a:t>General</a:t>
+                      </a:r>
+                      <a:endParaRPr lang="en-GB" sz="2000" dirty="0"/>
+                    </a:p>
+                  </a:txBody>
+                  <a:tcPr>
+                    <a:lnL w="12700" cmpd="sng">
+                      <a:noFill/>
+                    </a:lnL>
+                    <a:lnR w="12700" cmpd="sng">
+                      <a:noFill/>
+                    </a:lnR>
+                    <a:lnT w="12700" cap="flat" cmpd="sng" algn="ctr">
+                      <a:solidFill>
+                        <a:schemeClr val="tx1"/>
+                      </a:solidFill>
+                      <a:prstDash val="solid"/>
+                      <a:round/>
+                      <a:headEnd type="none" w="med" len="med"/>
+                      <a:tailEnd type="none" w="med" len="med"/>
+                    </a:lnT>
+                    <a:lnB w="12700" cap="flat" cmpd="sng" algn="ctr">
+                      <a:solidFill>
+                        <a:schemeClr val="tx1"/>
+                      </a:solidFill>
+                      <a:prstDash val="solid"/>
+                      <a:round/>
+                      <a:headEnd type="none" w="med" len="med"/>
+                      <a:tailEnd type="none" w="med" len="med"/>
+                    </a:lnB>
+                    <a:lnTlToBr w="12700" cmpd="sng">
+                      <a:noFill/>
+                      <a:prstDash val="solid"/>
+                    </a:lnTlToBr>
+                    <a:lnBlToTr w="12700" cmpd="sng">
+                      <a:noFill/>
+                      <a:prstDash val="solid"/>
+                    </a:lnBlToTr>
+                  </a:tcPr>
+                </a:tc>
+                <a:tc>
+                  <a:txBody>
+                    <a:bodyPr/>
+                    <a:lstStyle/>
+                    <a:p>
+                      <a:pPr algn="ctr"/>
+                      <a:r>
+                        <a:rPr lang="nb-NO" sz="2000" dirty="0" err="1"/>
+                        <a:t>Everyone</a:t>
+                      </a:r>
+                      <a:endParaRPr lang="en-GB" sz="2000" dirty="0"/>
+                    </a:p>
+                  </a:txBody>
+                  <a:tcPr>
+                    <a:lnL w="12700" cmpd="sng">
+                      <a:noFill/>
+                    </a:lnL>
+                    <a:lnR w="12700" cmpd="sng">
+                      <a:noFill/>
+                    </a:lnR>
+                    <a:lnT w="12700" cap="flat" cmpd="sng" algn="ctr">
+                      <a:solidFill>
+                        <a:schemeClr val="tx1"/>
+                      </a:solidFill>
+                      <a:prstDash val="solid"/>
+                      <a:round/>
+                      <a:headEnd type="none" w="med" len="med"/>
+                      <a:tailEnd type="none" w="med" len="med"/>
+                    </a:lnT>
+                    <a:lnB w="12700" cap="flat" cmpd="sng" algn="ctr">
+                      <a:solidFill>
+                        <a:schemeClr val="tx1"/>
+                      </a:solidFill>
+                      <a:prstDash val="solid"/>
+                      <a:round/>
+                      <a:headEnd type="none" w="med" len="med"/>
+                      <a:tailEnd type="none" w="med" len="med"/>
+                    </a:lnB>
+                    <a:lnTlToBr w="12700" cmpd="sng">
+                      <a:noFill/>
+                      <a:prstDash val="solid"/>
+                    </a:lnTlToBr>
+                    <a:lnBlToTr w="12700" cmpd="sng">
+                      <a:noFill/>
+                      <a:prstDash val="solid"/>
+                    </a:lnBlToTr>
+                  </a:tcPr>
+                </a:tc>
+                <a:extLst>
+                  <a:ext uri="{0D108BD9-81ED-4DB2-BD59-A6C34878D82A}">
+                    <a16:rowId xmlns:a16="http://schemas.microsoft.com/office/drawing/2014/main" val="2265545225"/>
+                  </a:ext>
+                </a:extLst>
+              </a:tr>
+              <a:tr h="420429">
+                <a:tc>
+                  <a:txBody>
+                    <a:bodyPr/>
+                    <a:lstStyle/>
+                    <a:p>
+                      <a:pPr algn="ctr"/>
+                      <a:r>
+                        <a:rPr lang="nb-NO" sz="2000" dirty="0" err="1"/>
+                        <a:t>Academics</a:t>
+                      </a:r>
+                      <a:r>
+                        <a:rPr lang="nb-NO" sz="2000" dirty="0"/>
+                        <a:t> and </a:t>
+                      </a:r>
+                      <a:r>
+                        <a:rPr lang="nb-NO" sz="2000" dirty="0" err="1"/>
+                        <a:t>Writing</a:t>
+                      </a:r>
+                      <a:endParaRPr lang="en-GB" sz="2000" dirty="0"/>
+                    </a:p>
+                  </a:txBody>
+                  <a:tcPr>
+                    <a:lnL w="12700" cmpd="sng">
+                      <a:noFill/>
+                    </a:lnL>
+                    <a:lnR w="12700" cmpd="sng">
+                      <a:noFill/>
+                    </a:lnR>
+                    <a:lnT w="12700" cap="flat" cmpd="sng" algn="ctr">
+                      <a:solidFill>
+                        <a:schemeClr val="tx1"/>
+                      </a:solidFill>
+                      <a:prstDash val="solid"/>
+                      <a:round/>
+                      <a:headEnd type="none" w="med" len="med"/>
+                      <a:tailEnd type="none" w="med" len="med"/>
+                    </a:lnT>
+                    <a:lnB w="12700" cap="flat" cmpd="sng" algn="ctr">
+                      <a:solidFill>
+                        <a:schemeClr val="tx1"/>
+                      </a:solidFill>
+                      <a:prstDash val="solid"/>
+                      <a:round/>
+                      <a:headEnd type="none" w="med" len="med"/>
+                      <a:tailEnd type="none" w="med" len="med"/>
+                    </a:lnB>
+                    <a:lnTlToBr w="12700" cmpd="sng">
+                      <a:noFill/>
+                      <a:prstDash val="solid"/>
+                    </a:lnTlToBr>
+                    <a:lnBlToTr w="12700" cmpd="sng">
+                      <a:noFill/>
+                      <a:prstDash val="solid"/>
+                    </a:lnBlToTr>
+                  </a:tcPr>
+                </a:tc>
+                <a:tc>
+                  <a:txBody>
+                    <a:bodyPr/>
+                    <a:lstStyle/>
+                    <a:p>
+                      <a:pPr algn="ctr"/>
+                      <a:r>
+                        <a:rPr lang="nb-NO" sz="2000" dirty="0"/>
+                        <a:t>Maarten &amp; Bjørn</a:t>
+                      </a:r>
+                      <a:endParaRPr lang="en-GB" sz="2000" dirty="0"/>
+                    </a:p>
+                  </a:txBody>
+                  <a:tcPr>
+                    <a:lnL w="12700" cmpd="sng">
+                      <a:noFill/>
+                    </a:lnL>
+                    <a:lnR w="12700" cmpd="sng">
+                      <a:noFill/>
+                    </a:lnR>
+                    <a:lnT w="12700" cap="flat" cmpd="sng" algn="ctr">
+                      <a:solidFill>
+                        <a:schemeClr val="tx1"/>
+                      </a:solidFill>
+                      <a:prstDash val="solid"/>
+                      <a:round/>
+                      <a:headEnd type="none" w="med" len="med"/>
+                      <a:tailEnd type="none" w="med" len="med"/>
+                    </a:lnT>
+                    <a:lnB w="12700" cap="flat" cmpd="sng" algn="ctr">
+                      <a:solidFill>
+                        <a:schemeClr val="tx1"/>
+                      </a:solidFill>
+                      <a:prstDash val="solid"/>
+                      <a:round/>
+                      <a:headEnd type="none" w="med" len="med"/>
+                      <a:tailEnd type="none" w="med" len="med"/>
+                    </a:lnB>
+                    <a:lnTlToBr w="12700" cmpd="sng">
+                      <a:noFill/>
+                      <a:prstDash val="solid"/>
+                    </a:lnTlToBr>
+                    <a:lnBlToTr w="12700" cmpd="sng">
+                      <a:noFill/>
+                      <a:prstDash val="solid"/>
+                    </a:lnBlToTr>
+                  </a:tcPr>
+                </a:tc>
+                <a:extLst>
+                  <a:ext uri="{0D108BD9-81ED-4DB2-BD59-A6C34878D82A}">
+                    <a16:rowId xmlns:a16="http://schemas.microsoft.com/office/drawing/2014/main" val="1242441107"/>
+                  </a:ext>
+                </a:extLst>
+              </a:tr>
+              <a:tr h="420429">
+                <a:tc>
+                  <a:txBody>
+                    <a:bodyPr/>
+                    <a:lstStyle/>
+                    <a:p>
+                      <a:pPr algn="ctr"/>
+                      <a:r>
+                        <a:rPr lang="nb-NO" sz="2000" dirty="0" err="1"/>
+                        <a:t>Geology</a:t>
+                      </a:r>
+                      <a:endParaRPr lang="en-GB" sz="2000" dirty="0"/>
+                    </a:p>
+                  </a:txBody>
+                  <a:tcPr>
+                    <a:lnL w="12700" cmpd="sng">
+                      <a:noFill/>
+                    </a:lnL>
+                    <a:lnR w="12700" cmpd="sng">
+                      <a:noFill/>
+                    </a:lnR>
+                    <a:lnT w="12700" cap="flat" cmpd="sng" algn="ctr">
+                      <a:solidFill>
+                        <a:schemeClr val="tx1"/>
+                      </a:solidFill>
+                      <a:prstDash val="solid"/>
+                      <a:round/>
+                      <a:headEnd type="none" w="med" len="med"/>
+                      <a:tailEnd type="none" w="med" len="med"/>
+                    </a:lnT>
+                    <a:lnB w="12700" cap="flat" cmpd="sng" algn="ctr">
+                      <a:solidFill>
+                        <a:schemeClr val="tx1"/>
+                      </a:solidFill>
+                      <a:prstDash val="solid"/>
+                      <a:round/>
+                      <a:headEnd type="none" w="med" len="med"/>
+                      <a:tailEnd type="none" w="med" len="med"/>
+                    </a:lnB>
+                    <a:lnTlToBr w="12700" cmpd="sng">
+                      <a:noFill/>
+                      <a:prstDash val="solid"/>
+                    </a:lnTlToBr>
+                    <a:lnBlToTr w="12700" cmpd="sng">
+                      <a:noFill/>
+                      <a:prstDash val="solid"/>
+                    </a:lnBlToTr>
+                  </a:tcPr>
+                </a:tc>
+                <a:tc>
+                  <a:txBody>
+                    <a:bodyPr/>
+                    <a:lstStyle/>
+                    <a:p>
+                      <a:pPr algn="ctr"/>
+                      <a:r>
+                        <a:rPr lang="nb-NO" sz="2000" dirty="0"/>
+                        <a:t>Bjørn</a:t>
+                      </a:r>
+                      <a:endParaRPr lang="en-GB" sz="2000" dirty="0"/>
+                    </a:p>
+                  </a:txBody>
+                  <a:tcPr>
+                    <a:lnL w="12700" cmpd="sng">
+                      <a:noFill/>
+                    </a:lnL>
+                    <a:lnR w="12700" cmpd="sng">
+                      <a:noFill/>
+                    </a:lnR>
+                    <a:lnT w="12700" cap="flat" cmpd="sng" algn="ctr">
+                      <a:solidFill>
+                        <a:schemeClr val="tx1"/>
+                      </a:solidFill>
+                      <a:prstDash val="solid"/>
+                      <a:round/>
+                      <a:headEnd type="none" w="med" len="med"/>
+                      <a:tailEnd type="none" w="med" len="med"/>
+                    </a:lnT>
+                    <a:lnB w="12700" cap="flat" cmpd="sng" algn="ctr">
+                      <a:solidFill>
+                        <a:schemeClr val="tx1"/>
+                      </a:solidFill>
+                      <a:prstDash val="solid"/>
+                      <a:round/>
+                      <a:headEnd type="none" w="med" len="med"/>
+                      <a:tailEnd type="none" w="med" len="med"/>
+                    </a:lnB>
+                    <a:lnTlToBr w="12700" cmpd="sng">
+                      <a:noFill/>
+                      <a:prstDash val="solid"/>
+                    </a:lnTlToBr>
+                    <a:lnBlToTr w="12700" cmpd="sng">
+                      <a:noFill/>
+                      <a:prstDash val="solid"/>
+                    </a:lnBlToTr>
+                  </a:tcPr>
+                </a:tc>
+                <a:extLst>
+                  <a:ext uri="{0D108BD9-81ED-4DB2-BD59-A6C34878D82A}">
+                    <a16:rowId xmlns:a16="http://schemas.microsoft.com/office/drawing/2014/main" val="3129974690"/>
+                  </a:ext>
+                </a:extLst>
+              </a:tr>
+              <a:tr h="420429">
+                <a:tc>
+                  <a:txBody>
+                    <a:bodyPr/>
+                    <a:lstStyle/>
+                    <a:p>
+                      <a:pPr algn="ctr"/>
+                      <a:r>
+                        <a:rPr lang="nb-NO" sz="2000" dirty="0" err="1"/>
+                        <a:t>Geophysics</a:t>
+                      </a:r>
+                      <a:endParaRPr lang="en-GB" sz="2000" dirty="0"/>
+                    </a:p>
+                  </a:txBody>
+                  <a:tcPr>
+                    <a:lnL w="12700" cmpd="sng">
+                      <a:noFill/>
+                    </a:lnL>
+                    <a:lnR w="12700" cmpd="sng">
+                      <a:noFill/>
+                    </a:lnR>
+                    <a:lnT w="12700" cap="flat" cmpd="sng" algn="ctr">
+                      <a:solidFill>
+                        <a:schemeClr val="tx1"/>
+                      </a:solidFill>
+                      <a:prstDash val="solid"/>
+                      <a:round/>
+                      <a:headEnd type="none" w="med" len="med"/>
+                      <a:tailEnd type="none" w="med" len="med"/>
+                    </a:lnT>
+                    <a:lnB w="12700" cap="flat" cmpd="sng" algn="ctr">
+                      <a:solidFill>
+                        <a:schemeClr val="tx1"/>
+                      </a:solidFill>
+                      <a:prstDash val="solid"/>
+                      <a:round/>
+                      <a:headEnd type="none" w="med" len="med"/>
+                      <a:tailEnd type="none" w="med" len="med"/>
+                    </a:lnB>
+                    <a:lnTlToBr w="12700" cmpd="sng">
+                      <a:noFill/>
+                      <a:prstDash val="solid"/>
+                    </a:lnTlToBr>
+                    <a:lnBlToTr w="12700" cmpd="sng">
+                      <a:noFill/>
+                      <a:prstDash val="solid"/>
+                    </a:lnBlToTr>
+                  </a:tcPr>
+                </a:tc>
+                <a:tc>
+                  <a:txBody>
+                    <a:bodyPr/>
+                    <a:lstStyle/>
+                    <a:p>
+                      <a:pPr algn="ctr"/>
+                      <a:r>
+                        <a:rPr lang="nb-NO" sz="2000" dirty="0"/>
+                        <a:t>Guillaume &amp; Maarten</a:t>
+                      </a:r>
+                      <a:endParaRPr lang="en-GB" sz="2000" dirty="0"/>
+                    </a:p>
+                  </a:txBody>
+                  <a:tcPr>
+                    <a:lnL w="12700" cmpd="sng">
+                      <a:noFill/>
+                    </a:lnL>
+                    <a:lnR w="12700" cmpd="sng">
+                      <a:noFill/>
+                    </a:lnR>
+                    <a:lnT w="12700" cap="flat" cmpd="sng" algn="ctr">
+                      <a:solidFill>
+                        <a:schemeClr val="tx1"/>
+                      </a:solidFill>
+                      <a:prstDash val="solid"/>
+                      <a:round/>
+                      <a:headEnd type="none" w="med" len="med"/>
+                      <a:tailEnd type="none" w="med" len="med"/>
+                    </a:lnT>
+                    <a:lnB w="12700" cap="flat" cmpd="sng" algn="ctr">
+                      <a:solidFill>
+                        <a:schemeClr val="tx1"/>
+                      </a:solidFill>
+                      <a:prstDash val="solid"/>
+                      <a:round/>
+                      <a:headEnd type="none" w="med" len="med"/>
+                      <a:tailEnd type="none" w="med" len="med"/>
+                    </a:lnB>
+                    <a:lnTlToBr w="12700" cmpd="sng">
+                      <a:noFill/>
+                      <a:prstDash val="solid"/>
+                    </a:lnTlToBr>
+                    <a:lnBlToTr w="12700" cmpd="sng">
+                      <a:noFill/>
+                      <a:prstDash val="solid"/>
+                    </a:lnBlToTr>
+                  </a:tcPr>
+                </a:tc>
+                <a:extLst>
+                  <a:ext uri="{0D108BD9-81ED-4DB2-BD59-A6C34878D82A}">
+                    <a16:rowId xmlns:a16="http://schemas.microsoft.com/office/drawing/2014/main" val="2617353208"/>
+                  </a:ext>
+                </a:extLst>
+              </a:tr>
+              <a:tr h="420429">
+                <a:tc>
+                  <a:txBody>
+                    <a:bodyPr/>
+                    <a:lstStyle/>
+                    <a:p>
+                      <a:pPr algn="ctr"/>
+                      <a:r>
+                        <a:rPr lang="nb-NO" sz="2000" dirty="0" err="1"/>
+                        <a:t>Geostatistics</a:t>
+                      </a:r>
+                      <a:endParaRPr lang="en-GB" sz="2000" dirty="0"/>
+                    </a:p>
+                  </a:txBody>
+                  <a:tcPr>
+                    <a:lnL w="12700" cmpd="sng">
+                      <a:noFill/>
+                    </a:lnL>
+                    <a:lnR w="12700" cmpd="sng">
+                      <a:noFill/>
+                    </a:lnR>
+                    <a:lnT w="12700" cap="flat" cmpd="sng" algn="ctr">
+                      <a:solidFill>
+                        <a:schemeClr val="tx1"/>
+                      </a:solidFill>
+                      <a:prstDash val="solid"/>
+                      <a:round/>
+                      <a:headEnd type="none" w="med" len="med"/>
+                      <a:tailEnd type="none" w="med" len="med"/>
+                    </a:lnT>
+                    <a:lnB w="12700" cap="flat" cmpd="sng" algn="ctr">
+                      <a:solidFill>
+                        <a:schemeClr val="tx1"/>
+                      </a:solidFill>
+                      <a:prstDash val="solid"/>
+                      <a:round/>
+                      <a:headEnd type="none" w="med" len="med"/>
+                      <a:tailEnd type="none" w="med" len="med"/>
+                    </a:lnB>
+                    <a:lnTlToBr w="12700" cmpd="sng">
+                      <a:noFill/>
+                      <a:prstDash val="solid"/>
+                    </a:lnTlToBr>
+                    <a:lnBlToTr w="12700" cmpd="sng">
+                      <a:noFill/>
+                      <a:prstDash val="solid"/>
+                    </a:lnBlToTr>
+                  </a:tcPr>
+                </a:tc>
+                <a:tc>
+                  <a:txBody>
+                    <a:bodyPr/>
+                    <a:lstStyle/>
+                    <a:p>
+                      <a:pPr algn="ctr"/>
+                      <a:r>
+                        <a:rPr lang="nb-NO" sz="2000" dirty="0"/>
+                        <a:t>Steinar (&amp; Guillaume?)</a:t>
+                      </a:r>
+                      <a:endParaRPr lang="en-GB" sz="2000" dirty="0"/>
+                    </a:p>
+                  </a:txBody>
+                  <a:tcPr>
+                    <a:lnL w="12700" cmpd="sng">
+                      <a:noFill/>
+                    </a:lnL>
+                    <a:lnR w="12700" cmpd="sng">
+                      <a:noFill/>
+                    </a:lnR>
+                    <a:lnT w="12700" cap="flat" cmpd="sng" algn="ctr">
+                      <a:solidFill>
+                        <a:schemeClr val="tx1"/>
+                      </a:solidFill>
+                      <a:prstDash val="solid"/>
+                      <a:round/>
+                      <a:headEnd type="none" w="med" len="med"/>
+                      <a:tailEnd type="none" w="med" len="med"/>
+                    </a:lnT>
+                    <a:lnB w="12700" cap="flat" cmpd="sng" algn="ctr">
+                      <a:solidFill>
+                        <a:schemeClr val="tx1"/>
+                      </a:solidFill>
+                      <a:prstDash val="solid"/>
+                      <a:round/>
+                      <a:headEnd type="none" w="med" len="med"/>
+                      <a:tailEnd type="none" w="med" len="med"/>
+                    </a:lnB>
+                    <a:lnTlToBr w="12700" cmpd="sng">
+                      <a:noFill/>
+                      <a:prstDash val="solid"/>
+                    </a:lnTlToBr>
+                    <a:lnBlToTr w="12700" cmpd="sng">
+                      <a:noFill/>
+                      <a:prstDash val="solid"/>
+                    </a:lnBlToTr>
+                  </a:tcPr>
+                </a:tc>
+                <a:extLst>
+                  <a:ext uri="{0D108BD9-81ED-4DB2-BD59-A6C34878D82A}">
+                    <a16:rowId xmlns:a16="http://schemas.microsoft.com/office/drawing/2014/main" val="1878705119"/>
+                  </a:ext>
+                </a:extLst>
+              </a:tr>
+              <a:tr h="420429">
+                <a:tc>
+                  <a:txBody>
+                    <a:bodyPr/>
+                    <a:lstStyle/>
+                    <a:p>
+                      <a:pPr algn="ctr"/>
+                      <a:r>
+                        <a:rPr lang="nb-NO" sz="2000" dirty="0" err="1"/>
+                        <a:t>Geotechnics</a:t>
+                      </a:r>
+                      <a:endParaRPr lang="en-GB" sz="2000" dirty="0"/>
+                    </a:p>
+                  </a:txBody>
+                  <a:tcPr>
+                    <a:lnL w="12700" cmpd="sng">
+                      <a:noFill/>
+                    </a:lnL>
+                    <a:lnR w="12700" cmpd="sng">
+                      <a:noFill/>
+                    </a:lnR>
+                    <a:lnT w="12700" cap="flat" cmpd="sng" algn="ctr">
+                      <a:solidFill>
+                        <a:schemeClr val="tx1"/>
+                      </a:solidFill>
+                      <a:prstDash val="solid"/>
+                      <a:round/>
+                      <a:headEnd type="none" w="med" len="med"/>
+                      <a:tailEnd type="none" w="med" len="med"/>
+                    </a:lnT>
+                    <a:lnB w="12700" cap="flat" cmpd="sng" algn="ctr">
+                      <a:solidFill>
+                        <a:schemeClr val="tx1"/>
+                      </a:solidFill>
+                      <a:prstDash val="solid"/>
+                      <a:round/>
+                      <a:headEnd type="none" w="med" len="med"/>
+                      <a:tailEnd type="none" w="med" len="med"/>
+                    </a:lnB>
+                    <a:lnTlToBr w="12700" cmpd="sng">
+                      <a:noFill/>
+                      <a:prstDash val="solid"/>
+                    </a:lnTlToBr>
+                    <a:lnBlToTr w="12700" cmpd="sng">
+                      <a:noFill/>
+                      <a:prstDash val="solid"/>
+                    </a:lnBlToTr>
+                  </a:tcPr>
+                </a:tc>
+                <a:tc>
+                  <a:txBody>
+                    <a:bodyPr/>
+                    <a:lstStyle/>
+                    <a:p>
+                      <a:pPr algn="ctr"/>
+                      <a:r>
+                        <a:rPr lang="nb-NO" sz="2000" dirty="0"/>
+                        <a:t>Vishal (&amp; Maarten?)</a:t>
+                      </a:r>
+                      <a:endParaRPr lang="en-GB" sz="2000" dirty="0"/>
+                    </a:p>
+                  </a:txBody>
+                  <a:tcPr>
+                    <a:lnL w="12700" cmpd="sng">
+                      <a:noFill/>
+                    </a:lnL>
+                    <a:lnR w="12700" cmpd="sng">
+                      <a:noFill/>
+                    </a:lnR>
+                    <a:lnT w="12700" cap="flat" cmpd="sng" algn="ctr">
+                      <a:solidFill>
+                        <a:schemeClr val="tx1"/>
+                      </a:solidFill>
+                      <a:prstDash val="solid"/>
+                      <a:round/>
+                      <a:headEnd type="none" w="med" len="med"/>
+                      <a:tailEnd type="none" w="med" len="med"/>
+                    </a:lnT>
+                    <a:lnB w="12700" cap="flat" cmpd="sng" algn="ctr">
+                      <a:solidFill>
+                        <a:schemeClr val="tx1"/>
+                      </a:solidFill>
+                      <a:prstDash val="solid"/>
+                      <a:round/>
+                      <a:headEnd type="none" w="med" len="med"/>
+                      <a:tailEnd type="none" w="med" len="med"/>
+                    </a:lnB>
+                    <a:lnTlToBr w="12700" cmpd="sng">
+                      <a:noFill/>
+                      <a:prstDash val="solid"/>
+                    </a:lnTlToBr>
+                    <a:lnBlToTr w="12700" cmpd="sng">
+                      <a:noFill/>
+                      <a:prstDash val="solid"/>
+                    </a:lnBlToTr>
+                  </a:tcPr>
+                </a:tc>
+                <a:extLst>
+                  <a:ext uri="{0D108BD9-81ED-4DB2-BD59-A6C34878D82A}">
+                    <a16:rowId xmlns:a16="http://schemas.microsoft.com/office/drawing/2014/main" val="344584867"/>
+                  </a:ext>
+                </a:extLst>
+              </a:tr>
+              <a:tr h="420429">
+                <a:tc>
+                  <a:txBody>
+                    <a:bodyPr/>
+                    <a:lstStyle/>
+                    <a:p>
+                      <a:pPr algn="ctr"/>
+                      <a:r>
+                        <a:rPr lang="nb-NO" sz="2000" dirty="0"/>
+                        <a:t>Machine Learning</a:t>
+                      </a:r>
+                      <a:endParaRPr lang="en-GB" sz="2000" dirty="0"/>
+                    </a:p>
+                  </a:txBody>
+                  <a:tcPr>
+                    <a:lnL w="12700" cmpd="sng">
+                      <a:noFill/>
+                    </a:lnL>
+                    <a:lnR w="12700" cmpd="sng">
+                      <a:noFill/>
+                    </a:lnR>
+                    <a:lnT w="12700" cap="flat" cmpd="sng" algn="ctr">
+                      <a:solidFill>
+                        <a:schemeClr val="tx1"/>
+                      </a:solidFill>
+                      <a:prstDash val="solid"/>
+                      <a:round/>
+                      <a:headEnd type="none" w="med" len="med"/>
+                      <a:tailEnd type="none" w="med" len="med"/>
+                    </a:lnT>
+                    <a:lnB w="12700" cap="flat" cmpd="sng" algn="ctr">
+                      <a:solidFill>
+                        <a:schemeClr val="tx1"/>
+                      </a:solidFill>
+                      <a:prstDash val="solid"/>
+                      <a:round/>
+                      <a:headEnd type="none" w="med" len="med"/>
+                      <a:tailEnd type="none" w="med" len="med"/>
+                    </a:lnB>
+                    <a:lnTlToBr w="12700" cmpd="sng">
+                      <a:noFill/>
+                      <a:prstDash val="solid"/>
+                    </a:lnTlToBr>
+                    <a:lnBlToTr w="12700" cmpd="sng">
+                      <a:noFill/>
+                      <a:prstDash val="solid"/>
+                    </a:lnBlToTr>
+                  </a:tcPr>
+                </a:tc>
+                <a:tc>
+                  <a:txBody>
+                    <a:bodyPr/>
+                    <a:lstStyle/>
+                    <a:p>
+                      <a:pPr algn="ctr"/>
+                      <a:r>
+                        <a:rPr lang="nb-NO" sz="2000" dirty="0"/>
+                        <a:t>Guillaume</a:t>
+                      </a:r>
+                      <a:endParaRPr lang="en-GB" sz="2000" dirty="0"/>
+                    </a:p>
+                  </a:txBody>
+                  <a:tcPr>
+                    <a:lnL w="12700" cmpd="sng">
+                      <a:noFill/>
+                    </a:lnL>
+                    <a:lnR w="12700" cmpd="sng">
+                      <a:noFill/>
+                    </a:lnR>
+                    <a:lnT w="12700" cap="flat" cmpd="sng" algn="ctr">
+                      <a:solidFill>
+                        <a:schemeClr val="tx1"/>
+                      </a:solidFill>
+                      <a:prstDash val="solid"/>
+                      <a:round/>
+                      <a:headEnd type="none" w="med" len="med"/>
+                      <a:tailEnd type="none" w="med" len="med"/>
+                    </a:lnT>
+                    <a:lnB w="12700" cap="flat" cmpd="sng" algn="ctr">
+                      <a:solidFill>
+                        <a:schemeClr val="tx1"/>
+                      </a:solidFill>
+                      <a:prstDash val="solid"/>
+                      <a:round/>
+                      <a:headEnd type="none" w="med" len="med"/>
+                      <a:tailEnd type="none" w="med" len="med"/>
+                    </a:lnB>
+                    <a:lnTlToBr w="12700" cmpd="sng">
+                      <a:noFill/>
+                      <a:prstDash val="solid"/>
+                    </a:lnTlToBr>
+                    <a:lnBlToTr w="12700" cmpd="sng">
+                      <a:noFill/>
+                      <a:prstDash val="solid"/>
+                    </a:lnBlToTr>
+                  </a:tcPr>
+                </a:tc>
+                <a:extLst>
+                  <a:ext uri="{0D108BD9-81ED-4DB2-BD59-A6C34878D82A}">
+                    <a16:rowId xmlns:a16="http://schemas.microsoft.com/office/drawing/2014/main" val="3805830115"/>
+                  </a:ext>
+                </a:extLst>
+              </a:tr>
+            </a:tbl>
+          </a:graphicData>
+        </a:graphic>
+      </p:graphicFrame>
+      <p:sp>
+        <p:nvSpPr>
+          <p:cNvPr id="5" name="TextBox 4">
+            <a:extLst>
+              <a:ext uri="{FF2B5EF4-FFF2-40B4-BE49-F238E27FC236}">
+                <a16:creationId xmlns:a16="http://schemas.microsoft.com/office/drawing/2014/main" id="{40100233-E397-4982-B118-EDB7F1F0F8F1}"/>
+              </a:ext>
+            </a:extLst>
+          </p:cNvPr>
+          <p:cNvSpPr txBox="1"/>
+          <p:nvPr/>
+        </p:nvSpPr>
+        <p:spPr>
+          <a:xfrm>
+            <a:off x="434775" y="2788329"/>
+            <a:ext cx="3841777" cy="3139321"/>
+          </a:xfrm>
+          <a:prstGeom prst="rect">
+            <a:avLst/>
+          </a:prstGeom>
+          <a:noFill/>
+        </p:spPr>
+        <p:txBody>
+          <a:bodyPr wrap="square" rtlCol="0">
+            <a:spAutoFit/>
+          </a:bodyPr>
+          <a:lstStyle/>
+          <a:p>
+            <a:r>
+              <a:rPr lang="nb-NO" dirty="0"/>
+              <a:t>Given </a:t>
+            </a:r>
+            <a:r>
+              <a:rPr lang="nb-NO" dirty="0" err="1"/>
+              <a:t>some</a:t>
+            </a:r>
+            <a:r>
+              <a:rPr lang="nb-NO" dirty="0"/>
+              <a:t> </a:t>
+            </a:r>
+            <a:r>
+              <a:rPr lang="nb-NO" dirty="0" err="1"/>
+              <a:t>of</a:t>
+            </a:r>
+            <a:r>
+              <a:rPr lang="nb-NO" dirty="0"/>
+              <a:t> </a:t>
+            </a:r>
+            <a:r>
+              <a:rPr lang="nb-NO" dirty="0" err="1"/>
+              <a:t>the</a:t>
+            </a:r>
+            <a:r>
+              <a:rPr lang="nb-NO" dirty="0"/>
+              <a:t> </a:t>
+            </a:r>
+            <a:r>
+              <a:rPr lang="nb-NO" dirty="0" err="1"/>
+              <a:t>lack</a:t>
+            </a:r>
+            <a:r>
+              <a:rPr lang="nb-NO" dirty="0"/>
+              <a:t> </a:t>
+            </a:r>
+            <a:r>
+              <a:rPr lang="nb-NO" dirty="0" err="1"/>
+              <a:t>of</a:t>
+            </a:r>
+            <a:r>
+              <a:rPr lang="nb-NO" dirty="0"/>
+              <a:t> </a:t>
+            </a:r>
+            <a:r>
+              <a:rPr lang="nb-NO" dirty="0" err="1"/>
+              <a:t>overlap</a:t>
+            </a:r>
+            <a:r>
+              <a:rPr lang="nb-NO" dirty="0"/>
+              <a:t> </a:t>
+            </a:r>
+            <a:r>
+              <a:rPr lang="nb-NO" dirty="0" err="1"/>
+              <a:t>between</a:t>
+            </a:r>
+            <a:r>
+              <a:rPr lang="nb-NO" dirty="0"/>
+              <a:t> </a:t>
+            </a:r>
+            <a:r>
+              <a:rPr lang="nb-NO" dirty="0" err="1"/>
+              <a:t>your</a:t>
+            </a:r>
+            <a:r>
+              <a:rPr lang="nb-NO" dirty="0"/>
+              <a:t> areas </a:t>
+            </a:r>
+            <a:r>
+              <a:rPr lang="nb-NO" dirty="0" err="1"/>
+              <a:t>of</a:t>
+            </a:r>
+            <a:r>
+              <a:rPr lang="nb-NO" dirty="0"/>
+              <a:t> </a:t>
+            </a:r>
+            <a:r>
+              <a:rPr lang="nb-NO" dirty="0" err="1"/>
+              <a:t>expertise</a:t>
+            </a:r>
+            <a:r>
+              <a:rPr lang="nb-NO" dirty="0"/>
+              <a:t>, </a:t>
+            </a:r>
+            <a:r>
+              <a:rPr lang="nb-NO" dirty="0" err="1"/>
+              <a:t>ceratin</a:t>
+            </a:r>
+            <a:r>
+              <a:rPr lang="nb-NO" dirty="0"/>
+              <a:t> </a:t>
+            </a:r>
+            <a:r>
+              <a:rPr lang="nb-NO" dirty="0" err="1"/>
+              <a:t>discussions</a:t>
+            </a:r>
+            <a:r>
+              <a:rPr lang="nb-NO" dirty="0"/>
+              <a:t>/</a:t>
+            </a:r>
+            <a:r>
+              <a:rPr lang="nb-NO" dirty="0" err="1"/>
+              <a:t>meetings</a:t>
+            </a:r>
+            <a:r>
+              <a:rPr lang="nb-NO" dirty="0"/>
+              <a:t> </a:t>
+            </a:r>
+            <a:r>
+              <a:rPr lang="nb-NO" dirty="0" err="1"/>
+              <a:t>will</a:t>
+            </a:r>
+            <a:r>
+              <a:rPr lang="nb-NO" dirty="0"/>
+              <a:t> </a:t>
+            </a:r>
+            <a:r>
+              <a:rPr lang="nb-NO" dirty="0" err="1"/>
+              <a:t>necessarily</a:t>
+            </a:r>
+            <a:r>
+              <a:rPr lang="nb-NO" dirty="0"/>
+              <a:t> be </a:t>
+            </a:r>
+            <a:r>
+              <a:rPr lang="nb-NO" dirty="0" err="1"/>
+              <a:t>quite</a:t>
+            </a:r>
+            <a:r>
+              <a:rPr lang="nb-NO" dirty="0"/>
+              <a:t> boring and </a:t>
+            </a:r>
+            <a:r>
+              <a:rPr lang="nb-NO" dirty="0" err="1"/>
+              <a:t>unnecessary</a:t>
+            </a:r>
+            <a:r>
+              <a:rPr lang="nb-NO" dirty="0"/>
+              <a:t> for most </a:t>
+            </a:r>
+            <a:r>
+              <a:rPr lang="nb-NO" dirty="0" err="1"/>
+              <a:t>participants</a:t>
+            </a:r>
+            <a:r>
+              <a:rPr lang="nb-NO" dirty="0"/>
+              <a:t>. </a:t>
+            </a:r>
+            <a:r>
+              <a:rPr lang="nb-NO" dirty="0" err="1"/>
+              <a:t>Therefore</a:t>
+            </a:r>
+            <a:r>
+              <a:rPr lang="nb-NO" dirty="0"/>
+              <a:t> I </a:t>
+            </a:r>
+            <a:r>
+              <a:rPr lang="nb-NO" dirty="0" err="1"/>
+              <a:t>created</a:t>
+            </a:r>
+            <a:r>
+              <a:rPr lang="nb-NO" dirty="0"/>
+              <a:t> subteams </a:t>
+            </a:r>
+            <a:r>
+              <a:rPr lang="nb-NO" dirty="0" err="1"/>
+              <a:t>with</a:t>
+            </a:r>
+            <a:r>
+              <a:rPr lang="nb-NO" dirty="0"/>
+              <a:t> </a:t>
+            </a:r>
+            <a:r>
+              <a:rPr lang="nb-NO" dirty="0" err="1"/>
+              <a:t>their</a:t>
+            </a:r>
+            <a:r>
+              <a:rPr lang="nb-NO" dirty="0"/>
+              <a:t> </a:t>
+            </a:r>
+            <a:r>
+              <a:rPr lang="nb-NO" dirty="0" err="1"/>
+              <a:t>own</a:t>
+            </a:r>
+            <a:r>
+              <a:rPr lang="nb-NO" dirty="0"/>
+              <a:t> </a:t>
+            </a:r>
+            <a:r>
+              <a:rPr lang="nb-NO" dirty="0" err="1"/>
+              <a:t>channel</a:t>
+            </a:r>
+            <a:r>
+              <a:rPr lang="nb-NO" dirty="0"/>
+              <a:t> </a:t>
+            </a:r>
+            <a:r>
+              <a:rPr lang="nb-NO" dirty="0" err="1"/>
+              <a:t>on</a:t>
+            </a:r>
+            <a:r>
+              <a:rPr lang="nb-NO" dirty="0"/>
+              <a:t> MS Teams</a:t>
+            </a:r>
+          </a:p>
+          <a:p>
+            <a:endParaRPr lang="nb-NO" dirty="0"/>
+          </a:p>
+          <a:p>
+            <a:r>
+              <a:rPr lang="nb-NO" dirty="0" err="1"/>
+              <a:t>Everyone</a:t>
+            </a:r>
+            <a:r>
+              <a:rPr lang="nb-NO" dirty="0"/>
+              <a:t> </a:t>
+            </a:r>
+            <a:r>
+              <a:rPr lang="nb-NO" dirty="0" err="1"/>
+              <a:t>agree</a:t>
+            </a:r>
+            <a:r>
+              <a:rPr lang="nb-NO" dirty="0"/>
+              <a:t> </a:t>
+            </a:r>
+            <a:r>
+              <a:rPr lang="nb-NO" dirty="0" err="1"/>
+              <a:t>with</a:t>
+            </a:r>
+            <a:r>
+              <a:rPr lang="nb-NO" dirty="0"/>
+              <a:t> </a:t>
+            </a:r>
+            <a:r>
+              <a:rPr lang="nb-NO" dirty="0" err="1"/>
+              <a:t>the</a:t>
+            </a:r>
+            <a:r>
+              <a:rPr lang="nb-NO" dirty="0"/>
+              <a:t> </a:t>
+            </a:r>
+            <a:r>
+              <a:rPr lang="nb-NO" dirty="0" err="1"/>
+              <a:t>groups</a:t>
+            </a:r>
+            <a:r>
+              <a:rPr lang="nb-NO" dirty="0"/>
+              <a:t> </a:t>
+            </a:r>
+            <a:r>
+              <a:rPr lang="nb-NO" dirty="0" err="1"/>
+              <a:t>they</a:t>
+            </a:r>
+            <a:r>
+              <a:rPr lang="nb-NO" dirty="0"/>
+              <a:t> </a:t>
+            </a:r>
+            <a:r>
+              <a:rPr lang="nb-NO" dirty="0" err="1"/>
+              <a:t>are</a:t>
+            </a:r>
+            <a:r>
+              <a:rPr lang="nb-NO" dirty="0"/>
+              <a:t> </a:t>
+            </a:r>
+            <a:r>
+              <a:rPr lang="nb-NO" dirty="0" err="1"/>
+              <a:t>assigned</a:t>
+            </a:r>
+            <a:r>
+              <a:rPr lang="nb-NO" dirty="0"/>
+              <a:t>?</a:t>
+            </a:r>
+            <a:endParaRPr lang="en-GB" dirty="0"/>
+          </a:p>
+        </p:txBody>
+      </p:sp>
+    </p:spTree>
+    <p:extLst>
+      <p:ext uri="{BB962C8B-B14F-4D97-AF65-F5344CB8AC3E}">
+        <p14:creationId xmlns:p14="http://schemas.microsoft.com/office/powerpoint/2010/main" val="3535460785"/>
+      </p:ext>
+    </p:extLst>
+  </p:cSld>
+  <p:clrMapOvr>
+    <a:masterClrMapping/>
+  </p:clrMapOvr>
+</p:sld>
+</file>
+
+<file path=ppt/slides/slide14.xml><?xml version="1.0" encoding="utf-8"?>
+<p:sld xmlns:a="http://schemas.openxmlformats.org/drawingml/2006/main" xmlns:r="http://schemas.openxmlformats.org/officeDocument/2006/relationships" xmlns:p="http://schemas.openxmlformats.org/presentationml/2006/main">
+  <p:cSld>
+    <p:spTree>
+      <p:nvGrpSpPr>
+        <p:cNvPr id="1" name=""/>
+        <p:cNvGrpSpPr/>
+        <p:nvPr/>
+      </p:nvGrpSpPr>
+      <p:grpSpPr>
+        <a:xfrm>
+          <a:off x="0" y="0"/>
+          <a:ext cx="0" cy="0"/>
+          <a:chOff x="0" y="0"/>
+          <a:chExt cx="0" cy="0"/>
+        </a:xfrm>
+      </p:grpSpPr>
+      <p:sp>
+        <p:nvSpPr>
+          <p:cNvPr id="2" name="Title 1">
+            <a:extLst>
+              <a:ext uri="{FF2B5EF4-FFF2-40B4-BE49-F238E27FC236}">
+                <a16:creationId xmlns:a16="http://schemas.microsoft.com/office/drawing/2014/main" id="{D1FA454F-487C-4A90-9ED9-11F6F58DC691}"/>
+              </a:ext>
+            </a:extLst>
+          </p:cNvPr>
+          <p:cNvSpPr>
+            <a:spLocks noGrp="1"/>
+          </p:cNvSpPr>
+          <p:nvPr>
+            <p:ph type="title"/>
+          </p:nvPr>
+        </p:nvSpPr>
+        <p:spPr/>
+        <p:txBody>
+          <a:bodyPr/>
+          <a:lstStyle/>
+          <a:p>
+            <a:r>
+              <a:rPr lang="nb-NO" dirty="0" err="1"/>
+              <a:t>Next</a:t>
+            </a:r>
+            <a:r>
+              <a:rPr lang="nb-NO" dirty="0"/>
+              <a:t> </a:t>
+            </a:r>
+            <a:r>
+              <a:rPr lang="nb-NO" dirty="0" err="1"/>
+              <a:t>meeting</a:t>
+            </a:r>
+            <a:endParaRPr lang="en-GB" dirty="0"/>
+          </a:p>
+        </p:txBody>
+      </p:sp>
+      <p:sp>
+        <p:nvSpPr>
+          <p:cNvPr id="3" name="Content Placeholder 2">
+            <a:extLst>
+              <a:ext uri="{FF2B5EF4-FFF2-40B4-BE49-F238E27FC236}">
+                <a16:creationId xmlns:a16="http://schemas.microsoft.com/office/drawing/2014/main" id="{EEDE0348-4BAD-4DC6-A630-22EDE1929B6C}"/>
+              </a:ext>
+            </a:extLst>
+          </p:cNvPr>
+          <p:cNvSpPr>
+            <a:spLocks noGrp="1"/>
+          </p:cNvSpPr>
+          <p:nvPr>
+            <p:ph idx="1"/>
+          </p:nvPr>
+        </p:nvSpPr>
+        <p:spPr/>
+        <p:txBody>
+          <a:bodyPr>
+            <a:normAutofit fontScale="85000" lnSpcReduction="20000"/>
+          </a:bodyPr>
+          <a:lstStyle/>
+          <a:p>
+            <a:r>
+              <a:rPr lang="nb-NO" dirty="0" err="1"/>
+              <a:t>I’m</a:t>
+            </a:r>
+            <a:r>
+              <a:rPr lang="nb-NO" dirty="0"/>
+              <a:t> planning to </a:t>
+            </a:r>
+            <a:r>
+              <a:rPr lang="nb-NO" dirty="0" err="1"/>
+              <a:t>schedule</a:t>
+            </a:r>
+            <a:r>
+              <a:rPr lang="nb-NO" dirty="0"/>
+              <a:t> a ML </a:t>
+            </a:r>
+            <a:r>
+              <a:rPr lang="nb-NO" dirty="0" err="1"/>
+              <a:t>meeting</a:t>
+            </a:r>
+            <a:r>
+              <a:rPr lang="nb-NO" dirty="0"/>
+              <a:t> in </a:t>
+            </a:r>
+            <a:r>
+              <a:rPr lang="nb-NO" dirty="0" err="1"/>
+              <a:t>two</a:t>
+            </a:r>
+            <a:r>
+              <a:rPr lang="nb-NO" dirty="0"/>
+              <a:t> </a:t>
+            </a:r>
+            <a:r>
+              <a:rPr lang="nb-NO" dirty="0" err="1"/>
+              <a:t>weeks</a:t>
+            </a:r>
+            <a:r>
+              <a:rPr lang="nb-NO" dirty="0"/>
+              <a:t> [14.09.2022]</a:t>
+            </a:r>
+            <a:endParaRPr lang="en-GB" dirty="0"/>
+          </a:p>
+          <a:p>
+            <a:r>
+              <a:rPr lang="en-GB" dirty="0"/>
+              <a:t>By then I want to have:</a:t>
+            </a:r>
+          </a:p>
+          <a:p>
+            <a:pPr lvl="1"/>
+            <a:r>
+              <a:rPr lang="en-GB" dirty="0"/>
+              <a:t>Implemented all needed architectures</a:t>
+            </a:r>
+          </a:p>
+          <a:p>
+            <a:pPr lvl="1"/>
+            <a:r>
+              <a:rPr lang="en-GB" dirty="0"/>
+              <a:t>Implemented transfer learning loss functions</a:t>
+            </a:r>
+          </a:p>
+          <a:p>
+            <a:pPr lvl="1"/>
+            <a:r>
+              <a:rPr lang="en-GB" dirty="0"/>
+              <a:t>Implemented logging script</a:t>
+            </a:r>
+          </a:p>
+          <a:p>
+            <a:pPr lvl="1"/>
+            <a:r>
+              <a:rPr lang="en-GB" dirty="0"/>
+              <a:t>Gotten familiar with loading the data from NGI’s TNW folder (</a:t>
+            </a:r>
+            <a:r>
+              <a:rPr lang="en-GB" dirty="0" err="1"/>
+              <a:t>OpendTect</a:t>
+            </a:r>
+            <a:r>
+              <a:rPr lang="en-GB" dirty="0"/>
+              <a:t> etc.)</a:t>
+            </a:r>
+          </a:p>
+          <a:p>
+            <a:pPr lvl="1"/>
+            <a:r>
+              <a:rPr lang="en-GB" dirty="0"/>
+              <a:t>Ran at least one algorithm with summary statistics</a:t>
+            </a:r>
+          </a:p>
+          <a:p>
+            <a:pPr lvl="1"/>
+            <a:endParaRPr lang="en-GB" dirty="0"/>
+          </a:p>
+          <a:p>
+            <a:r>
+              <a:rPr lang="en-GB" dirty="0"/>
+              <a:t>Or at the very least have better questions to ask for guidance</a:t>
+            </a:r>
+          </a:p>
+          <a:p>
+            <a:r>
+              <a:rPr lang="en-GB" dirty="0"/>
+              <a:t>Next general meeting in one month [06.10.2022]</a:t>
+            </a:r>
+          </a:p>
+          <a:p>
+            <a:pPr lvl="1"/>
+            <a:r>
+              <a:rPr lang="en-GB" dirty="0"/>
+              <a:t>It will be beneficial for me to give status updates along the way and sharing plans ahead</a:t>
+            </a:r>
+            <a:endParaRPr lang="nb-NO" dirty="0"/>
           </a:p>
         </p:txBody>
       </p:sp>
@@ -6308,6 +8135,226 @@
     <p:extLst>
       <p:ext uri="{BB962C8B-B14F-4D97-AF65-F5344CB8AC3E}">
         <p14:creationId xmlns:p14="http://schemas.microsoft.com/office/powerpoint/2010/main" val="2242473429"/>
+      </p:ext>
+    </p:extLst>
+  </p:cSld>
+  <p:clrMapOvr>
+    <a:masterClrMapping/>
+  </p:clrMapOvr>
+</p:sld>
+</file>
+
+<file path=ppt/slides/slide15.xml><?xml version="1.0" encoding="utf-8"?>
+<p:sld xmlns:a="http://schemas.openxmlformats.org/drawingml/2006/main" xmlns:r="http://schemas.openxmlformats.org/officeDocument/2006/relationships" xmlns:p="http://schemas.openxmlformats.org/presentationml/2006/main">
+  <p:cSld>
+    <p:spTree>
+      <p:nvGrpSpPr>
+        <p:cNvPr id="1" name=""/>
+        <p:cNvGrpSpPr/>
+        <p:nvPr/>
+      </p:nvGrpSpPr>
+      <p:grpSpPr>
+        <a:xfrm>
+          <a:off x="0" y="0"/>
+          <a:ext cx="0" cy="0"/>
+          <a:chOff x="0" y="0"/>
+          <a:chExt cx="0" cy="0"/>
+        </a:xfrm>
+      </p:grpSpPr>
+      <p:sp>
+        <p:nvSpPr>
+          <p:cNvPr id="4" name="Title 3">
+            <a:extLst>
+              <a:ext uri="{FF2B5EF4-FFF2-40B4-BE49-F238E27FC236}">
+                <a16:creationId xmlns:a16="http://schemas.microsoft.com/office/drawing/2014/main" id="{C7E85503-2DEB-4D0C-9111-431964BF5FBB}"/>
+              </a:ext>
+            </a:extLst>
+          </p:cNvPr>
+          <p:cNvSpPr>
+            <a:spLocks noGrp="1"/>
+          </p:cNvSpPr>
+          <p:nvPr>
+            <p:ph type="title"/>
+          </p:nvPr>
+        </p:nvSpPr>
+        <p:spPr/>
+        <p:txBody>
+          <a:bodyPr/>
+          <a:lstStyle/>
+          <a:p>
+            <a:r>
+              <a:rPr lang="nb-NO" dirty="0" err="1"/>
+              <a:t>Thoughts</a:t>
+            </a:r>
+            <a:r>
+              <a:rPr lang="nb-NO" dirty="0"/>
+              <a:t> / Feedback ?</a:t>
+            </a:r>
+            <a:endParaRPr lang="en-GB" dirty="0"/>
+          </a:p>
+        </p:txBody>
+      </p:sp>
+    </p:spTree>
+    <p:extLst>
+      <p:ext uri="{BB962C8B-B14F-4D97-AF65-F5344CB8AC3E}">
+        <p14:creationId xmlns:p14="http://schemas.microsoft.com/office/powerpoint/2010/main" val="2974972426"/>
+      </p:ext>
+    </p:extLst>
+  </p:cSld>
+  <p:clrMapOvr>
+    <a:masterClrMapping/>
+  </p:clrMapOvr>
+</p:sld>
+</file>
+
+<file path=ppt/slides/slide16.xml><?xml version="1.0" encoding="utf-8"?>
+<p:sld xmlns:a="http://schemas.openxmlformats.org/drawingml/2006/main" xmlns:r="http://schemas.openxmlformats.org/officeDocument/2006/relationships" xmlns:p="http://schemas.openxmlformats.org/presentationml/2006/main">
+  <p:cSld>
+    <p:spTree>
+      <p:nvGrpSpPr>
+        <p:cNvPr id="1" name=""/>
+        <p:cNvGrpSpPr/>
+        <p:nvPr/>
+      </p:nvGrpSpPr>
+      <p:grpSpPr>
+        <a:xfrm>
+          <a:off x="0" y="0"/>
+          <a:ext cx="0" cy="0"/>
+          <a:chOff x="0" y="0"/>
+          <a:chExt cx="0" cy="0"/>
+        </a:xfrm>
+      </p:grpSpPr>
+      <p:sp>
+        <p:nvSpPr>
+          <p:cNvPr id="2" name="Title 1">
+            <a:extLst>
+              <a:ext uri="{FF2B5EF4-FFF2-40B4-BE49-F238E27FC236}">
+                <a16:creationId xmlns:a16="http://schemas.microsoft.com/office/drawing/2014/main" id="{9F09D899-D74F-4D92-81EA-43EFCE79434D}"/>
+              </a:ext>
+            </a:extLst>
+          </p:cNvPr>
+          <p:cNvSpPr>
+            <a:spLocks noGrp="1"/>
+          </p:cNvSpPr>
+          <p:nvPr>
+            <p:ph type="title"/>
+          </p:nvPr>
+        </p:nvSpPr>
+        <p:spPr/>
+        <p:txBody>
+          <a:bodyPr/>
+          <a:lstStyle/>
+          <a:p>
+            <a:r>
+              <a:rPr lang="nb-NO" dirty="0" err="1"/>
+              <a:t>Discussion</a:t>
+            </a:r>
+            <a:endParaRPr lang="en-GB" dirty="0"/>
+          </a:p>
+        </p:txBody>
+      </p:sp>
+      <p:sp>
+        <p:nvSpPr>
+          <p:cNvPr id="3" name="Content Placeholder 2">
+            <a:extLst>
+              <a:ext uri="{FF2B5EF4-FFF2-40B4-BE49-F238E27FC236}">
+                <a16:creationId xmlns:a16="http://schemas.microsoft.com/office/drawing/2014/main" id="{547D3DE6-A9D3-4814-8B56-3DB30216EB25}"/>
+              </a:ext>
+            </a:extLst>
+          </p:cNvPr>
+          <p:cNvSpPr>
+            <a:spLocks noGrp="1"/>
+          </p:cNvSpPr>
+          <p:nvPr>
+            <p:ph idx="1"/>
+          </p:nvPr>
+        </p:nvSpPr>
+        <p:spPr/>
+        <p:txBody>
+          <a:bodyPr/>
+          <a:lstStyle/>
+          <a:p>
+            <a:r>
+              <a:rPr lang="nb-NO" dirty="0"/>
+              <a:t>Do </a:t>
+            </a:r>
+            <a:r>
+              <a:rPr lang="nb-NO" dirty="0" err="1"/>
+              <a:t>you</a:t>
+            </a:r>
+            <a:r>
+              <a:rPr lang="nb-NO" dirty="0"/>
+              <a:t> </a:t>
+            </a:r>
+            <a:r>
+              <a:rPr lang="nb-NO" dirty="0" err="1"/>
+              <a:t>want</a:t>
+            </a:r>
+            <a:r>
+              <a:rPr lang="nb-NO" dirty="0"/>
+              <a:t> </a:t>
+            </a:r>
+            <a:r>
+              <a:rPr lang="nb-NO" dirty="0" err="1"/>
+              <a:t>access</a:t>
+            </a:r>
+            <a:r>
+              <a:rPr lang="nb-NO" dirty="0"/>
+              <a:t> to </a:t>
+            </a:r>
+            <a:r>
+              <a:rPr lang="nb-NO" dirty="0" err="1"/>
+              <a:t>the</a:t>
+            </a:r>
+            <a:r>
+              <a:rPr lang="nb-NO" dirty="0"/>
+              <a:t> GH </a:t>
+            </a:r>
+            <a:r>
+              <a:rPr lang="nb-NO" dirty="0" err="1"/>
+              <a:t>repo</a:t>
+            </a:r>
+            <a:endParaRPr lang="nb-NO" dirty="0"/>
+          </a:p>
+          <a:p>
+            <a:r>
+              <a:rPr lang="nb-NO" dirty="0"/>
+              <a:t>Geobody, </a:t>
+            </a:r>
+            <a:r>
+              <a:rPr lang="nb-NO" dirty="0" err="1"/>
+              <a:t>seismic</a:t>
+            </a:r>
+            <a:r>
+              <a:rPr lang="nb-NO" dirty="0"/>
+              <a:t> blind spot</a:t>
+            </a:r>
+          </a:p>
+          <a:p>
+            <a:r>
+              <a:rPr lang="en-GB" dirty="0"/>
+              <a:t>Summary statistics of soil unit parameters</a:t>
+            </a:r>
+          </a:p>
+          <a:p>
+            <a:pPr lvl="1"/>
+            <a:r>
+              <a:rPr lang="en-GB" dirty="0"/>
+              <a:t>Some engineering judgement involved in assigning these</a:t>
+            </a:r>
+          </a:p>
+          <a:p>
+            <a:r>
+              <a:rPr lang="en-GB" dirty="0"/>
+              <a:t>Might be better to predict geotechnical design parameters directly? Not through CPT response. </a:t>
+            </a:r>
+          </a:p>
+        </p:txBody>
+      </p:sp>
+    </p:spTree>
+    <p:extLst>
+      <p:ext uri="{BB962C8B-B14F-4D97-AF65-F5344CB8AC3E}">
+        <p14:creationId xmlns:p14="http://schemas.microsoft.com/office/powerpoint/2010/main" val="2648020591"/>
       </p:ext>
     </p:extLst>
   </p:cSld>
@@ -6397,6 +8444,111 @@
           <a:lstStyle/>
           <a:p>
             <a:r>
+              <a:rPr lang="nb-NO" dirty="0" err="1"/>
+              <a:t>Surficial</a:t>
+            </a:r>
+            <a:r>
+              <a:rPr lang="nb-NO" dirty="0"/>
+              <a:t> </a:t>
+            </a:r>
+            <a:r>
+              <a:rPr lang="nb-NO" dirty="0" err="1"/>
+              <a:t>project</a:t>
+            </a:r>
+            <a:r>
+              <a:rPr lang="nb-NO" dirty="0"/>
+              <a:t> </a:t>
+            </a:r>
+            <a:r>
+              <a:rPr lang="nb-NO" dirty="0" err="1"/>
+              <a:t>overview</a:t>
+            </a:r>
+            <a:r>
+              <a:rPr lang="nb-NO" dirty="0"/>
+              <a:t> </a:t>
+            </a:r>
+            <a:r>
+              <a:rPr lang="nb-NO" dirty="0" err="1"/>
+              <a:t>of</a:t>
+            </a:r>
+            <a:r>
+              <a:rPr lang="nb-NO" dirty="0"/>
+              <a:t> </a:t>
+            </a:r>
+            <a:r>
+              <a:rPr lang="nb-NO" dirty="0" err="1"/>
+              <a:t>NGI’s</a:t>
+            </a:r>
+            <a:r>
+              <a:rPr lang="nb-NO" dirty="0"/>
+              <a:t> </a:t>
+            </a:r>
+            <a:r>
+              <a:rPr lang="nb-NO" dirty="0" err="1"/>
+              <a:t>work</a:t>
+            </a:r>
+            <a:r>
+              <a:rPr lang="nb-NO" dirty="0"/>
+              <a:t> </a:t>
+            </a:r>
+            <a:r>
+              <a:rPr lang="nb-NO" dirty="0" err="1"/>
+              <a:t>on</a:t>
+            </a:r>
+            <a:r>
+              <a:rPr lang="nb-NO" dirty="0"/>
+              <a:t> TNWWFZ</a:t>
+            </a:r>
+          </a:p>
+          <a:p>
+            <a:pPr lvl="1"/>
+            <a:r>
+              <a:rPr lang="nb-NO" dirty="0"/>
+              <a:t>more in </a:t>
+            </a:r>
+            <a:r>
+              <a:rPr lang="nb-NO" dirty="0" err="1"/>
+              <a:t>depth</a:t>
+            </a:r>
+            <a:r>
+              <a:rPr lang="nb-NO" dirty="0"/>
+              <a:t>/</a:t>
+            </a:r>
+            <a:r>
+              <a:rPr lang="nb-NO" dirty="0" err="1"/>
+              <a:t>specific</a:t>
+            </a:r>
+            <a:r>
+              <a:rPr lang="nb-NO" dirty="0"/>
+              <a:t> </a:t>
+            </a:r>
+            <a:r>
+              <a:rPr lang="nb-NO" dirty="0" err="1"/>
+              <a:t>discussions</a:t>
+            </a:r>
+            <a:r>
+              <a:rPr lang="nb-NO" dirty="0"/>
+              <a:t> in </a:t>
+            </a:r>
+            <a:r>
+              <a:rPr lang="nb-NO" dirty="0" err="1"/>
+              <a:t>the</a:t>
+            </a:r>
+            <a:r>
+              <a:rPr lang="nb-NO" dirty="0"/>
+              <a:t> </a:t>
+            </a:r>
+            <a:r>
+              <a:rPr lang="nb-NO" dirty="0" err="1"/>
+              <a:t>future</a:t>
+            </a:r>
+            <a:r>
+              <a:rPr lang="nb-NO" dirty="0"/>
+              <a:t> </a:t>
+            </a:r>
+          </a:p>
+          <a:p>
+            <a:r>
               <a:rPr lang="nb-NO" dirty="0"/>
               <a:t>Go </a:t>
             </a:r>
@@ -6430,25 +8582,45 @@
             </a:r>
             <a:r>
               <a:rPr lang="nb-NO" dirty="0"/>
-              <a:t> data, </a:t>
-            </a:r>
-            <a:r>
-              <a:rPr lang="nb-NO" dirty="0" err="1"/>
-              <a:t>geological</a:t>
-            </a:r>
-            <a:r>
-              <a:rPr lang="nb-NO" dirty="0"/>
-              <a:t> </a:t>
-            </a:r>
-            <a:r>
-              <a:rPr lang="nb-NO" dirty="0" err="1"/>
-              <a:t>context</a:t>
-            </a:r>
-            <a:r>
-              <a:rPr lang="nb-NO" dirty="0"/>
-              <a:t> </a:t>
-            </a:r>
-            <a:endParaRPr lang="en-GB" dirty="0"/>
+              <a:t> data</a:t>
+            </a:r>
+          </a:p>
+          <a:p>
+            <a:r>
+              <a:rPr lang="nb-NO" dirty="0"/>
+              <a:t>Setting a baseline for </a:t>
+            </a:r>
+            <a:r>
+              <a:rPr lang="nb-NO" dirty="0" err="1"/>
+              <a:t>cooperation</a:t>
+            </a:r>
+            <a:endParaRPr lang="nb-NO" dirty="0"/>
+          </a:p>
+          <a:p>
+            <a:r>
+              <a:rPr lang="nb-NO" dirty="0" err="1"/>
+              <a:t>Outlining</a:t>
+            </a:r>
+            <a:r>
+              <a:rPr lang="nb-NO" dirty="0"/>
+              <a:t> </a:t>
+            </a:r>
+            <a:r>
+              <a:rPr lang="nb-NO" dirty="0" err="1"/>
+              <a:t>the</a:t>
+            </a:r>
+            <a:r>
+              <a:rPr lang="nb-NO" dirty="0"/>
+              <a:t> </a:t>
+            </a:r>
+            <a:r>
+              <a:rPr lang="nb-NO" dirty="0" err="1"/>
+              <a:t>way</a:t>
+            </a:r>
+            <a:r>
+              <a:rPr lang="nb-NO" dirty="0"/>
+              <a:t> forward</a:t>
+            </a:r>
           </a:p>
         </p:txBody>
       </p:sp>
@@ -6487,7 +8659,7 @@
           <p:cNvPr id="2" name="Title 1">
             <a:extLst>
               <a:ext uri="{FF2B5EF4-FFF2-40B4-BE49-F238E27FC236}">
-                <a16:creationId xmlns:a16="http://schemas.microsoft.com/office/drawing/2014/main" id="{5B8C6B86-126D-4A21-B2FB-909B947B532A}"/>
+                <a16:creationId xmlns:a16="http://schemas.microsoft.com/office/drawing/2014/main" id="{E106FE9F-AF5A-4E8E-9F32-F5823F8036CF}"/>
               </a:ext>
             </a:extLst>
           </p:cNvPr>
@@ -6505,19 +8677,15 @@
           <a:p>
             <a:r>
               <a:rPr lang="nb-NO" dirty="0" err="1"/>
-              <a:t>Why</a:t>
-            </a:r>
-            <a:r>
-              <a:rPr lang="nb-NO" dirty="0"/>
-              <a:t> </a:t>
-            </a:r>
-            <a:r>
-              <a:rPr lang="nb-NO" dirty="0" err="1"/>
-              <a:t>use</a:t>
-            </a:r>
-            <a:r>
-              <a:rPr lang="nb-NO" dirty="0"/>
-              <a:t> Machine Learning?</a:t>
+              <a:t>Working</a:t>
+            </a:r>
+            <a:r>
+              <a:rPr lang="nb-NO" dirty="0"/>
+              <a:t> </a:t>
+            </a:r>
+            <a:r>
+              <a:rPr lang="nb-NO" dirty="0" err="1"/>
+              <a:t>title</a:t>
             </a:r>
             <a:endParaRPr lang="en-GB" dirty="0"/>
           </a:p>
@@ -6528,7 +8696,7 @@
           <p:cNvPr id="3" name="Content Placeholder 2">
             <a:extLst>
               <a:ext uri="{FF2B5EF4-FFF2-40B4-BE49-F238E27FC236}">
-                <a16:creationId xmlns:a16="http://schemas.microsoft.com/office/drawing/2014/main" id="{F8E5BA11-8DB0-48B2-9A98-F8E4F48338AF}"/>
+                <a16:creationId xmlns:a16="http://schemas.microsoft.com/office/drawing/2014/main" id="{585848EA-840F-44DE-A440-BFCD0AF7CCE5}"/>
               </a:ext>
             </a:extLst>
           </p:cNvPr>
@@ -6539,66 +8707,105 @@
             <p:ph idx="1"/>
           </p:nvPr>
         </p:nvSpPr>
-        <p:spPr/>
-        <p:txBody>
-          <a:bodyPr/>
+        <p:spPr>
+          <a:xfrm>
+            <a:off x="1115568" y="3314700"/>
+            <a:ext cx="10168128" cy="2994660"/>
+          </a:xfrm>
+        </p:spPr>
+        <p:txBody>
+          <a:bodyPr>
+            <a:normAutofit/>
+          </a:bodyPr>
           <a:lstStyle/>
           <a:p>
-            <a:r>
-              <a:rPr lang="nb-NO" dirty="0"/>
-              <a:t>The </a:t>
-            </a:r>
-            <a:r>
-              <a:rPr lang="nb-NO" dirty="0" err="1"/>
-              <a:t>seismic</a:t>
-            </a:r>
-            <a:r>
-              <a:rPr lang="nb-NO" dirty="0"/>
-              <a:t> </a:t>
-            </a:r>
-            <a:r>
-              <a:rPr lang="nb-NO" dirty="0" err="1"/>
-              <a:t>inversion</a:t>
-            </a:r>
-            <a:r>
-              <a:rPr lang="nb-NO" dirty="0"/>
-              <a:t> </a:t>
-            </a:r>
-            <a:r>
-              <a:rPr lang="nb-NO" dirty="0" err="1"/>
-              <a:t>algorithm</a:t>
-            </a:r>
-            <a:r>
-              <a:rPr lang="nb-NO" dirty="0"/>
-              <a:t> is </a:t>
-            </a:r>
-            <a:r>
-              <a:rPr lang="nb-NO" dirty="0" err="1"/>
-              <a:t>slow</a:t>
-            </a:r>
-            <a:endParaRPr lang="nb-NO" dirty="0"/>
-          </a:p>
-          <a:p>
-            <a:r>
-              <a:rPr lang="nb-NO" dirty="0"/>
-              <a:t>I </a:t>
-            </a:r>
-            <a:r>
-              <a:rPr lang="nb-NO" dirty="0" err="1"/>
-              <a:t>want</a:t>
-            </a:r>
-            <a:r>
-              <a:rPr lang="nb-NO" dirty="0"/>
-              <a:t> to </a:t>
-            </a:r>
-            <a:endParaRPr lang="en-GB" dirty="0"/>
+            <a:pPr marL="0" indent="0" algn="ctr">
+              <a:buNone/>
+            </a:pPr>
+            <a:r>
+              <a:rPr lang="nb-NO" sz="3200" dirty="0" err="1">
+                <a:latin typeface="Calibri" panose="020F0502020204030204" pitchFamily="34" charset="0"/>
+                <a:ea typeface="Cambria" panose="02040503050406030204" pitchFamily="18" charset="0"/>
+                <a:cs typeface="Calibri" panose="020F0502020204030204" pitchFamily="34" charset="0"/>
+              </a:rPr>
+              <a:t>Predicting</a:t>
+            </a:r>
+            <a:r>
+              <a:rPr lang="nb-NO" sz="3200" dirty="0">
+                <a:latin typeface="Calibri" panose="020F0502020204030204" pitchFamily="34" charset="0"/>
+                <a:ea typeface="Cambria" panose="02040503050406030204" pitchFamily="18" charset="0"/>
+                <a:cs typeface="Calibri" panose="020F0502020204030204" pitchFamily="34" charset="0"/>
+              </a:rPr>
+              <a:t> offshore </a:t>
+            </a:r>
+            <a:r>
+              <a:rPr lang="nb-NO" sz="3200" dirty="0" err="1">
+                <a:latin typeface="Calibri" panose="020F0502020204030204" pitchFamily="34" charset="0"/>
+                <a:ea typeface="Cambria" panose="02040503050406030204" pitchFamily="18" charset="0"/>
+                <a:cs typeface="Calibri" panose="020F0502020204030204" pitchFamily="34" charset="0"/>
+              </a:rPr>
+              <a:t>soil</a:t>
+            </a:r>
+            <a:r>
+              <a:rPr lang="nb-NO" sz="3200" dirty="0">
+                <a:latin typeface="Calibri" panose="020F0502020204030204" pitchFamily="34" charset="0"/>
+                <a:ea typeface="Cambria" panose="02040503050406030204" pitchFamily="18" charset="0"/>
+                <a:cs typeface="Calibri" panose="020F0502020204030204" pitchFamily="34" charset="0"/>
+              </a:rPr>
+              <a:t> </a:t>
+            </a:r>
+            <a:r>
+              <a:rPr lang="nb-NO" sz="3200" dirty="0" err="1">
+                <a:latin typeface="Calibri" panose="020F0502020204030204" pitchFamily="34" charset="0"/>
+                <a:ea typeface="Cambria" panose="02040503050406030204" pitchFamily="18" charset="0"/>
+                <a:cs typeface="Calibri" panose="020F0502020204030204" pitchFamily="34" charset="0"/>
+              </a:rPr>
+              <a:t>properties</a:t>
+            </a:r>
+            <a:r>
+              <a:rPr lang="nb-NO" sz="3200" dirty="0">
+                <a:latin typeface="Calibri" panose="020F0502020204030204" pitchFamily="34" charset="0"/>
+                <a:ea typeface="Cambria" panose="02040503050406030204" pitchFamily="18" charset="0"/>
+                <a:cs typeface="Calibri" panose="020F0502020204030204" pitchFamily="34" charset="0"/>
+              </a:rPr>
+              <a:t> </a:t>
+            </a:r>
+            <a:r>
+              <a:rPr lang="nb-NO" sz="3200" dirty="0" err="1">
+                <a:latin typeface="Calibri" panose="020F0502020204030204" pitchFamily="34" charset="0"/>
+                <a:ea typeface="Cambria" panose="02040503050406030204" pitchFamily="18" charset="0"/>
+                <a:cs typeface="Calibri" panose="020F0502020204030204" pitchFamily="34" charset="0"/>
+              </a:rPr>
+              <a:t>using</a:t>
+            </a:r>
+            <a:r>
+              <a:rPr lang="nb-NO" sz="3200" dirty="0">
+                <a:latin typeface="Calibri" panose="020F0502020204030204" pitchFamily="34" charset="0"/>
+                <a:ea typeface="Cambria" panose="02040503050406030204" pitchFamily="18" charset="0"/>
+                <a:cs typeface="Calibri" panose="020F0502020204030204" pitchFamily="34" charset="0"/>
+              </a:rPr>
+              <a:t> Machine Learning </a:t>
+            </a:r>
+            <a:r>
+              <a:rPr lang="nb-NO" sz="3200" dirty="0" err="1">
+                <a:latin typeface="Calibri" panose="020F0502020204030204" pitchFamily="34" charset="0"/>
+                <a:ea typeface="Cambria" panose="02040503050406030204" pitchFamily="18" charset="0"/>
+                <a:cs typeface="Calibri" panose="020F0502020204030204" pitchFamily="34" charset="0"/>
+              </a:rPr>
+              <a:t>Techniques</a:t>
+            </a:r>
+            <a:endParaRPr lang="en-GB" sz="3200" dirty="0">
+              <a:latin typeface="Calibri" panose="020F0502020204030204" pitchFamily="34" charset="0"/>
+              <a:ea typeface="Cambria" panose="02040503050406030204" pitchFamily="18" charset="0"/>
+              <a:cs typeface="Calibri" panose="020F0502020204030204" pitchFamily="34" charset="0"/>
+            </a:endParaRPr>
           </a:p>
         </p:txBody>
       </p:sp>
     </p:spTree>
     <p:extLst>
       <p:ext uri="{BB962C8B-B14F-4D97-AF65-F5344CB8AC3E}">
-        <p14:creationId xmlns:p14="http://schemas.microsoft.com/office/powerpoint/2010/main" val="3664339241"/>
+        <p14:creationId xmlns:p14="http://schemas.microsoft.com/office/powerpoint/2010/main" val="367781689"/>
       </p:ext>
     </p:extLst>
   </p:cSld>
@@ -6630,7 +8837,7 @@
           <p:cNvPr id="2" name="Title 1">
             <a:extLst>
               <a:ext uri="{FF2B5EF4-FFF2-40B4-BE49-F238E27FC236}">
-                <a16:creationId xmlns:a16="http://schemas.microsoft.com/office/drawing/2014/main" id="{216E0BA3-C9C7-4860-B9CF-780778995E0E}"/>
+                <a16:creationId xmlns:a16="http://schemas.microsoft.com/office/drawing/2014/main" id="{5B8C6B86-126D-4A21-B2FB-909B947B532A}"/>
               </a:ext>
             </a:extLst>
           </p:cNvPr>
@@ -6643,34 +8850,24 @@
         </p:nvSpPr>
         <p:spPr/>
         <p:txBody>
-          <a:bodyPr>
-            <a:normAutofit fontScale="90000"/>
-          </a:bodyPr>
+          <a:bodyPr/>
           <a:lstStyle/>
           <a:p>
             <a:r>
-              <a:rPr lang="nb-NO" dirty="0" err="1"/>
-              <a:t>Ten</a:t>
-            </a:r>
-            <a:r>
-              <a:rPr lang="nb-NO" dirty="0"/>
-              <a:t> </a:t>
-            </a:r>
-            <a:r>
-              <a:rPr lang="nb-NO" dirty="0" err="1"/>
-              <a:t>noorden</a:t>
-            </a:r>
-            <a:r>
-              <a:rPr lang="nb-NO" dirty="0"/>
-              <a:t> van de </a:t>
-            </a:r>
-            <a:r>
-              <a:rPr lang="nb-NO" dirty="0" err="1"/>
-              <a:t>Waddeneilanden</a:t>
-            </a:r>
-            <a:r>
-              <a:rPr lang="nb-NO" dirty="0"/>
-              <a:t> WFZ</a:t>
+              <a:rPr lang="nb-NO" dirty="0"/>
+              <a:t>Key </a:t>
+            </a:r>
+            <a:r>
+              <a:rPr lang="nb-NO" dirty="0" err="1"/>
+              <a:t>project</a:t>
+            </a:r>
+            <a:r>
+              <a:rPr lang="nb-NO" dirty="0"/>
+              <a:t> </a:t>
+            </a:r>
+            <a:r>
+              <a:rPr lang="nb-NO" dirty="0" err="1"/>
+              <a:t>motivations</a:t>
             </a:r>
             <a:endParaRPr lang="en-GB" dirty="0"/>
           </a:p>
@@ -6681,7 +8878,7 @@
           <p:cNvPr id="3" name="Content Placeholder 2">
             <a:extLst>
               <a:ext uri="{FF2B5EF4-FFF2-40B4-BE49-F238E27FC236}">
-                <a16:creationId xmlns:a16="http://schemas.microsoft.com/office/drawing/2014/main" id="{24343182-3FDF-4B59-ADDA-47C5E45395B2}"/>
+                <a16:creationId xmlns:a16="http://schemas.microsoft.com/office/drawing/2014/main" id="{F8E5BA11-8DB0-48B2-9A98-F8E4F48338AF}"/>
               </a:ext>
             </a:extLst>
           </p:cNvPr>
@@ -6692,6 +8889,414 @@
             <p:ph idx="1"/>
           </p:nvPr>
         </p:nvSpPr>
+        <p:spPr/>
+        <p:txBody>
+          <a:bodyPr>
+            <a:normAutofit/>
+          </a:bodyPr>
+          <a:lstStyle/>
+          <a:p>
+            <a:r>
+              <a:rPr lang="nb-NO" dirty="0"/>
+              <a:t>«</a:t>
+            </a:r>
+            <a:r>
+              <a:rPr lang="nb-NO" dirty="0" err="1"/>
+              <a:t>Reliably</a:t>
+            </a:r>
+            <a:r>
+              <a:rPr lang="nb-NO" dirty="0"/>
+              <a:t> </a:t>
+            </a:r>
+            <a:r>
+              <a:rPr lang="nb-NO" dirty="0" err="1"/>
+              <a:t>predict</a:t>
+            </a:r>
+            <a:r>
+              <a:rPr lang="nb-NO" dirty="0"/>
+              <a:t> </a:t>
+            </a:r>
+            <a:r>
+              <a:rPr lang="nb-NO" dirty="0" err="1"/>
+              <a:t>information</a:t>
+            </a:r>
+            <a:r>
+              <a:rPr lang="nb-NO" dirty="0"/>
+              <a:t> </a:t>
+            </a:r>
+            <a:r>
+              <a:rPr lang="nb-NO" dirty="0" err="1"/>
+              <a:t>across</a:t>
+            </a:r>
+            <a:r>
+              <a:rPr lang="nb-NO" dirty="0"/>
+              <a:t> </a:t>
+            </a:r>
+            <a:r>
+              <a:rPr lang="nb-NO" dirty="0" err="1"/>
+              <a:t>the</a:t>
+            </a:r>
+            <a:r>
+              <a:rPr lang="nb-NO" dirty="0"/>
+              <a:t> </a:t>
+            </a:r>
+            <a:r>
+              <a:rPr lang="nb-NO" dirty="0" err="1"/>
+              <a:t>development</a:t>
+            </a:r>
+            <a:r>
+              <a:rPr lang="nb-NO" dirty="0"/>
+              <a:t> area </a:t>
+            </a:r>
+            <a:r>
+              <a:rPr lang="nb-NO" dirty="0" err="1"/>
+              <a:t>that</a:t>
+            </a:r>
+            <a:r>
+              <a:rPr lang="nb-NO" dirty="0"/>
+              <a:t> </a:t>
+            </a:r>
+            <a:r>
+              <a:rPr lang="nb-NO" dirty="0" err="1"/>
+              <a:t>engineers</a:t>
+            </a:r>
+            <a:r>
+              <a:rPr lang="nb-NO" dirty="0"/>
+              <a:t> and </a:t>
+            </a:r>
+            <a:r>
+              <a:rPr lang="nb-NO" dirty="0" err="1"/>
+              <a:t>other</a:t>
+            </a:r>
+            <a:r>
+              <a:rPr lang="nb-NO" dirty="0"/>
+              <a:t> end-</a:t>
+            </a:r>
+            <a:r>
+              <a:rPr lang="nb-NO" dirty="0" err="1"/>
+              <a:t>users</a:t>
+            </a:r>
+            <a:r>
+              <a:rPr lang="nb-NO" dirty="0"/>
+              <a:t> </a:t>
+            </a:r>
+            <a:r>
+              <a:rPr lang="nb-NO" dirty="0" err="1"/>
+              <a:t>can</a:t>
+            </a:r>
+            <a:r>
+              <a:rPr lang="nb-NO" dirty="0"/>
+              <a:t> </a:t>
+            </a:r>
+            <a:r>
+              <a:rPr lang="nb-NO" dirty="0" err="1"/>
+              <a:t>use</a:t>
+            </a:r>
+            <a:r>
+              <a:rPr lang="nb-NO" dirty="0"/>
+              <a:t> in </a:t>
+            </a:r>
+            <a:r>
+              <a:rPr lang="nb-NO" dirty="0" err="1"/>
+              <a:t>their</a:t>
+            </a:r>
+            <a:r>
+              <a:rPr lang="nb-NO" dirty="0"/>
+              <a:t> </a:t>
+            </a:r>
+            <a:r>
+              <a:rPr lang="nb-NO" dirty="0" err="1"/>
+              <a:t>application</a:t>
+            </a:r>
+            <a:r>
+              <a:rPr lang="nb-NO" dirty="0"/>
+              <a:t>»</a:t>
+            </a:r>
+          </a:p>
+          <a:p>
+            <a:r>
+              <a:rPr lang="nb-NO" dirty="0"/>
+              <a:t>The </a:t>
+            </a:r>
+            <a:r>
+              <a:rPr lang="nb-NO" dirty="0" err="1"/>
+              <a:t>seismic</a:t>
+            </a:r>
+            <a:r>
+              <a:rPr lang="nb-NO" dirty="0"/>
+              <a:t> </a:t>
+            </a:r>
+            <a:r>
+              <a:rPr lang="nb-NO" dirty="0" err="1"/>
+              <a:t>inversion</a:t>
+            </a:r>
+            <a:r>
+              <a:rPr lang="nb-NO" dirty="0"/>
+              <a:t> </a:t>
+            </a:r>
+            <a:r>
+              <a:rPr lang="nb-NO" dirty="0" err="1"/>
+              <a:t>algorithm</a:t>
+            </a:r>
+            <a:r>
+              <a:rPr lang="nb-NO" dirty="0"/>
+              <a:t> is </a:t>
+            </a:r>
+            <a:r>
+              <a:rPr lang="nb-NO" dirty="0" err="1"/>
+              <a:t>slow</a:t>
+            </a:r>
+            <a:endParaRPr lang="nb-NO" dirty="0"/>
+          </a:p>
+          <a:p>
+            <a:pPr lvl="1"/>
+            <a:r>
+              <a:rPr lang="nb-NO" dirty="0"/>
+              <a:t>Training a ML </a:t>
+            </a:r>
+            <a:r>
+              <a:rPr lang="nb-NO" dirty="0" err="1"/>
+              <a:t>model</a:t>
+            </a:r>
+            <a:r>
+              <a:rPr lang="nb-NO" dirty="0"/>
+              <a:t> </a:t>
+            </a:r>
+            <a:r>
+              <a:rPr lang="nb-NO" dirty="0" err="1"/>
+              <a:t>will</a:t>
+            </a:r>
+            <a:r>
+              <a:rPr lang="nb-NO" dirty="0"/>
+              <a:t> be faster</a:t>
+            </a:r>
+          </a:p>
+          <a:p>
+            <a:r>
+              <a:rPr lang="nb-NO" dirty="0" err="1"/>
+              <a:t>Explore</a:t>
+            </a:r>
+            <a:r>
+              <a:rPr lang="nb-NO" dirty="0"/>
+              <a:t> </a:t>
+            </a:r>
+            <a:r>
+              <a:rPr lang="nb-NO" dirty="0" err="1"/>
+              <a:t>applications</a:t>
+            </a:r>
+            <a:r>
+              <a:rPr lang="nb-NO" dirty="0"/>
+              <a:t> </a:t>
+            </a:r>
+            <a:r>
+              <a:rPr lang="nb-NO" dirty="0" err="1"/>
+              <a:t>of</a:t>
+            </a:r>
+            <a:r>
+              <a:rPr lang="nb-NO" dirty="0"/>
+              <a:t> ML in </a:t>
+            </a:r>
+            <a:r>
+              <a:rPr lang="nb-NO" dirty="0" err="1"/>
+              <a:t>earth</a:t>
+            </a:r>
+            <a:r>
+              <a:rPr lang="nb-NO" dirty="0"/>
+              <a:t> science</a:t>
+            </a:r>
+          </a:p>
+          <a:p>
+            <a:pPr lvl="1"/>
+            <a:r>
+              <a:rPr lang="nb-NO" dirty="0" err="1"/>
+              <a:t>Especially</a:t>
+            </a:r>
+            <a:r>
+              <a:rPr lang="nb-NO" dirty="0"/>
+              <a:t> 2D TCN </a:t>
+            </a:r>
+            <a:r>
+              <a:rPr lang="nb-NO" dirty="0" err="1"/>
+              <a:t>seismic</a:t>
+            </a:r>
+            <a:r>
+              <a:rPr lang="nb-NO" dirty="0"/>
+              <a:t> </a:t>
+            </a:r>
+            <a:r>
+              <a:rPr lang="nb-NO" dirty="0" err="1"/>
+              <a:t>inversion</a:t>
+            </a:r>
+            <a:r>
+              <a:rPr lang="nb-NO" dirty="0"/>
+              <a:t> and </a:t>
+            </a:r>
+            <a:r>
+              <a:rPr lang="nb-NO" b="1" dirty="0"/>
+              <a:t>transfer </a:t>
+            </a:r>
+            <a:r>
+              <a:rPr lang="nb-NO" b="1" dirty="0" err="1"/>
+              <a:t>learning</a:t>
+            </a:r>
+            <a:endParaRPr lang="nb-NO" b="1" dirty="0"/>
+          </a:p>
+          <a:p>
+            <a:r>
+              <a:rPr lang="nb-NO" dirty="0" err="1"/>
+              <a:t>Working</a:t>
+            </a:r>
+            <a:r>
+              <a:rPr lang="nb-NO" dirty="0"/>
+              <a:t> cross-</a:t>
+            </a:r>
+            <a:r>
+              <a:rPr lang="nb-NO" dirty="0" err="1"/>
+              <a:t>disciplinary</a:t>
+            </a:r>
+            <a:r>
+              <a:rPr lang="nb-NO" dirty="0"/>
+              <a:t> </a:t>
+            </a:r>
+          </a:p>
+          <a:p>
+            <a:pPr lvl="1"/>
+            <a:r>
+              <a:rPr lang="nb-NO" dirty="0"/>
+              <a:t>[computer science, </a:t>
+            </a:r>
+            <a:r>
+              <a:rPr lang="nb-NO" dirty="0" err="1"/>
+              <a:t>geology</a:t>
+            </a:r>
+            <a:r>
+              <a:rPr lang="nb-NO" dirty="0"/>
+              <a:t>, </a:t>
+            </a:r>
+            <a:r>
+              <a:rPr lang="nb-NO" dirty="0" err="1"/>
+              <a:t>geophysics</a:t>
+            </a:r>
+            <a:r>
+              <a:rPr lang="nb-NO" dirty="0"/>
+              <a:t>, </a:t>
+            </a:r>
+            <a:r>
+              <a:rPr lang="nb-NO" dirty="0" err="1"/>
+              <a:t>geotechnics</a:t>
+            </a:r>
+            <a:r>
+              <a:rPr lang="nb-NO" dirty="0"/>
+              <a:t>, </a:t>
+            </a:r>
+            <a:r>
+              <a:rPr lang="nb-NO" dirty="0" err="1"/>
+              <a:t>geostatistics</a:t>
+            </a:r>
+            <a:r>
+              <a:rPr lang="nb-NO" dirty="0"/>
+              <a:t>]</a:t>
+            </a:r>
+          </a:p>
+        </p:txBody>
+      </p:sp>
+    </p:spTree>
+    <p:extLst>
+      <p:ext uri="{BB962C8B-B14F-4D97-AF65-F5344CB8AC3E}">
+        <p14:creationId xmlns:p14="http://schemas.microsoft.com/office/powerpoint/2010/main" val="3664339241"/>
+      </p:ext>
+    </p:extLst>
+  </p:cSld>
+  <p:clrMapOvr>
+    <a:masterClrMapping/>
+  </p:clrMapOvr>
+</p:sld>
+</file>
+
+<file path=ppt/slides/slide5.xml><?xml version="1.0" encoding="utf-8"?>
+<p:sld xmlns:a="http://schemas.openxmlformats.org/drawingml/2006/main" xmlns:r="http://schemas.openxmlformats.org/officeDocument/2006/relationships" xmlns:p="http://schemas.openxmlformats.org/presentationml/2006/main">
+  <p:cSld>
+    <p:spTree>
+      <p:nvGrpSpPr>
+        <p:cNvPr id="1" name=""/>
+        <p:cNvGrpSpPr/>
+        <p:nvPr/>
+      </p:nvGrpSpPr>
+      <p:grpSpPr>
+        <a:xfrm>
+          <a:off x="0" y="0"/>
+          <a:ext cx="0" cy="0"/>
+          <a:chOff x="0" y="0"/>
+          <a:chExt cx="0" cy="0"/>
+        </a:xfrm>
+      </p:grpSpPr>
+      <p:sp>
+        <p:nvSpPr>
+          <p:cNvPr id="2" name="Title 1">
+            <a:extLst>
+              <a:ext uri="{FF2B5EF4-FFF2-40B4-BE49-F238E27FC236}">
+                <a16:creationId xmlns:a16="http://schemas.microsoft.com/office/drawing/2014/main" id="{216E0BA3-C9C7-4860-B9CF-780778995E0E}"/>
+              </a:ext>
+            </a:extLst>
+          </p:cNvPr>
+          <p:cNvSpPr>
+            <a:spLocks noGrp="1"/>
+          </p:cNvSpPr>
+          <p:nvPr>
+            <p:ph type="title"/>
+          </p:nvPr>
+        </p:nvSpPr>
+        <p:spPr/>
+        <p:txBody>
+          <a:bodyPr>
+            <a:normAutofit fontScale="90000"/>
+          </a:bodyPr>
+          <a:lstStyle/>
+          <a:p>
+            <a:r>
+              <a:rPr lang="nb-NO" dirty="0" err="1"/>
+              <a:t>Ten</a:t>
+            </a:r>
+            <a:r>
+              <a:rPr lang="nb-NO" dirty="0"/>
+              <a:t> </a:t>
+            </a:r>
+            <a:r>
+              <a:rPr lang="nb-NO" dirty="0" err="1"/>
+              <a:t>noorden</a:t>
+            </a:r>
+            <a:r>
+              <a:rPr lang="nb-NO" dirty="0"/>
+              <a:t> van de </a:t>
+            </a:r>
+            <a:r>
+              <a:rPr lang="nb-NO" dirty="0" err="1"/>
+              <a:t>Waddeneilanden</a:t>
+            </a:r>
+            <a:r>
+              <a:rPr lang="nb-NO" dirty="0"/>
+              <a:t> WFZ</a:t>
+            </a:r>
+            <a:endParaRPr lang="en-GB" dirty="0"/>
+          </a:p>
+        </p:txBody>
+      </p:sp>
+      <p:sp>
+        <p:nvSpPr>
+          <p:cNvPr id="3" name="Content Placeholder 2">
+            <a:extLst>
+              <a:ext uri="{FF2B5EF4-FFF2-40B4-BE49-F238E27FC236}">
+                <a16:creationId xmlns:a16="http://schemas.microsoft.com/office/drawing/2014/main" id="{24343182-3FDF-4B59-ADDA-47C5E45395B2}"/>
+              </a:ext>
+            </a:extLst>
+          </p:cNvPr>
+          <p:cNvSpPr>
+            <a:spLocks noGrp="1"/>
+          </p:cNvSpPr>
+          <p:nvPr>
+            <p:ph idx="1"/>
+          </p:nvPr>
+        </p:nvSpPr>
         <p:spPr>
           <a:xfrm>
             <a:off x="1115568" y="2478024"/>
@@ -6699,81 +9304,83 @@
           </a:xfrm>
         </p:spPr>
         <p:txBody>
-          <a:bodyPr/>
+          <a:bodyPr>
+            <a:normAutofit/>
+          </a:bodyPr>
           <a:lstStyle/>
           <a:p>
             <a:r>
-              <a:rPr lang="nb-NO" dirty="0" err="1"/>
+              <a:rPr lang="nb-NO" sz="2000" dirty="0" err="1"/>
               <a:t>Seismic</a:t>
             </a:r>
             <a:r>
-              <a:rPr lang="nb-NO" dirty="0"/>
+              <a:rPr lang="nb-NO" sz="2000" dirty="0"/>
               <a:t> data has </a:t>
             </a:r>
             <a:r>
-              <a:rPr lang="nb-NO" dirty="0" err="1"/>
+              <a:rPr lang="nb-NO" sz="2000" dirty="0" err="1"/>
               <a:t>been</a:t>
             </a:r>
             <a:r>
-              <a:rPr lang="nb-NO" dirty="0"/>
-              <a:t> </a:t>
-            </a:r>
-            <a:r>
-              <a:rPr lang="nb-NO" dirty="0" err="1"/>
+              <a:rPr lang="nb-NO" sz="2000" dirty="0"/>
+              <a:t> </a:t>
+            </a:r>
+            <a:r>
+              <a:rPr lang="nb-NO" sz="2000" dirty="0" err="1"/>
               <a:t>through</a:t>
             </a:r>
             <a:r>
-              <a:rPr lang="nb-NO" dirty="0"/>
-              <a:t> </a:t>
-            </a:r>
-            <a:r>
-              <a:rPr lang="nb-NO" dirty="0" err="1"/>
+              <a:rPr lang="nb-NO" sz="2000" dirty="0"/>
+              <a:t> </a:t>
+            </a:r>
+            <a:r>
+              <a:rPr lang="nb-NO" sz="2000" dirty="0" err="1"/>
               <a:t>seismic</a:t>
             </a:r>
             <a:r>
-              <a:rPr lang="nb-NO" dirty="0"/>
-              <a:t> </a:t>
-            </a:r>
-            <a:r>
-              <a:rPr lang="nb-NO" dirty="0" err="1"/>
+              <a:rPr lang="nb-NO" sz="2000" dirty="0"/>
+              <a:t> </a:t>
+            </a:r>
+            <a:r>
+              <a:rPr lang="nb-NO" sz="2000" dirty="0" err="1"/>
               <a:t>inversion</a:t>
             </a:r>
-            <a:endParaRPr lang="nb-NO" dirty="0"/>
+            <a:endParaRPr lang="nb-NO" sz="2000" dirty="0"/>
           </a:p>
           <a:p>
             <a:pPr lvl="1"/>
             <a:r>
-              <a:rPr lang="nb-NO" dirty="0"/>
+              <a:rPr lang="nb-NO" sz="1800" dirty="0"/>
               <a:t>Good </a:t>
             </a:r>
             <a:r>
-              <a:rPr lang="nb-NO" dirty="0" err="1"/>
+              <a:rPr lang="nb-NO" sz="1800" dirty="0" err="1"/>
               <a:t>ground</a:t>
             </a:r>
             <a:r>
-              <a:rPr lang="nb-NO" dirty="0"/>
-              <a:t> </a:t>
-            </a:r>
-            <a:r>
-              <a:rPr lang="nb-NO" dirty="0" err="1"/>
+              <a:rPr lang="nb-NO" sz="1800" dirty="0"/>
+              <a:t> </a:t>
+            </a:r>
+            <a:r>
+              <a:rPr lang="nb-NO" sz="1800" dirty="0" err="1"/>
               <a:t>truth</a:t>
             </a:r>
             <a:r>
-              <a:rPr lang="nb-NO" dirty="0"/>
+              <a:rPr lang="nb-NO" sz="1800" dirty="0"/>
               <a:t> basis for training and testing</a:t>
             </a:r>
           </a:p>
           <a:p>
             <a:r>
-              <a:rPr lang="en-GB" dirty="0"/>
+              <a:rPr lang="en-GB" sz="2000" dirty="0"/>
               <a:t>NGI has provided a machine learning deliverable for the project</a:t>
             </a:r>
           </a:p>
           <a:p>
             <a:pPr lvl="1"/>
             <a:r>
-              <a:rPr lang="en-GB" dirty="0"/>
-              <a:t>Good grounds for comparison</a:t>
+              <a:rPr lang="en-GB" sz="1800" dirty="0"/>
+              <a:t>Good grounds for comparison of model performance</a:t>
             </a:r>
           </a:p>
         </p:txBody>
@@ -6821,7 +9428,7 @@
 </p:sld>
 </file>
 
-<file path=ppt/slides/slide5.xml><?xml version="1.0" encoding="utf-8"?>
+<file path=ppt/slides/slide6.xml><?xml version="1.0" encoding="utf-8"?>
 <p:sld xmlns:a="http://schemas.openxmlformats.org/drawingml/2006/main" xmlns:r="http://schemas.openxmlformats.org/officeDocument/2006/relationships" xmlns:p="http://schemas.openxmlformats.org/presentationml/2006/main">
   <p:cSld>
     <p:spTree>
@@ -6940,138 +9547,6 @@
 </p:sld>
 </file>
 
-<file path=ppt/slides/slide6.xml><?xml version="1.0" encoding="utf-8"?>
-<p:sld xmlns:a="http://schemas.openxmlformats.org/drawingml/2006/main" xmlns:r="http://schemas.openxmlformats.org/officeDocument/2006/relationships" xmlns:p="http://schemas.openxmlformats.org/presentationml/2006/main">
-  <p:cSld>
-    <p:spTree>
-      <p:nvGrpSpPr>
-        <p:cNvPr id="1" name=""/>
-        <p:cNvGrpSpPr/>
-        <p:nvPr/>
-      </p:nvGrpSpPr>
-      <p:grpSpPr>
-        <a:xfrm>
-          <a:off x="0" y="0"/>
-          <a:ext cx="0" cy="0"/>
-          <a:chOff x="0" y="0"/>
-          <a:chExt cx="0" cy="0"/>
-        </a:xfrm>
-      </p:grpSpPr>
-      <p:sp>
-        <p:nvSpPr>
-          <p:cNvPr id="2" name="Title 1">
-            <a:extLst>
-              <a:ext uri="{FF2B5EF4-FFF2-40B4-BE49-F238E27FC236}">
-                <a16:creationId xmlns:a16="http://schemas.microsoft.com/office/drawing/2014/main" id="{5AAEBEDD-9DB2-4AD4-9751-06A3361D6663}"/>
-              </a:ext>
-            </a:extLst>
-          </p:cNvPr>
-          <p:cNvSpPr>
-            <a:spLocks noGrp="1"/>
-          </p:cNvSpPr>
-          <p:nvPr>
-            <p:ph type="title"/>
-          </p:nvPr>
-        </p:nvSpPr>
-        <p:spPr/>
-        <p:txBody>
-          <a:bodyPr/>
-          <a:lstStyle/>
-          <a:p>
-            <a:r>
-              <a:rPr lang="nb-NO" dirty="0" err="1"/>
-              <a:t>Timeline</a:t>
-            </a:r>
-            <a:r>
-              <a:rPr lang="nb-NO" dirty="0"/>
-              <a:t> </a:t>
-            </a:r>
-            <a:r>
-              <a:rPr lang="nb-NO" dirty="0" err="1"/>
-              <a:t>of</a:t>
-            </a:r>
-            <a:r>
-              <a:rPr lang="nb-NO" dirty="0"/>
-              <a:t> </a:t>
-            </a:r>
-            <a:r>
-              <a:rPr lang="nb-NO" dirty="0" err="1"/>
-              <a:t>work</a:t>
-            </a:r>
-            <a:endParaRPr lang="en-GB" dirty="0"/>
-          </a:p>
-        </p:txBody>
-      </p:sp>
-      <p:sp>
-        <p:nvSpPr>
-          <p:cNvPr id="3" name="Content Placeholder 2">
-            <a:extLst>
-              <a:ext uri="{FF2B5EF4-FFF2-40B4-BE49-F238E27FC236}">
-                <a16:creationId xmlns:a16="http://schemas.microsoft.com/office/drawing/2014/main" id="{A6245949-30E1-4D50-A54B-BC8868883058}"/>
-              </a:ext>
-            </a:extLst>
-          </p:cNvPr>
-          <p:cNvSpPr>
-            <a:spLocks noGrp="1"/>
-          </p:cNvSpPr>
-          <p:nvPr>
-            <p:ph idx="1"/>
-          </p:nvPr>
-        </p:nvSpPr>
-        <p:spPr/>
-        <p:txBody>
-          <a:bodyPr/>
-          <a:lstStyle/>
-          <a:p>
-            <a:r>
-              <a:rPr lang="nb-NO" dirty="0"/>
-              <a:t>New </a:t>
-            </a:r>
-            <a:r>
-              <a:rPr lang="nb-NO" dirty="0" err="1"/>
-              <a:t>updates</a:t>
-            </a:r>
-            <a:r>
-              <a:rPr lang="nb-NO" dirty="0"/>
-              <a:t> </a:t>
-            </a:r>
-            <a:r>
-              <a:rPr lang="nb-NO" dirty="0" err="1"/>
-              <a:t>will</a:t>
-            </a:r>
-            <a:r>
-              <a:rPr lang="nb-NO" dirty="0"/>
-              <a:t> </a:t>
-            </a:r>
-            <a:r>
-              <a:rPr lang="nb-NO" dirty="0" err="1"/>
-              <a:t>come</a:t>
-            </a:r>
-            <a:r>
-              <a:rPr lang="nb-NO" dirty="0"/>
-              <a:t> </a:t>
-            </a:r>
-            <a:r>
-              <a:rPr lang="nb-NO" dirty="0" err="1"/>
-              <a:t>regularly</a:t>
-            </a:r>
-            <a:endParaRPr lang="en-GB" dirty="0"/>
-          </a:p>
-        </p:txBody>
-      </p:sp>
-    </p:spTree>
-    <p:extLst>
-      <p:ext uri="{BB962C8B-B14F-4D97-AF65-F5344CB8AC3E}">
-        <p14:creationId xmlns:p14="http://schemas.microsoft.com/office/powerpoint/2010/main" val="2040497743"/>
-      </p:ext>
-    </p:extLst>
-  </p:cSld>
-  <p:clrMapOvr>
-    <a:masterClrMapping/>
-  </p:clrMapOvr>
-</p:sld>
-</file>
-
 <file path=ppt/slides/slide7.xml><?xml version="1.0" encoding="utf-8"?>
 <p:sld xmlns:a="http://schemas.openxmlformats.org/drawingml/2006/main" xmlns:r="http://schemas.openxmlformats.org/officeDocument/2006/relationships" xmlns:p="http://schemas.openxmlformats.org/presentationml/2006/main">
   <p:cSld>
@@ -7094,7 +9569,7 @@
           <p:cNvPr id="2" name="Title 1">
             <a:extLst>
               <a:ext uri="{FF2B5EF4-FFF2-40B4-BE49-F238E27FC236}">
-                <a16:creationId xmlns:a16="http://schemas.microsoft.com/office/drawing/2014/main" id="{F50351B8-0AEB-49B3-90E2-A80EFD1B8D5F}"/>
+                <a16:creationId xmlns:a16="http://schemas.microsoft.com/office/drawing/2014/main" id="{8265F6DF-AC32-4AD5-8D48-E22295E544BF}"/>
               </a:ext>
             </a:extLst>
           </p:cNvPr>
@@ -7112,15 +9587,7 @@
           <a:p>
             <a:r>
               <a:rPr lang="nb-NO" dirty="0"/>
-              <a:t>Resources (digital </a:t>
-            </a:r>
-            <a:r>
-              <a:rPr lang="nb-NO" dirty="0" err="1"/>
-              <a:t>infrastructure</a:t>
-            </a:r>
-            <a:r>
-              <a:rPr lang="nb-NO" dirty="0"/>
-              <a:t>)</a:t>
+              <a:t>Status</a:t>
             </a:r>
             <a:endParaRPr lang="en-GB" dirty="0"/>
           </a:p>
@@ -7131,7 +9598,7 @@
           <p:cNvPr id="3" name="Content Placeholder 2">
             <a:extLst>
               <a:ext uri="{FF2B5EF4-FFF2-40B4-BE49-F238E27FC236}">
-                <a16:creationId xmlns:a16="http://schemas.microsoft.com/office/drawing/2014/main" id="{B44635BE-A7CE-4313-9FF3-7C07AA0F4355}"/>
+                <a16:creationId xmlns:a16="http://schemas.microsoft.com/office/drawing/2014/main" id="{AD240838-9988-4455-9F5B-ABC2DE61E198}"/>
               </a:ext>
             </a:extLst>
           </p:cNvPr>
@@ -7149,11 +9616,27 @@
           <a:p>
             <a:r>
               <a:rPr lang="nb-NO" dirty="0" err="1"/>
-              <a:t>Tensorflow.keras</a:t>
-            </a:r>
-            <a:r>
-              <a:rPr lang="nb-NO" dirty="0"/>
-              <a:t> for </a:t>
+              <a:t>Currently</a:t>
+            </a:r>
+            <a:r>
+              <a:rPr lang="nb-NO" dirty="0"/>
+              <a:t> </a:t>
+            </a:r>
+            <a:r>
+              <a:rPr lang="nb-NO" dirty="0" err="1"/>
+              <a:t>I’m</a:t>
+            </a:r>
+            <a:r>
+              <a:rPr lang="nb-NO" dirty="0"/>
+              <a:t> </a:t>
+            </a:r>
+            <a:r>
+              <a:rPr lang="nb-NO" dirty="0" err="1"/>
+              <a:t>reading</a:t>
+            </a:r>
+            <a:r>
+              <a:rPr lang="nb-NO" dirty="0"/>
+              <a:t> </a:t>
             </a:r>
             <a:r>
               <a:rPr lang="nb-NO" dirty="0" err="1"/>
@@ -7161,49 +9644,23 @@
             </a:r>
             <a:r>
               <a:rPr lang="nb-NO" dirty="0"/>
-              <a:t> ML</a:t>
-            </a:r>
-          </a:p>
-          <a:p>
-            <a:r>
-              <a:rPr lang="nb-NO" dirty="0" err="1"/>
-              <a:t>There</a:t>
-            </a:r>
-            <a:r>
-              <a:rPr lang="nb-NO" dirty="0"/>
-              <a:t> is a </a:t>
-            </a:r>
-            <a:r>
-              <a:rPr lang="nb-NO" dirty="0" err="1"/>
-              <a:t>github</a:t>
-            </a:r>
-            <a:r>
-              <a:rPr lang="nb-NO" dirty="0"/>
-              <a:t> </a:t>
-            </a:r>
-            <a:r>
-              <a:rPr lang="nb-NO" dirty="0" err="1"/>
-              <a:t>repository</a:t>
-            </a:r>
-            <a:r>
-              <a:rPr lang="nb-NO" dirty="0"/>
-              <a:t> </a:t>
-            </a:r>
-            <a:r>
-              <a:rPr lang="nb-NO" dirty="0" err="1"/>
-              <a:t>which</a:t>
-            </a:r>
-            <a:r>
-              <a:rPr lang="nb-NO" dirty="0"/>
-              <a:t> </a:t>
-            </a:r>
-            <a:r>
-              <a:rPr lang="nb-NO" dirty="0" err="1"/>
-              <a:t>will</a:t>
-            </a:r>
-            <a:r>
-              <a:rPr lang="nb-NO" dirty="0"/>
-              <a:t> have alle </a:t>
+              <a:t> reports </a:t>
+            </a:r>
+            <a:r>
+              <a:rPr lang="nb-NO" dirty="0" err="1"/>
+              <a:t>associated</a:t>
+            </a:r>
+            <a:r>
+              <a:rPr lang="nb-NO" dirty="0"/>
+              <a:t> </a:t>
+            </a:r>
+            <a:r>
+              <a:rPr lang="nb-NO" dirty="0" err="1"/>
+              <a:t>with</a:t>
+            </a:r>
+            <a:r>
+              <a:rPr lang="nb-NO" dirty="0"/>
+              <a:t> </a:t>
             </a:r>
             <a:r>
               <a:rPr lang="nb-NO" dirty="0" err="1"/>
@@ -7215,42 +9672,27 @@
             </a:r>
             <a:r>
               <a:rPr lang="nb-NO" dirty="0" err="1"/>
-              <a:t>updated</a:t>
-            </a:r>
-            <a:r>
-              <a:rPr lang="nb-NO" dirty="0"/>
-              <a:t> files</a:t>
-            </a:r>
-          </a:p>
-          <a:p>
-            <a:pPr lvl="1"/>
-            <a:r>
-              <a:rPr lang="nb-NO" dirty="0"/>
-              <a:t>If </a:t>
-            </a:r>
-            <a:r>
-              <a:rPr lang="nb-NO" dirty="0" err="1"/>
-              <a:t>you</a:t>
-            </a:r>
-            <a:r>
-              <a:rPr lang="nb-NO" dirty="0"/>
-              <a:t> </a:t>
-            </a:r>
-            <a:r>
-              <a:rPr lang="nb-NO" dirty="0" err="1"/>
-              <a:t>want</a:t>
-            </a:r>
-            <a:r>
-              <a:rPr lang="nb-NO" dirty="0"/>
-              <a:t> </a:t>
-            </a:r>
-            <a:r>
-              <a:rPr lang="nb-NO" dirty="0" err="1"/>
-              <a:t>access</a:t>
-            </a:r>
-            <a:r>
-              <a:rPr lang="nb-NO" dirty="0"/>
-              <a:t> to </a:t>
+              <a:t>project</a:t>
+            </a:r>
+            <a:r>
+              <a:rPr lang="nb-NO" dirty="0"/>
+              <a:t> and taking notes. I </a:t>
+            </a:r>
+            <a:r>
+              <a:rPr lang="nb-NO" dirty="0" err="1"/>
+              <a:t>started</a:t>
+            </a:r>
+            <a:r>
+              <a:rPr lang="nb-NO" dirty="0"/>
+              <a:t> </a:t>
+            </a:r>
+            <a:r>
+              <a:rPr lang="nb-NO" dirty="0" err="1"/>
+              <a:t>with</a:t>
+            </a:r>
+            <a:r>
+              <a:rPr lang="nb-NO" dirty="0"/>
+              <a:t> </a:t>
             </a:r>
             <a:r>
               <a:rPr lang="nb-NO" dirty="0" err="1"/>
@@ -7258,148 +9700,252 @@
             </a:r>
             <a:r>
               <a:rPr lang="nb-NO" dirty="0"/>
-              <a:t> </a:t>
-            </a:r>
-            <a:r>
-              <a:rPr lang="nb-NO" dirty="0" err="1"/>
-              <a:t>repo</a:t>
-            </a:r>
-            <a:r>
-              <a:rPr lang="nb-NO" dirty="0"/>
-              <a:t>, I must </a:t>
-            </a:r>
-            <a:r>
-              <a:rPr lang="nb-NO" dirty="0" err="1"/>
-              <a:t>add</a:t>
-            </a:r>
-            <a:r>
-              <a:rPr lang="nb-NO" dirty="0"/>
-              <a:t> </a:t>
-            </a:r>
-            <a:r>
-              <a:rPr lang="nb-NO" dirty="0" err="1"/>
-              <a:t>you</a:t>
-            </a:r>
-            <a:r>
-              <a:rPr lang="nb-NO" dirty="0"/>
-              <a:t> as a </a:t>
-            </a:r>
-            <a:r>
-              <a:rPr lang="nb-NO" dirty="0" err="1"/>
-              <a:t>contributor</a:t>
+              <a:t> IGM report, </a:t>
+            </a:r>
+            <a:r>
+              <a:rPr lang="nb-NO" dirty="0" err="1"/>
+              <a:t>but</a:t>
+            </a:r>
+            <a:r>
+              <a:rPr lang="nb-NO" dirty="0"/>
+              <a:t> I plan to </a:t>
+            </a:r>
+            <a:r>
+              <a:rPr lang="nb-NO" dirty="0" err="1"/>
+              <a:t>read</a:t>
+            </a:r>
+            <a:r>
+              <a:rPr lang="nb-NO" dirty="0"/>
+              <a:t> </a:t>
+            </a:r>
+            <a:r>
+              <a:rPr lang="nb-NO" dirty="0" err="1"/>
+              <a:t>the</a:t>
+            </a:r>
+            <a:r>
+              <a:rPr lang="nb-NO" dirty="0"/>
+              <a:t> GGM and GIR as </a:t>
+            </a:r>
+            <a:r>
+              <a:rPr lang="nb-NO" dirty="0" err="1"/>
+              <a:t>well</a:t>
+            </a:r>
+            <a:r>
+              <a:rPr lang="nb-NO" dirty="0"/>
+              <a:t>.</a:t>
+            </a:r>
+          </a:p>
+          <a:p>
+            <a:r>
+              <a:rPr lang="nb-NO" dirty="0"/>
+              <a:t>I </a:t>
+            </a:r>
+            <a:r>
+              <a:rPr lang="nb-NO" dirty="0" err="1"/>
+              <a:t>was</a:t>
+            </a:r>
+            <a:r>
+              <a:rPr lang="nb-NO" dirty="0"/>
+              <a:t> </a:t>
+            </a:r>
+            <a:r>
+              <a:rPr lang="nb-NO" dirty="0" err="1"/>
+              <a:t>hoping</a:t>
+            </a:r>
+            <a:r>
+              <a:rPr lang="nb-NO" dirty="0"/>
+              <a:t> to be </a:t>
+            </a:r>
+            <a:r>
+              <a:rPr lang="nb-NO" dirty="0" err="1"/>
+              <a:t>finished</a:t>
+            </a:r>
+            <a:r>
+              <a:rPr lang="nb-NO" dirty="0"/>
+              <a:t> </a:t>
+            </a:r>
+            <a:r>
+              <a:rPr lang="nb-NO" dirty="0" err="1"/>
+              <a:t>with</a:t>
+            </a:r>
+            <a:r>
+              <a:rPr lang="nb-NO" dirty="0"/>
+              <a:t> </a:t>
+            </a:r>
+            <a:r>
+              <a:rPr lang="nb-NO" dirty="0" err="1"/>
+              <a:t>reading</a:t>
+            </a:r>
+            <a:r>
+              <a:rPr lang="nb-NO" dirty="0"/>
+              <a:t> </a:t>
+            </a:r>
+            <a:r>
+              <a:rPr lang="nb-NO" dirty="0" err="1"/>
+              <a:t>the</a:t>
+            </a:r>
+            <a:r>
+              <a:rPr lang="nb-NO" dirty="0"/>
+              <a:t> IGM report </a:t>
+            </a:r>
+            <a:r>
+              <a:rPr lang="nb-NO" dirty="0" err="1"/>
+              <a:t>before</a:t>
+            </a:r>
+            <a:r>
+              <a:rPr lang="nb-NO" dirty="0"/>
+              <a:t> </a:t>
+            </a:r>
+            <a:r>
+              <a:rPr lang="nb-NO" dirty="0" err="1"/>
+              <a:t>this</a:t>
+            </a:r>
+            <a:r>
+              <a:rPr lang="nb-NO" dirty="0"/>
+              <a:t> </a:t>
+            </a:r>
+            <a:r>
+              <a:rPr lang="nb-NO" dirty="0" err="1"/>
+              <a:t>meeting</a:t>
+            </a:r>
+            <a:r>
+              <a:rPr lang="nb-NO" dirty="0"/>
+              <a:t>, </a:t>
+            </a:r>
+            <a:r>
+              <a:rPr lang="nb-NO" dirty="0" err="1"/>
+              <a:t>but</a:t>
+            </a:r>
+            <a:r>
+              <a:rPr lang="nb-NO" dirty="0"/>
+              <a:t> </a:t>
+            </a:r>
+            <a:r>
+              <a:rPr lang="nb-NO" dirty="0" err="1"/>
+              <a:t>other</a:t>
+            </a:r>
+            <a:r>
+              <a:rPr lang="nb-NO" dirty="0"/>
+              <a:t> </a:t>
+            </a:r>
+            <a:r>
+              <a:rPr lang="nb-NO" dirty="0" err="1"/>
+              <a:t>things</a:t>
+            </a:r>
+            <a:r>
+              <a:rPr lang="nb-NO" dirty="0"/>
+              <a:t> </a:t>
+            </a:r>
+            <a:r>
+              <a:rPr lang="nb-NO" dirty="0" err="1"/>
+              <a:t>took</a:t>
+            </a:r>
+            <a:r>
+              <a:rPr lang="nb-NO" dirty="0"/>
+              <a:t> more time </a:t>
+            </a:r>
+            <a:r>
+              <a:rPr lang="nb-NO" dirty="0" err="1"/>
+              <a:t>than</a:t>
+            </a:r>
+            <a:r>
+              <a:rPr lang="nb-NO" dirty="0"/>
+              <a:t> </a:t>
+            </a:r>
+            <a:r>
+              <a:rPr lang="nb-NO" dirty="0" err="1"/>
+              <a:t>anticipated</a:t>
             </a:r>
             <a:endParaRPr lang="nb-NO" dirty="0"/>
           </a:p>
           <a:p>
-            <a:pPr lvl="1"/>
-            <a:r>
-              <a:rPr lang="nb-NO" dirty="0" err="1"/>
-              <a:t>Github</a:t>
-            </a:r>
-            <a:r>
-              <a:rPr lang="nb-NO" dirty="0"/>
-              <a:t> </a:t>
-            </a:r>
-            <a:r>
-              <a:rPr lang="nb-NO" dirty="0" err="1"/>
-              <a:t>issues</a:t>
-            </a:r>
-            <a:r>
-              <a:rPr lang="nb-NO" dirty="0"/>
-              <a:t>, and </a:t>
-            </a:r>
-            <a:r>
-              <a:rPr lang="nb-NO" dirty="0" err="1"/>
-              <a:t>work</a:t>
-            </a:r>
-            <a:r>
-              <a:rPr lang="nb-NO" dirty="0"/>
-              <a:t> log</a:t>
-            </a:r>
-          </a:p>
-          <a:p>
-            <a:r>
-              <a:rPr lang="nb-NO" dirty="0"/>
-              <a:t>For </a:t>
-            </a:r>
-            <a:r>
-              <a:rPr lang="nb-NO" dirty="0" err="1"/>
-              <a:t>writing</a:t>
-            </a:r>
-            <a:r>
-              <a:rPr lang="nb-NO" dirty="0"/>
-              <a:t> I </a:t>
-            </a:r>
-            <a:r>
-              <a:rPr lang="nb-NO" dirty="0" err="1"/>
-              <a:t>will</a:t>
-            </a:r>
-            <a:r>
-              <a:rPr lang="nb-NO" dirty="0"/>
-              <a:t> </a:t>
-            </a:r>
-            <a:r>
-              <a:rPr lang="nb-NO" dirty="0" err="1"/>
-              <a:t>use</a:t>
-            </a:r>
-            <a:r>
-              <a:rPr lang="nb-NO" dirty="0"/>
-              <a:t> </a:t>
-            </a:r>
-            <a:r>
-              <a:rPr lang="nb-NO" dirty="0" err="1"/>
-              <a:t>Overleaf</a:t>
-            </a:r>
-            <a:r>
-              <a:rPr lang="nb-NO" dirty="0"/>
-              <a:t>:</a:t>
-            </a:r>
-          </a:p>
-          <a:p>
-            <a:pPr lvl="1"/>
-            <a:r>
-              <a:rPr lang="nb-NO" dirty="0">
-                <a:hlinkClick r:id="rId2"/>
-              </a:rPr>
-              <a:t>https://www.overleaf.com/read/tzwckfrpfbvw</a:t>
-            </a:r>
-            <a:r>
-              <a:rPr lang="nb-NO" dirty="0"/>
-              <a:t> </a:t>
-            </a:r>
-          </a:p>
-          <a:p>
-            <a:r>
-              <a:rPr lang="nb-NO" dirty="0"/>
-              <a:t>For </a:t>
-            </a:r>
-            <a:r>
-              <a:rPr lang="nb-NO" dirty="0" err="1"/>
-              <a:t>citations</a:t>
-            </a:r>
-            <a:r>
-              <a:rPr lang="nb-NO" dirty="0"/>
-              <a:t> I </a:t>
-            </a:r>
-            <a:r>
-              <a:rPr lang="nb-NO" dirty="0" err="1"/>
-              <a:t>will</a:t>
-            </a:r>
-            <a:r>
-              <a:rPr lang="nb-NO" dirty="0"/>
-              <a:t> be </a:t>
-            </a:r>
-            <a:r>
-              <a:rPr lang="nb-NO" dirty="0" err="1"/>
-              <a:t>using</a:t>
-            </a:r>
-            <a:r>
-              <a:rPr lang="nb-NO" dirty="0"/>
-              <a:t> </a:t>
-            </a:r>
-            <a:r>
-              <a:rPr lang="nb-NO" dirty="0" err="1"/>
-              <a:t>Zotero</a:t>
+            <a:r>
+              <a:rPr lang="nb-NO" dirty="0" err="1"/>
+              <a:t>I’m</a:t>
+            </a:r>
+            <a:r>
+              <a:rPr lang="nb-NO" dirty="0"/>
+              <a:t> </a:t>
+            </a:r>
+            <a:r>
+              <a:rPr lang="nb-NO" dirty="0" err="1"/>
+              <a:t>anticipating</a:t>
+            </a:r>
+            <a:r>
+              <a:rPr lang="nb-NO" dirty="0"/>
+              <a:t> </a:t>
+            </a:r>
+            <a:r>
+              <a:rPr lang="nb-NO" dirty="0" err="1"/>
+              <a:t>things</a:t>
+            </a:r>
+            <a:r>
+              <a:rPr lang="nb-NO" dirty="0"/>
+              <a:t> taking longer </a:t>
+            </a:r>
+            <a:r>
+              <a:rPr lang="nb-NO" dirty="0" err="1"/>
+              <a:t>than</a:t>
+            </a:r>
+            <a:r>
+              <a:rPr lang="nb-NO" dirty="0"/>
+              <a:t> </a:t>
+            </a:r>
+            <a:r>
+              <a:rPr lang="nb-NO" dirty="0" err="1"/>
+              <a:t>anticipated</a:t>
+            </a:r>
+            <a:r>
+              <a:rPr lang="nb-NO" dirty="0"/>
+              <a:t>, so </a:t>
+            </a:r>
+            <a:r>
+              <a:rPr lang="nb-NO" dirty="0" err="1"/>
+              <a:t>we’ll</a:t>
+            </a:r>
+            <a:r>
+              <a:rPr lang="nb-NO" dirty="0"/>
+              <a:t> </a:t>
+            </a:r>
+            <a:r>
+              <a:rPr lang="nb-NO" dirty="0" err="1"/>
+              <a:t>see</a:t>
+            </a:r>
+            <a:r>
+              <a:rPr lang="nb-NO" dirty="0"/>
+              <a:t> </a:t>
+            </a:r>
+            <a:r>
+              <a:rPr lang="nb-NO" dirty="0" err="1"/>
+              <a:t>how</a:t>
+            </a:r>
+            <a:r>
+              <a:rPr lang="nb-NO" dirty="0"/>
+              <a:t> </a:t>
+            </a:r>
+            <a:r>
+              <a:rPr lang="nb-NO" dirty="0" err="1"/>
+              <a:t>that</a:t>
+            </a:r>
+            <a:r>
+              <a:rPr lang="nb-NO" dirty="0"/>
+              <a:t> </a:t>
+            </a:r>
+            <a:r>
+              <a:rPr lang="nb-NO" dirty="0" err="1"/>
+              <a:t>works</a:t>
+            </a:r>
+            <a:r>
+              <a:rPr lang="nb-NO" dirty="0"/>
+              <a:t> </a:t>
+            </a:r>
+            <a:r>
+              <a:rPr lang="nb-NO" dirty="0" err="1"/>
+              <a:t>out</a:t>
+            </a:r>
+            <a:r>
+              <a:rPr lang="nb-NO" dirty="0"/>
+              <a:t>..</a:t>
             </a:r>
             <a:endParaRPr lang="en-GB" dirty="0"/>
           </a:p>
@@ -7408,7 +9954,7 @@
     </p:spTree>
     <p:extLst>
       <p:ext uri="{BB962C8B-B14F-4D97-AF65-F5344CB8AC3E}">
-        <p14:creationId xmlns:p14="http://schemas.microsoft.com/office/powerpoint/2010/main" val="3598742948"/>
+        <p14:creationId xmlns:p14="http://schemas.microsoft.com/office/powerpoint/2010/main" val="3200526435"/>
       </p:ext>
     </p:extLst>
   </p:cSld>
@@ -7440,7 +9986,7 @@
           <p:cNvPr id="2" name="Title 1">
             <a:extLst>
               <a:ext uri="{FF2B5EF4-FFF2-40B4-BE49-F238E27FC236}">
-                <a16:creationId xmlns:a16="http://schemas.microsoft.com/office/drawing/2014/main" id="{FB47785E-558D-486E-A48D-98B0F64AF476}"/>
+                <a16:creationId xmlns:a16="http://schemas.microsoft.com/office/drawing/2014/main" id="{5AAEBEDD-9DB2-4AD4-9751-06A3361D6663}"/>
               </a:ext>
             </a:extLst>
           </p:cNvPr>
@@ -7457,12 +10003,8 @@
           <a:lstStyle/>
           <a:p>
             <a:r>
-              <a:rPr lang="nb-NO" dirty="0"/>
-              <a:t>My </a:t>
-            </a:r>
-            <a:r>
-              <a:rPr lang="nb-NO" dirty="0" err="1"/>
-              <a:t>expectations</a:t>
+              <a:rPr lang="nb-NO" dirty="0" err="1"/>
+              <a:t>Timeline</a:t>
             </a:r>
             <a:r>
               <a:rPr lang="nb-NO" dirty="0"/>
@@ -7478,7 +10020,7 @@
             </a:r>
             <a:r>
               <a:rPr lang="nb-NO" dirty="0" err="1"/>
-              <a:t>you</a:t>
+              <a:t>work</a:t>
             </a:r>
             <a:endParaRPr lang="en-GB" dirty="0"/>
           </a:p>
@@ -7489,7 +10031,7 @@
           <p:cNvPr id="3" name="Content Placeholder 2">
             <a:extLst>
               <a:ext uri="{FF2B5EF4-FFF2-40B4-BE49-F238E27FC236}">
-                <a16:creationId xmlns:a16="http://schemas.microsoft.com/office/drawing/2014/main" id="{6CCBA94A-3773-476E-BD52-8A36EE89E1C5}"/>
+                <a16:creationId xmlns:a16="http://schemas.microsoft.com/office/drawing/2014/main" id="{A6245949-30E1-4D50-A54B-BC8868883058}"/>
               </a:ext>
             </a:extLst>
           </p:cNvPr>
@@ -7500,11 +10042,361 @@
             <p:ph idx="1"/>
           </p:nvPr>
         </p:nvSpPr>
-        <p:spPr/>
+        <p:spPr>
+          <a:xfrm>
+            <a:off x="1115567" y="2478024"/>
+            <a:ext cx="10298103" cy="3694176"/>
+          </a:xfrm>
+        </p:spPr>
         <p:txBody>
           <a:bodyPr/>
           <a:lstStyle/>
           <a:p>
+            <a:r>
+              <a:rPr lang="nb-NO" dirty="0"/>
+              <a:t>I </a:t>
+            </a:r>
+            <a:r>
+              <a:rPr lang="nb-NO" dirty="0" err="1"/>
+              <a:t>would</a:t>
+            </a:r>
+            <a:r>
+              <a:rPr lang="nb-NO" dirty="0"/>
+              <a:t> like to have </a:t>
+            </a:r>
+            <a:r>
+              <a:rPr lang="nb-NO" dirty="0" err="1"/>
+              <a:t>the</a:t>
+            </a:r>
+            <a:r>
+              <a:rPr lang="nb-NO" dirty="0"/>
+              <a:t> ML </a:t>
+            </a:r>
+            <a:r>
+              <a:rPr lang="nb-NO" dirty="0" err="1"/>
+              <a:t>working</a:t>
+            </a:r>
+            <a:r>
+              <a:rPr lang="nb-NO" dirty="0"/>
+              <a:t> by </a:t>
+            </a:r>
+            <a:r>
+              <a:rPr lang="nb-NO" dirty="0" err="1"/>
+              <a:t>christmas</a:t>
+            </a:r>
+            <a:endParaRPr lang="nb-NO" dirty="0"/>
+          </a:p>
+          <a:p>
+            <a:pPr lvl="1"/>
+            <a:r>
+              <a:rPr lang="nb-NO" dirty="0" err="1"/>
+              <a:t>Retrain</a:t>
+            </a:r>
+            <a:r>
+              <a:rPr lang="nb-NO" dirty="0"/>
+              <a:t> </a:t>
+            </a:r>
+            <a:r>
+              <a:rPr lang="nb-NO" dirty="0" err="1"/>
+              <a:t>the</a:t>
+            </a:r>
+            <a:r>
+              <a:rPr lang="nb-NO" dirty="0"/>
+              <a:t> </a:t>
+            </a:r>
+            <a:r>
+              <a:rPr lang="nb-NO" dirty="0" err="1"/>
+              <a:t>randomly</a:t>
+            </a:r>
+            <a:r>
+              <a:rPr lang="nb-NO" dirty="0"/>
+              <a:t> </a:t>
+            </a:r>
+            <a:r>
+              <a:rPr lang="nb-NO" dirty="0" err="1"/>
+              <a:t>initialized</a:t>
+            </a:r>
+            <a:r>
+              <a:rPr lang="nb-NO" dirty="0"/>
+              <a:t> </a:t>
+            </a:r>
+            <a:r>
+              <a:rPr lang="nb-NO" dirty="0" err="1"/>
+              <a:t>network</a:t>
+            </a:r>
+            <a:r>
+              <a:rPr lang="nb-NO" dirty="0"/>
+              <a:t> </a:t>
+            </a:r>
+            <a:r>
+              <a:rPr lang="nb-NO" b="1" dirty="0" err="1"/>
+              <a:t>regularly</a:t>
+            </a:r>
+            <a:r>
+              <a:rPr lang="nb-NO" dirty="0"/>
+              <a:t> to </a:t>
+            </a:r>
+            <a:r>
+              <a:rPr lang="nb-NO" dirty="0" err="1"/>
+              <a:t>investigate</a:t>
+            </a:r>
+            <a:r>
+              <a:rPr lang="nb-NO" dirty="0"/>
+              <a:t> multiple minima</a:t>
+            </a:r>
+          </a:p>
+          <a:p>
+            <a:r>
+              <a:rPr lang="nb-NO" dirty="0" err="1"/>
+              <a:t>Depending</a:t>
+            </a:r>
+            <a:r>
+              <a:rPr lang="nb-NO" dirty="0"/>
+              <a:t> </a:t>
+            </a:r>
+            <a:r>
+              <a:rPr lang="nb-NO" dirty="0" err="1"/>
+              <a:t>on</a:t>
+            </a:r>
+            <a:r>
+              <a:rPr lang="nb-NO" dirty="0"/>
+              <a:t> </a:t>
+            </a:r>
+            <a:r>
+              <a:rPr lang="nb-NO" dirty="0" err="1"/>
+              <a:t>how</a:t>
+            </a:r>
+            <a:r>
+              <a:rPr lang="nb-NO" dirty="0"/>
+              <a:t> </a:t>
+            </a:r>
+            <a:r>
+              <a:rPr lang="nb-NO" dirty="0" err="1"/>
+              <a:t>well</a:t>
+            </a:r>
+            <a:r>
+              <a:rPr lang="nb-NO" dirty="0"/>
+              <a:t> </a:t>
+            </a:r>
+            <a:r>
+              <a:rPr lang="nb-NO" dirty="0" err="1"/>
+              <a:t>it’s</a:t>
+            </a:r>
+            <a:r>
+              <a:rPr lang="nb-NO" dirty="0"/>
+              <a:t> </a:t>
+            </a:r>
+            <a:r>
+              <a:rPr lang="nb-NO" dirty="0" err="1"/>
+              <a:t>going</a:t>
+            </a:r>
+            <a:r>
+              <a:rPr lang="nb-NO" dirty="0"/>
+              <a:t>, it </a:t>
+            </a:r>
+            <a:r>
+              <a:rPr lang="nb-NO" dirty="0" err="1"/>
+              <a:t>may</a:t>
+            </a:r>
+            <a:r>
+              <a:rPr lang="nb-NO" dirty="0"/>
+              <a:t> be </a:t>
+            </a:r>
+            <a:r>
+              <a:rPr lang="nb-NO" dirty="0" err="1"/>
+              <a:t>possible</a:t>
+            </a:r>
+            <a:r>
+              <a:rPr lang="nb-NO" dirty="0"/>
+              <a:t> to </a:t>
+            </a:r>
+            <a:r>
+              <a:rPr lang="nb-NO" dirty="0" err="1"/>
+              <a:t>extend</a:t>
+            </a:r>
+            <a:r>
+              <a:rPr lang="nb-NO" dirty="0"/>
+              <a:t> </a:t>
+            </a:r>
+            <a:r>
+              <a:rPr lang="nb-NO" dirty="0" err="1"/>
+              <a:t>the</a:t>
+            </a:r>
+            <a:r>
+              <a:rPr lang="nb-NO" dirty="0"/>
+              <a:t> </a:t>
+            </a:r>
+            <a:r>
+              <a:rPr lang="nb-NO" dirty="0" err="1"/>
+              <a:t>scope</a:t>
+            </a:r>
+            <a:r>
+              <a:rPr lang="nb-NO" dirty="0"/>
+              <a:t> </a:t>
+            </a:r>
+            <a:r>
+              <a:rPr lang="nb-NO" dirty="0" err="1"/>
+              <a:t>of</a:t>
+            </a:r>
+            <a:r>
+              <a:rPr lang="nb-NO" dirty="0"/>
+              <a:t> </a:t>
+            </a:r>
+            <a:r>
+              <a:rPr lang="nb-NO" dirty="0" err="1"/>
+              <a:t>work</a:t>
+            </a:r>
+            <a:r>
+              <a:rPr lang="nb-NO" dirty="0"/>
+              <a:t> to </a:t>
+            </a:r>
+            <a:r>
+              <a:rPr lang="nb-NO" dirty="0" err="1"/>
+              <a:t>also</a:t>
+            </a:r>
+            <a:r>
+              <a:rPr lang="nb-NO" dirty="0"/>
+              <a:t> </a:t>
+            </a:r>
+            <a:r>
+              <a:rPr lang="nb-NO" dirty="0" err="1"/>
+              <a:t>include</a:t>
+            </a:r>
+            <a:r>
+              <a:rPr lang="nb-NO" dirty="0"/>
+              <a:t> </a:t>
+            </a:r>
+            <a:r>
+              <a:rPr lang="nb-NO" dirty="0" err="1"/>
+              <a:t>the</a:t>
+            </a:r>
+            <a:r>
+              <a:rPr lang="nb-NO" dirty="0"/>
+              <a:t> </a:t>
+            </a:r>
+            <a:r>
+              <a:rPr lang="nb-NO" dirty="0" err="1"/>
+              <a:t>geostatistical</a:t>
+            </a:r>
+            <a:r>
+              <a:rPr lang="nb-NO" dirty="0"/>
+              <a:t> 3D </a:t>
+            </a:r>
+            <a:r>
+              <a:rPr lang="nb-NO" dirty="0" err="1"/>
+              <a:t>interpolation</a:t>
+            </a:r>
+            <a:endParaRPr lang="nb-NO" dirty="0"/>
+          </a:p>
+          <a:p>
+            <a:r>
+              <a:rPr lang="nb-NO" dirty="0"/>
+              <a:t>New </a:t>
+            </a:r>
+            <a:r>
+              <a:rPr lang="nb-NO" dirty="0" err="1"/>
+              <a:t>updates</a:t>
+            </a:r>
+            <a:r>
+              <a:rPr lang="nb-NO" dirty="0"/>
+              <a:t> </a:t>
+            </a:r>
+            <a:r>
+              <a:rPr lang="nb-NO" dirty="0" err="1"/>
+              <a:t>about</a:t>
+            </a:r>
+            <a:r>
+              <a:rPr lang="nb-NO" dirty="0"/>
+              <a:t> </a:t>
+            </a:r>
+            <a:r>
+              <a:rPr lang="nb-NO" dirty="0" err="1"/>
+              <a:t>the</a:t>
+            </a:r>
+            <a:r>
+              <a:rPr lang="nb-NO" dirty="0"/>
+              <a:t> status </a:t>
+            </a:r>
+            <a:r>
+              <a:rPr lang="nb-NO" dirty="0" err="1"/>
+              <a:t>will</a:t>
+            </a:r>
+            <a:r>
+              <a:rPr lang="nb-NO" dirty="0"/>
+              <a:t> </a:t>
+            </a:r>
+            <a:r>
+              <a:rPr lang="nb-NO" dirty="0" err="1"/>
+              <a:t>come</a:t>
+            </a:r>
+            <a:r>
+              <a:rPr lang="nb-NO" dirty="0"/>
+              <a:t> </a:t>
+            </a:r>
+            <a:r>
+              <a:rPr lang="nb-NO" dirty="0" err="1"/>
+              <a:t>regularly</a:t>
+            </a:r>
+            <a:endParaRPr lang="nb-NO" dirty="0"/>
+          </a:p>
+          <a:p>
+            <a:pPr lvl="1"/>
+            <a:r>
+              <a:rPr lang="nb-NO" dirty="0"/>
+              <a:t>At </a:t>
+            </a:r>
+            <a:r>
+              <a:rPr lang="nb-NO" dirty="0" err="1"/>
+              <a:t>least</a:t>
+            </a:r>
+            <a:r>
+              <a:rPr lang="nb-NO" dirty="0"/>
+              <a:t> in </a:t>
+            </a:r>
+            <a:r>
+              <a:rPr lang="nb-NO" dirty="0" err="1"/>
+              <a:t>every</a:t>
+            </a:r>
+            <a:r>
+              <a:rPr lang="nb-NO" dirty="0"/>
+              <a:t> general </a:t>
+            </a:r>
+            <a:r>
+              <a:rPr lang="nb-NO" dirty="0" err="1"/>
+              <a:t>meeting</a:t>
+            </a:r>
+            <a:r>
+              <a:rPr lang="nb-NO" dirty="0"/>
+              <a:t> (</a:t>
+            </a:r>
+            <a:r>
+              <a:rPr lang="nb-NO" dirty="0" err="1"/>
+              <a:t>monthly</a:t>
+            </a:r>
+            <a:r>
+              <a:rPr lang="nb-NO" dirty="0"/>
+              <a:t>), </a:t>
+            </a:r>
+            <a:r>
+              <a:rPr lang="nb-NO" dirty="0" err="1"/>
+              <a:t>maybe</a:t>
+            </a:r>
+            <a:r>
+              <a:rPr lang="nb-NO" dirty="0"/>
+              <a:t> </a:t>
+            </a:r>
+            <a:r>
+              <a:rPr lang="nb-NO" dirty="0" err="1"/>
+              <a:t>elsewhere</a:t>
+            </a:r>
+            <a:r>
+              <a:rPr lang="nb-NO" dirty="0"/>
+              <a:t> as </a:t>
+            </a:r>
+            <a:r>
+              <a:rPr lang="nb-NO" dirty="0" err="1"/>
+              <a:t>well</a:t>
+            </a:r>
             <a:endParaRPr lang="en-GB" dirty="0"/>
           </a:p>
         </p:txBody>
@@ -7512,7 +10404,7 @@
     </p:spTree>
     <p:extLst>
       <p:ext uri="{BB962C8B-B14F-4D97-AF65-F5344CB8AC3E}">
-        <p14:creationId xmlns:p14="http://schemas.microsoft.com/office/powerpoint/2010/main" val="2655566215"/>
+        <p14:creationId xmlns:p14="http://schemas.microsoft.com/office/powerpoint/2010/main" val="2040497743"/>
       </p:ext>
     </p:extLst>
   </p:cSld>
@@ -7544,7 +10436,7 @@
           <p:cNvPr id="2" name="Title 1">
             <a:extLst>
               <a:ext uri="{FF2B5EF4-FFF2-40B4-BE49-F238E27FC236}">
-                <a16:creationId xmlns:a16="http://schemas.microsoft.com/office/drawing/2014/main" id="{69439ECD-3CD9-4AFB-97C9-9847185C750B}"/>
+                <a16:creationId xmlns:a16="http://schemas.microsoft.com/office/drawing/2014/main" id="{F50351B8-0AEB-49B3-90E2-A80EFD1B8D5F}"/>
               </a:ext>
             </a:extLst>
           </p:cNvPr>
@@ -7562,19 +10454,15 @@
           <a:p>
             <a:r>
               <a:rPr lang="nb-NO" dirty="0"/>
-              <a:t>My </a:t>
-            </a:r>
-            <a:r>
-              <a:rPr lang="nb-NO" dirty="0" err="1"/>
-              <a:t>promises</a:t>
-            </a:r>
-            <a:r>
-              <a:rPr lang="nb-NO" dirty="0"/>
-              <a:t> to </a:t>
-            </a:r>
-            <a:r>
-              <a:rPr lang="nb-NO" dirty="0" err="1"/>
-              <a:t>you</a:t>
+              <a:t>Resources (digital </a:t>
+            </a:r>
+            <a:r>
+              <a:rPr lang="nb-NO" dirty="0" err="1"/>
+              <a:t>infrastructure</a:t>
+            </a:r>
+            <a:r>
+              <a:rPr lang="nb-NO" dirty="0"/>
+              <a:t>)</a:t>
             </a:r>
             <a:endParaRPr lang="en-GB" dirty="0"/>
           </a:p>
@@ -7585,7 +10473,7 @@
           <p:cNvPr id="3" name="Content Placeholder 2">
             <a:extLst>
               <a:ext uri="{FF2B5EF4-FFF2-40B4-BE49-F238E27FC236}">
-                <a16:creationId xmlns:a16="http://schemas.microsoft.com/office/drawing/2014/main" id="{FE3F0B15-89A0-441F-9677-446312102D6B}"/>
+                <a16:creationId xmlns:a16="http://schemas.microsoft.com/office/drawing/2014/main" id="{B44635BE-A7CE-4313-9FF3-7C07AA0F4355}"/>
               </a:ext>
             </a:extLst>
           </p:cNvPr>
@@ -7598,99 +10486,405 @@
         </p:nvSpPr>
         <p:spPr/>
         <p:txBody>
-          <a:bodyPr/>
+          <a:bodyPr>
+            <a:normAutofit fontScale="92500" lnSpcReduction="10000"/>
+          </a:bodyPr>
           <a:lstStyle/>
           <a:p>
             <a:r>
+              <a:rPr lang="nb-NO" dirty="0" err="1"/>
+              <a:t>Tensorflow.keras</a:t>
+            </a:r>
+            <a:r>
+              <a:rPr lang="nb-NO" dirty="0"/>
+              <a:t> for </a:t>
+            </a:r>
+            <a:r>
+              <a:rPr lang="nb-NO" dirty="0" err="1"/>
+              <a:t>the</a:t>
+            </a:r>
+            <a:r>
+              <a:rPr lang="nb-NO" dirty="0"/>
+              <a:t> ML</a:t>
+            </a:r>
+          </a:p>
+          <a:p>
+            <a:pPr lvl="1"/>
+            <a:r>
               <a:rPr lang="nb-NO" dirty="0"/>
               <a:t>I </a:t>
             </a:r>
             <a:r>
               <a:rPr lang="nb-NO" dirty="0" err="1"/>
+              <a:t>created</a:t>
+            </a:r>
+            <a:r>
+              <a:rPr lang="nb-NO" dirty="0"/>
+              <a:t> a </a:t>
+            </a:r>
+            <a:r>
+              <a:rPr lang="nb-NO" dirty="0" err="1"/>
+              <a:t>miniconda</a:t>
+            </a:r>
+            <a:r>
+              <a:rPr lang="nb-NO" dirty="0"/>
+              <a:t> </a:t>
+            </a:r>
+            <a:r>
+              <a:rPr lang="nb-NO" dirty="0" err="1"/>
+              <a:t>environment</a:t>
+            </a:r>
+            <a:r>
+              <a:rPr lang="nb-NO" dirty="0"/>
+              <a:t> </a:t>
+            </a:r>
+            <a:r>
+              <a:rPr lang="nb-NO" dirty="0" err="1"/>
+              <a:t>containing</a:t>
+            </a:r>
+            <a:r>
+              <a:rPr lang="nb-NO" dirty="0"/>
+              <a:t> </a:t>
+            </a:r>
+            <a:r>
+              <a:rPr lang="nb-NO" dirty="0" err="1"/>
+              <a:t>only</a:t>
+            </a:r>
+            <a:r>
+              <a:rPr lang="nb-NO" dirty="0"/>
+              <a:t> relevant </a:t>
+            </a:r>
+            <a:r>
+              <a:rPr lang="nb-NO" dirty="0" err="1"/>
+              <a:t>packages</a:t>
+            </a:r>
+            <a:r>
+              <a:rPr lang="nb-NO" dirty="0"/>
+              <a:t>, </a:t>
+            </a:r>
+            <a:r>
+              <a:rPr lang="nb-NO" dirty="0" err="1"/>
               <a:t>will</a:t>
             </a:r>
             <a:r>
               <a:rPr lang="nb-NO" dirty="0"/>
+              <a:t> </a:t>
+            </a:r>
+            <a:r>
+              <a:rPr lang="nb-NO" dirty="0" err="1"/>
+              <a:t>wait</a:t>
+            </a:r>
+            <a:r>
+              <a:rPr lang="nb-NO" dirty="0"/>
+              <a:t> </a:t>
+            </a:r>
+            <a:r>
+              <a:rPr lang="nb-NO" dirty="0" err="1"/>
+              <a:t>until</a:t>
+            </a:r>
+            <a:r>
+              <a:rPr lang="nb-NO" dirty="0"/>
+              <a:t> I start </a:t>
+            </a:r>
+            <a:r>
+              <a:rPr lang="nb-NO" dirty="0" err="1"/>
+              <a:t>running</a:t>
+            </a:r>
+            <a:r>
+              <a:rPr lang="nb-NO" dirty="0"/>
+              <a:t> </a:t>
+            </a:r>
+            <a:r>
+              <a:rPr lang="nb-NO" dirty="0" err="1"/>
+              <a:t>the</a:t>
+            </a:r>
+            <a:r>
+              <a:rPr lang="nb-NO" dirty="0"/>
+              <a:t> </a:t>
+            </a:r>
+            <a:r>
+              <a:rPr lang="nb-NO" dirty="0" err="1"/>
+              <a:t>algorithm</a:t>
+            </a:r>
+            <a:r>
+              <a:rPr lang="nb-NO" dirty="0"/>
+              <a:t> to </a:t>
+            </a:r>
+            <a:r>
+              <a:rPr lang="nb-NO" dirty="0" err="1"/>
+              <a:t>export</a:t>
+            </a:r>
+            <a:r>
+              <a:rPr lang="nb-NO" dirty="0"/>
+              <a:t> a </a:t>
+            </a:r>
+            <a:r>
+              <a:rPr lang="nb-NO" dirty="0" err="1"/>
+              <a:t>yml</a:t>
+            </a:r>
+            <a:r>
+              <a:rPr lang="nb-NO" dirty="0"/>
+              <a:t> file to </a:t>
+            </a:r>
+            <a:r>
+              <a:rPr lang="nb-NO" dirty="0" err="1"/>
+              <a:t>the</a:t>
+            </a:r>
+            <a:r>
+              <a:rPr lang="nb-NO" dirty="0"/>
+              <a:t> </a:t>
+            </a:r>
+            <a:r>
+              <a:rPr lang="nb-NO" dirty="0" err="1"/>
+              <a:t>repo</a:t>
+            </a:r>
+            <a:endParaRPr lang="nb-NO" dirty="0"/>
+          </a:p>
+          <a:p>
+            <a:r>
+              <a:rPr lang="nb-NO" dirty="0" err="1"/>
+              <a:t>There</a:t>
+            </a:r>
+            <a:r>
+              <a:rPr lang="nb-NO" dirty="0"/>
+              <a:t> is a </a:t>
+            </a:r>
+            <a:r>
+              <a:rPr lang="nb-NO" dirty="0" err="1"/>
+              <a:t>github</a:t>
+            </a:r>
+            <a:r>
+              <a:rPr lang="nb-NO" dirty="0"/>
+              <a:t> </a:t>
+            </a:r>
+            <a:r>
+              <a:rPr lang="nb-NO" dirty="0" err="1"/>
+              <a:t>repository</a:t>
+            </a:r>
+            <a:r>
+              <a:rPr lang="nb-NO" dirty="0"/>
+              <a:t> </a:t>
+            </a:r>
+            <a:r>
+              <a:rPr lang="nb-NO" dirty="0" err="1"/>
+              <a:t>which</a:t>
+            </a:r>
+            <a:r>
+              <a:rPr lang="nb-NO" dirty="0"/>
+              <a:t> </a:t>
+            </a:r>
+            <a:r>
+              <a:rPr lang="nb-NO" dirty="0" err="1"/>
+              <a:t>will</a:t>
+            </a:r>
+            <a:r>
+              <a:rPr lang="nb-NO" dirty="0"/>
+              <a:t> have alle </a:t>
+            </a:r>
+            <a:r>
+              <a:rPr lang="nb-NO" dirty="0" err="1"/>
+              <a:t>the</a:t>
+            </a:r>
+            <a:r>
+              <a:rPr lang="nb-NO" dirty="0"/>
+              <a:t> </a:t>
+            </a:r>
+            <a:r>
+              <a:rPr lang="nb-NO" dirty="0" err="1"/>
+              <a:t>updated</a:t>
+            </a:r>
+            <a:r>
+              <a:rPr lang="nb-NO" dirty="0"/>
+              <a:t> files</a:t>
+            </a:r>
+          </a:p>
+          <a:p>
+            <a:pPr lvl="1"/>
+            <a:r>
+              <a:rPr lang="nb-NO" dirty="0"/>
+              <a:t>If </a:t>
+            </a:r>
+            <a:r>
+              <a:rPr lang="nb-NO" dirty="0" err="1"/>
+              <a:t>you</a:t>
+            </a:r>
+            <a:r>
+              <a:rPr lang="nb-NO" dirty="0"/>
+              <a:t> </a:t>
+            </a:r>
+            <a:r>
+              <a:rPr lang="nb-NO" dirty="0" err="1"/>
+              <a:t>want</a:t>
+            </a:r>
+            <a:r>
+              <a:rPr lang="nb-NO" dirty="0"/>
+              <a:t> </a:t>
+            </a:r>
+            <a:r>
+              <a:rPr lang="nb-NO" dirty="0" err="1"/>
+              <a:t>access</a:t>
+            </a:r>
+            <a:r>
+              <a:rPr lang="nb-NO" dirty="0"/>
+              <a:t> to </a:t>
+            </a:r>
+            <a:r>
+              <a:rPr lang="nb-NO" dirty="0" err="1"/>
+              <a:t>the</a:t>
+            </a:r>
+            <a:r>
+              <a:rPr lang="nb-NO" dirty="0"/>
+              <a:t> </a:t>
+            </a:r>
+            <a:r>
+              <a:rPr lang="nb-NO" dirty="0" err="1"/>
+              <a:t>repo</a:t>
+            </a:r>
+            <a:r>
+              <a:rPr lang="nb-NO" dirty="0"/>
+              <a:t>, I must </a:t>
+            </a:r>
+            <a:r>
+              <a:rPr lang="nb-NO" dirty="0" err="1"/>
+              <a:t>add</a:t>
+            </a:r>
+            <a:r>
+              <a:rPr lang="nb-NO" dirty="0"/>
+              <a:t> </a:t>
+            </a:r>
+            <a:r>
+              <a:rPr lang="nb-NO" dirty="0" err="1"/>
+              <a:t>you</a:t>
+            </a:r>
+            <a:r>
+              <a:rPr lang="nb-NO" dirty="0"/>
+              <a:t> as a </a:t>
+            </a:r>
+            <a:r>
+              <a:rPr lang="nb-NO" dirty="0" err="1"/>
+              <a:t>contributor</a:t>
+            </a:r>
+            <a:endParaRPr lang="nb-NO" dirty="0"/>
+          </a:p>
+          <a:p>
+            <a:pPr lvl="1"/>
+            <a:r>
+              <a:rPr lang="nb-NO" dirty="0" err="1"/>
+              <a:t>Github</a:t>
+            </a:r>
+            <a:r>
+              <a:rPr lang="nb-NO" dirty="0"/>
+              <a:t> </a:t>
+            </a:r>
+            <a:r>
+              <a:rPr lang="nb-NO" dirty="0" err="1"/>
+              <a:t>issues</a:t>
+            </a:r>
+            <a:r>
+              <a:rPr lang="nb-NO" dirty="0"/>
+              <a:t>, and </a:t>
+            </a:r>
+            <a:r>
+              <a:rPr lang="nb-NO" dirty="0" err="1"/>
+              <a:t>work</a:t>
+            </a:r>
+            <a:r>
+              <a:rPr lang="nb-NO" dirty="0"/>
+              <a:t> log</a:t>
+            </a:r>
+          </a:p>
+          <a:p>
+            <a:r>
+              <a:rPr lang="nb-NO" dirty="0"/>
+              <a:t>For </a:t>
+            </a:r>
+            <a:r>
+              <a:rPr lang="nb-NO" dirty="0" err="1"/>
+              <a:t>writing</a:t>
+            </a:r>
+            <a:r>
+              <a:rPr lang="nb-NO" dirty="0"/>
+              <a:t> I </a:t>
+            </a:r>
+            <a:r>
+              <a:rPr lang="nb-NO" dirty="0" err="1"/>
+              <a:t>will</a:t>
+            </a:r>
+            <a:r>
+              <a:rPr lang="nb-NO" dirty="0"/>
+              <a:t> </a:t>
+            </a:r>
+            <a:r>
+              <a:rPr lang="nb-NO" dirty="0" err="1"/>
+              <a:t>use</a:t>
+            </a:r>
+            <a:r>
+              <a:rPr lang="nb-NO" dirty="0"/>
+              <a:t> </a:t>
+            </a:r>
+            <a:r>
+              <a:rPr lang="nb-NO" dirty="0" err="1"/>
+              <a:t>Overleaf</a:t>
+            </a:r>
+            <a:r>
+              <a:rPr lang="nb-NO" dirty="0"/>
+              <a:t>:</a:t>
+            </a:r>
+          </a:p>
+          <a:p>
+            <a:pPr lvl="1"/>
+            <a:r>
+              <a:rPr lang="nb-NO" dirty="0">
+                <a:hlinkClick r:id="rId2"/>
+              </a:rPr>
+              <a:t>https://www.overleaf.com/read/tzwckfrpfbvw</a:t>
+            </a:r>
+            <a:r>
+              <a:rPr lang="nb-NO" dirty="0"/>
+              <a:t> </a:t>
+            </a:r>
+          </a:p>
+          <a:p>
+            <a:r>
+              <a:rPr lang="nb-NO" dirty="0"/>
+              <a:t>For </a:t>
+            </a:r>
+            <a:r>
+              <a:rPr lang="nb-NO" dirty="0" err="1"/>
+              <a:t>citations</a:t>
+            </a:r>
+            <a:r>
+              <a:rPr lang="nb-NO" dirty="0"/>
+              <a:t> I </a:t>
+            </a:r>
+            <a:r>
+              <a:rPr lang="nb-NO" dirty="0" err="1"/>
+              <a:t>will</a:t>
+            </a:r>
+            <a:r>
+              <a:rPr lang="nb-NO" dirty="0"/>
               <a:t> be </a:t>
             </a:r>
             <a:r>
               <a:rPr lang="nb-NO" dirty="0" err="1"/>
-              <a:t>managing</a:t>
-            </a:r>
-            <a:r>
-              <a:rPr lang="nb-NO" dirty="0"/>
-              <a:t> my time </a:t>
-            </a:r>
-            <a:r>
-              <a:rPr lang="nb-NO" dirty="0" err="1"/>
-              <a:t>between</a:t>
-            </a:r>
-            <a:r>
-              <a:rPr lang="nb-NO" dirty="0"/>
-              <a:t> different </a:t>
-            </a:r>
-            <a:r>
-              <a:rPr lang="nb-NO" dirty="0" err="1"/>
-              <a:t>activities</a:t>
-            </a:r>
-            <a:endParaRPr lang="nb-NO" dirty="0"/>
-          </a:p>
-          <a:p>
-            <a:pPr lvl="1"/>
-            <a:r>
-              <a:rPr lang="nb-NO" dirty="0"/>
-              <a:t>Student </a:t>
-            </a:r>
-            <a:r>
-              <a:rPr lang="nb-NO" dirty="0" err="1"/>
-              <a:t>assistant</a:t>
-            </a:r>
-            <a:r>
-              <a:rPr lang="nb-NO" dirty="0"/>
-              <a:t> </a:t>
-            </a:r>
-            <a:r>
-              <a:rPr lang="nb-NO" dirty="0" err="1"/>
-              <a:t>position</a:t>
-            </a:r>
-            <a:r>
-              <a:rPr lang="nb-NO" dirty="0"/>
-              <a:t> during </a:t>
-            </a:r>
-            <a:r>
-              <a:rPr lang="nb-NO" dirty="0" err="1"/>
-              <a:t>the</a:t>
-            </a:r>
-            <a:r>
-              <a:rPr lang="nb-NO" dirty="0"/>
-              <a:t> fall semester</a:t>
+              <a:t>using</a:t>
+            </a:r>
+            <a:r>
+              <a:rPr lang="nb-NO" dirty="0"/>
+              <a:t> </a:t>
+            </a:r>
+            <a:r>
+              <a:rPr lang="nb-NO" dirty="0" err="1"/>
+              <a:t>Zotero</a:t>
             </a:r>
             <a:endParaRPr lang="en-GB" dirty="0"/>
-          </a:p>
-          <a:p>
-            <a:pPr lvl="1"/>
-            <a:r>
-              <a:rPr lang="en-GB" dirty="0"/>
-              <a:t>Playing in the </a:t>
-            </a:r>
-            <a:r>
-              <a:rPr lang="en-GB" dirty="0" err="1"/>
-              <a:t>revy</a:t>
-            </a:r>
-            <a:r>
-              <a:rPr lang="en-GB" dirty="0"/>
-              <a:t> band, and maybe elsewhere some days</a:t>
-            </a:r>
-          </a:p>
-          <a:p>
-            <a:endParaRPr lang="nb-NO" dirty="0"/>
           </a:p>
         </p:txBody>
       </p:sp>
     </p:spTree>
     <p:extLst>
       <p:ext uri="{BB962C8B-B14F-4D97-AF65-F5344CB8AC3E}">
-        <p14:creationId xmlns:p14="http://schemas.microsoft.com/office/powerpoint/2010/main" val="3857087672"/>
+        <p14:creationId xmlns:p14="http://schemas.microsoft.com/office/powerpoint/2010/main" val="3598742948"/>
       </p:ext>
     </p:extLst>
   </p:cSld>
@@ -7902,6 +11096,15 @@
 </file>
 
 <file path=customXml/item1.xml><?xml version="1.0" encoding="utf-8"?>
+<?mso-contentType ?>
+<FormTemplates xmlns="http://schemas.microsoft.com/sharepoint/v3/contenttype/forms">
+  <Display>DocumentLibraryForm</Display>
+  <Edit>DocumentLibraryForm</Edit>
+  <New>DocumentLibraryForm</New>
+</FormTemplates>
+</file>
+
+<file path=customXml/item2.xml><?xml version="1.0" encoding="utf-8"?>
 <ct:contentTypeSchema xmlns:ct="http://schemas.microsoft.com/office/2006/metadata/contentType" xmlns:ma="http://schemas.microsoft.com/office/2006/metadata/properties/metaAttributes" ct:_="" ma:_="" ma:contentTypeName="Dokument" ma:contentTypeID="0x010100529457019D10524BA2EE120DFA1AE6D8" ma:contentTypeVersion="12" ma:contentTypeDescription="Opprett et nytt dokument." ma:contentTypeScope="" ma:versionID="448971300e3e908049932ea285d6ac90">
   <xsd:schema xmlns:xsd="http://www.w3.org/2001/XMLSchema" xmlns:xs="http://www.w3.org/2001/XMLSchema" xmlns:p="http://schemas.microsoft.com/office/2006/metadata/properties" xmlns:ns3="a55fa175-6382-43b9-aff5-d7307f697fc1" xmlns:ns4="b9f3292d-4775-4e83-af09-7d60675e39f3" targetNamespace="http://schemas.microsoft.com/office/2006/metadata/properties" ma:root="true" ma:fieldsID="ff0424fa62092feeaa306be5d30ad0bc" ns3:_="" ns4:_="">
     <xsd:import namespace="a55fa175-6382-43b9-aff5-d7307f697fc1"/>
@@ -8118,15 +11321,6 @@
 </ct:contentTypeSchema>
 </file>
 
-<file path=customXml/item2.xml><?xml version="1.0" encoding="utf-8"?>
-<?mso-contentType ?>
-<FormTemplates xmlns="http://schemas.microsoft.com/sharepoint/v3/contenttype/forms">
-  <Display>DocumentLibraryForm</Display>
-  <Edit>DocumentLibraryForm</Edit>
-  <New>DocumentLibraryForm</New>
-</FormTemplates>
-</file>
-
 <file path=customXml/item3.xml><?xml version="1.0" encoding="utf-8"?>
 <p:properties xmlns:p="http://schemas.microsoft.com/office/2006/metadata/properties" xmlns:xsi="http://www.w3.org/2001/XMLSchema-instance" xmlns:pc="http://schemas.microsoft.com/office/infopath/2007/PartnerControls">
   <documentManagement/>
@@ -8134,6 +11328,14 @@
 </file>
 
 <file path=customXml/itemProps1.xml><?xml version="1.0" encoding="utf-8"?>
+<ds:datastoreItem xmlns:ds="http://schemas.openxmlformats.org/officeDocument/2006/customXml" ds:itemID="{A5C1D168-2A2F-4A76-B1FF-D0F26B96B617}">
+  <ds:schemaRefs>
+    <ds:schemaRef ds:uri="http://schemas.microsoft.com/sharepoint/v3/contenttype/forms"/>
+  </ds:schemaRefs>
+</ds:datastoreItem>
+</file>
+
+<file path=customXml/itemProps2.xml><?xml version="1.0" encoding="utf-8"?>
 <ds:datastoreItem xmlns:ds="http://schemas.openxmlformats.org/officeDocument/2006/customXml" ds:itemID="{F80D94FE-6C36-4EAD-9793-4895E298CF09}">
   <ds:schemaRefs>
     <ds:schemaRef ds:uri="http://schemas.microsoft.com/office/2006/metadata/contentType"/>
@@ -8148,14 +11350,6 @@
     <ds:schemaRef ds:uri="http://purl.org/dc/elements/1.1/"/>
     <ds:schemaRef ds:uri="http://purl.org/dc/terms/"/>
     <ds:schemaRef ds:uri="http://schemas.microsoft.com/internal/obd"/>
-  </ds:schemaRefs>
-</ds:datastoreItem>
-</file>
-
-<file path=customXml/itemProps2.xml><?xml version="1.0" encoding="utf-8"?>
-<ds:datastoreItem xmlns:ds="http://schemas.openxmlformats.org/officeDocument/2006/customXml" ds:itemID="{A5C1D168-2A2F-4A76-B1FF-D0F26B96B617}">
-  <ds:schemaRefs>
-    <ds:schemaRef ds:uri="http://schemas.microsoft.com/sharepoint/v3/contenttype/forms"/>
   </ds:schemaRefs>
 </ds:datastoreItem>
 </file>

--- a/Meeting Presentations/01.09.2022_Meeting.pptx
+++ b/Meeting Presentations/01.09.2022_Meeting.pptx
@@ -18,9 +18,10 @@
     <p:sldId id="261" r:id="rId15"/>
     <p:sldId id="262" r:id="rId16"/>
     <p:sldId id="263" r:id="rId17"/>
-    <p:sldId id="264" r:id="rId18"/>
-    <p:sldId id="269" r:id="rId19"/>
-    <p:sldId id="268" r:id="rId20"/>
+    <p:sldId id="272" r:id="rId18"/>
+    <p:sldId id="264" r:id="rId19"/>
+    <p:sldId id="269" r:id="rId20"/>
+    <p:sldId id="268" r:id="rId21"/>
   </p:sldIdLst>
   <p:sldSz cx="12192000" cy="6858000"/>
   <p:notesSz cx="6858000" cy="9144000"/>
@@ -589,7 +590,7 @@
           <a:p>
             <a:fld id="{02AC24A9-CCB6-4F8D-B8DB-C2F3692CFA5A}" type="datetimeFigureOut">
               <a:rPr lang="en-US" smtClean="0"/>
-              <a:t>8/29/2022</a:t>
+              <a:t>8/31/2022</a:t>
             </a:fld>
             <a:endParaRPr lang="en-US" dirty="0"/>
           </a:p>
@@ -959,7 +960,7 @@
           <a:p>
             <a:fld id="{02AC24A9-CCB6-4F8D-B8DB-C2F3692CFA5A}" type="datetimeFigureOut">
               <a:rPr lang="en-US" smtClean="0"/>
-              <a:t>8/29/2022</a:t>
+              <a:t>8/31/2022</a:t>
             </a:fld>
             <a:endParaRPr lang="en-US"/>
           </a:p>
@@ -1168,7 +1169,7 @@
           <a:p>
             <a:fld id="{02AC24A9-CCB6-4F8D-B8DB-C2F3692CFA5A}" type="datetimeFigureOut">
               <a:rPr lang="en-US" smtClean="0"/>
-              <a:t>8/29/2022</a:t>
+              <a:t>8/31/2022</a:t>
             </a:fld>
             <a:endParaRPr lang="en-US"/>
           </a:p>
@@ -1638,7 +1639,7 @@
           <a:p>
             <a:fld id="{02AC24A9-CCB6-4F8D-B8DB-C2F3692CFA5A}" type="datetimeFigureOut">
               <a:rPr lang="en-US" smtClean="0"/>
-              <a:t>8/29/2022</a:t>
+              <a:t>8/31/2022</a:t>
             </a:fld>
             <a:endParaRPr lang="en-US"/>
           </a:p>
@@ -2092,7 +2093,7 @@
           <a:p>
             <a:fld id="{02AC24A9-CCB6-4F8D-B8DB-C2F3692CFA5A}" type="datetimeFigureOut">
               <a:rPr lang="en-US" smtClean="0"/>
-              <a:t>8/29/2022</a:t>
+              <a:t>8/31/2022</a:t>
             </a:fld>
             <a:endParaRPr lang="en-US"/>
           </a:p>
@@ -2624,7 +2625,7 @@
           <a:p>
             <a:fld id="{02AC24A9-CCB6-4F8D-B8DB-C2F3692CFA5A}" type="datetimeFigureOut">
               <a:rPr lang="en-US" smtClean="0"/>
-              <a:t>8/29/2022</a:t>
+              <a:t>8/31/2022</a:t>
             </a:fld>
             <a:endParaRPr lang="en-US"/>
           </a:p>
@@ -3323,7 +3324,7 @@
           <a:p>
             <a:fld id="{02AC24A9-CCB6-4F8D-B8DB-C2F3692CFA5A}" type="datetimeFigureOut">
               <a:rPr lang="en-US" smtClean="0"/>
-              <a:t>8/29/2022</a:t>
+              <a:t>8/31/2022</a:t>
             </a:fld>
             <a:endParaRPr lang="en-US"/>
           </a:p>
@@ -3652,7 +3653,7 @@
           <a:p>
             <a:fld id="{02AC24A9-CCB6-4F8D-B8DB-C2F3692CFA5A}" type="datetimeFigureOut">
               <a:rPr lang="en-US" smtClean="0"/>
-              <a:t>8/29/2022</a:t>
+              <a:t>8/31/2022</a:t>
             </a:fld>
             <a:endParaRPr lang="en-US"/>
           </a:p>
@@ -3765,7 +3766,7 @@
           <a:p>
             <a:fld id="{02AC24A9-CCB6-4F8D-B8DB-C2F3692CFA5A}" type="datetimeFigureOut">
               <a:rPr lang="en-US" smtClean="0"/>
-              <a:t>8/29/2022</a:t>
+              <a:t>8/31/2022</a:t>
             </a:fld>
             <a:endParaRPr lang="en-US"/>
           </a:p>
@@ -4260,7 +4261,7 @@
           <a:p>
             <a:fld id="{02AC24A9-CCB6-4F8D-B8DB-C2F3692CFA5A}" type="datetimeFigureOut">
               <a:rPr lang="en-US" smtClean="0"/>
-              <a:t>8/29/2022</a:t>
+              <a:t>8/31/2022</a:t>
             </a:fld>
             <a:endParaRPr lang="en-US" dirty="0"/>
           </a:p>
@@ -4737,7 +4738,7 @@
           <a:p>
             <a:fld id="{02AC24A9-CCB6-4F8D-B8DB-C2F3692CFA5A}" type="datetimeFigureOut">
               <a:rPr lang="en-US" smtClean="0"/>
-              <a:t>8/29/2022</a:t>
+              <a:t>8/31/2022</a:t>
             </a:fld>
             <a:endParaRPr lang="en-US"/>
           </a:p>
@@ -4980,7 +4981,7 @@
           <a:p>
             <a:fld id="{02AC24A9-CCB6-4F8D-B8DB-C2F3692CFA5A}" type="datetimeFigureOut">
               <a:rPr lang="en-US" smtClean="0"/>
-              <a:t>8/29/2022</a:t>
+              <a:t>8/31/2022</a:t>
             </a:fld>
             <a:endParaRPr lang="en-US"/>
           </a:p>
@@ -7959,7 +7960,7 @@
           <p:cNvPr id="2" name="Title 1">
             <a:extLst>
               <a:ext uri="{FF2B5EF4-FFF2-40B4-BE49-F238E27FC236}">
-                <a16:creationId xmlns:a16="http://schemas.microsoft.com/office/drawing/2014/main" id="{D1FA454F-487C-4A90-9ED9-11F6F58DC691}"/>
+                <a16:creationId xmlns:a16="http://schemas.microsoft.com/office/drawing/2014/main" id="{3B529F85-051E-4FAC-A40F-51ED8AE1EB14}"/>
               </a:ext>
             </a:extLst>
           </p:cNvPr>
@@ -7977,62 +7978,129 @@
           <a:p>
             <a:r>
               <a:rPr lang="nb-NO" dirty="0" err="1"/>
-              <a:t>Next</a:t>
-            </a:r>
-            <a:r>
-              <a:rPr lang="nb-NO" dirty="0"/>
-              <a:t> </a:t>
-            </a:r>
-            <a:r>
-              <a:rPr lang="nb-NO" dirty="0" err="1"/>
-              <a:t>meeting</a:t>
+              <a:t>Accessing</a:t>
+            </a:r>
+            <a:r>
+              <a:rPr lang="nb-NO" dirty="0"/>
+              <a:t> </a:t>
+            </a:r>
+            <a:r>
+              <a:rPr lang="nb-NO" dirty="0" err="1"/>
+              <a:t>the</a:t>
+            </a:r>
+            <a:r>
+              <a:rPr lang="nb-NO" dirty="0"/>
+              <a:t> team</a:t>
             </a:r>
             <a:endParaRPr lang="en-GB" dirty="0"/>
           </a:p>
         </p:txBody>
       </p:sp>
+      <p:pic>
+        <p:nvPicPr>
+          <p:cNvPr id="5" name="Picture 4">
+            <a:extLst>
+              <a:ext uri="{FF2B5EF4-FFF2-40B4-BE49-F238E27FC236}">
+                <a16:creationId xmlns:a16="http://schemas.microsoft.com/office/drawing/2014/main" id="{0BB2F3EC-41D5-423F-BD7D-2F0BA007FC29}"/>
+              </a:ext>
+            </a:extLst>
+          </p:cNvPr>
+          <p:cNvPicPr>
+            <a:picLocks noChangeAspect="1"/>
+          </p:cNvPicPr>
+          <p:nvPr/>
+        </p:nvPicPr>
+        <p:blipFill>
+          <a:blip r:embed="rId2"/>
+          <a:stretch>
+            <a:fillRect/>
+          </a:stretch>
+        </p:blipFill>
+        <p:spPr>
+          <a:xfrm>
+            <a:off x="1566862" y="2261235"/>
+            <a:ext cx="4067175" cy="4048125"/>
+          </a:xfrm>
+          <a:prstGeom prst="rect">
+            <a:avLst/>
+          </a:prstGeom>
+        </p:spPr>
+      </p:pic>
       <p:sp>
         <p:nvSpPr>
-          <p:cNvPr id="3" name="Content Placeholder 2">
-            <a:extLst>
-              <a:ext uri="{FF2B5EF4-FFF2-40B4-BE49-F238E27FC236}">
-                <a16:creationId xmlns:a16="http://schemas.microsoft.com/office/drawing/2014/main" id="{EEDE0348-4BAD-4DC6-A630-22EDE1929B6C}"/>
-              </a:ext>
-            </a:extLst>
-          </p:cNvPr>
-          <p:cNvSpPr>
-            <a:spLocks noGrp="1"/>
-          </p:cNvSpPr>
-          <p:nvPr>
-            <p:ph idx="1"/>
-          </p:nvPr>
-        </p:nvSpPr>
-        <p:spPr/>
-        <p:txBody>
-          <a:bodyPr>
-            <a:normAutofit fontScale="85000" lnSpcReduction="20000"/>
+          <p:cNvPr id="6" name="TextBox 5">
+            <a:extLst>
+              <a:ext uri="{FF2B5EF4-FFF2-40B4-BE49-F238E27FC236}">
+                <a16:creationId xmlns:a16="http://schemas.microsoft.com/office/drawing/2014/main" id="{BA3252E8-1450-4C2A-99A2-CF2530B554FC}"/>
+              </a:ext>
+            </a:extLst>
+          </p:cNvPr>
+          <p:cNvSpPr txBox="1"/>
+          <p:nvPr/>
+        </p:nvSpPr>
+        <p:spPr>
+          <a:xfrm>
+            <a:off x="7086600" y="3962245"/>
+            <a:ext cx="3629025" cy="646331"/>
+          </a:xfrm>
+          <a:prstGeom prst="rect">
+            <a:avLst/>
+          </a:prstGeom>
+          <a:noFill/>
+        </p:spPr>
+        <p:txBody>
+          <a:bodyPr wrap="square" rtlCol="0">
+            <a:spAutoFit/>
           </a:bodyPr>
           <a:lstStyle/>
           <a:p>
             <a:r>
-              <a:rPr lang="nb-NO" dirty="0" err="1"/>
-              <a:t>I’m</a:t>
-            </a:r>
-            <a:r>
-              <a:rPr lang="nb-NO" dirty="0"/>
-              <a:t> planning to </a:t>
-            </a:r>
-            <a:r>
-              <a:rPr lang="nb-NO" dirty="0" err="1"/>
-              <a:t>schedule</a:t>
-            </a:r>
-            <a:r>
-              <a:rPr lang="nb-NO" dirty="0"/>
-              <a:t> a ML </a:t>
-            </a:r>
-            <a:r>
-              <a:rPr lang="nb-NO" dirty="0" err="1"/>
-              <a:t>meeting</a:t>
+              <a:rPr lang="nb-NO" dirty="0"/>
+              <a:t>It </a:t>
+            </a:r>
+            <a:r>
+              <a:rPr lang="nb-NO" dirty="0" err="1"/>
+              <a:t>might</a:t>
+            </a:r>
+            <a:r>
+              <a:rPr lang="nb-NO" dirty="0"/>
+              <a:t> </a:t>
+            </a:r>
+            <a:r>
+              <a:rPr lang="nb-NO" dirty="0" err="1"/>
+              <a:t>take</a:t>
+            </a:r>
+            <a:r>
+              <a:rPr lang="nb-NO" dirty="0"/>
+              <a:t> a </a:t>
+            </a:r>
+            <a:r>
+              <a:rPr lang="nb-NO" dirty="0" err="1"/>
+              <a:t>little</a:t>
+            </a:r>
+            <a:r>
+              <a:rPr lang="nb-NO" dirty="0"/>
+              <a:t> </a:t>
+            </a:r>
+            <a:r>
+              <a:rPr lang="nb-NO" dirty="0" err="1"/>
+              <a:t>while</a:t>
+            </a:r>
+            <a:r>
+              <a:rPr lang="nb-NO" dirty="0"/>
+              <a:t> </a:t>
+            </a:r>
+            <a:r>
+              <a:rPr lang="nb-NO" dirty="0" err="1"/>
+              <a:t>before</a:t>
+            </a:r>
+            <a:r>
+              <a:rPr lang="nb-NO" dirty="0"/>
+              <a:t> it </a:t>
+            </a:r>
+            <a:r>
+              <a:rPr lang="nb-NO" dirty="0" err="1"/>
+              <a:t>appears</a:t>
             </a:r>
             <a:r>
               <a:rPr lang="nb-NO" dirty="0"/>
@@ -8040,101 +8108,20 @@
             </a:r>
             <a:r>
               <a:rPr lang="nb-NO" dirty="0" err="1"/>
-              <a:t>two</a:t>
-            </a:r>
-            <a:r>
-              <a:rPr lang="nb-NO" dirty="0"/>
-              <a:t> </a:t>
-            </a:r>
-            <a:r>
-              <a:rPr lang="nb-NO" dirty="0" err="1"/>
-              <a:t>weeks</a:t>
-            </a:r>
-            <a:r>
-              <a:rPr lang="nb-NO" dirty="0"/>
-              <a:t> [14.09.2022]</a:t>
+              <a:t>your</a:t>
+            </a:r>
+            <a:r>
+              <a:rPr lang="nb-NO" dirty="0"/>
+              <a:t> MS Teams</a:t>
             </a:r>
             <a:endParaRPr lang="en-GB" dirty="0"/>
-          </a:p>
-          <a:p>
-            <a:r>
-              <a:rPr lang="en-GB" dirty="0"/>
-              <a:t>By then I want to have:</a:t>
-            </a:r>
-          </a:p>
-          <a:p>
-            <a:pPr lvl="1"/>
-            <a:r>
-              <a:rPr lang="en-GB" dirty="0"/>
-              <a:t>Implemented all needed architectures</a:t>
-            </a:r>
-          </a:p>
-          <a:p>
-            <a:pPr lvl="1"/>
-            <a:r>
-              <a:rPr lang="en-GB" dirty="0"/>
-              <a:t>Implemented transfer learning loss functions</a:t>
-            </a:r>
-          </a:p>
-          <a:p>
-            <a:pPr lvl="1"/>
-            <a:r>
-              <a:rPr lang="en-GB" dirty="0"/>
-              <a:t>Implemented logging script</a:t>
-            </a:r>
-          </a:p>
-          <a:p>
-            <a:pPr lvl="1"/>
-            <a:r>
-              <a:rPr lang="en-GB" dirty="0"/>
-              <a:t>Gotten familiar with loading the data from NGI’s TNW folder (</a:t>
-            </a:r>
-            <a:r>
-              <a:rPr lang="en-GB" dirty="0" err="1"/>
-              <a:t>OpendTect</a:t>
-            </a:r>
-            <a:r>
-              <a:rPr lang="en-GB" dirty="0"/>
-              <a:t> etc.)</a:t>
-            </a:r>
-          </a:p>
-          <a:p>
-            <a:pPr lvl="1"/>
-            <a:r>
-              <a:rPr lang="en-GB" dirty="0"/>
-              <a:t>Ran at least one algorithm with summary statistics</a:t>
-            </a:r>
-          </a:p>
-          <a:p>
-            <a:pPr lvl="1"/>
-            <a:endParaRPr lang="en-GB" dirty="0"/>
-          </a:p>
-          <a:p>
-            <a:r>
-              <a:rPr lang="en-GB" dirty="0"/>
-              <a:t>Or at the very least have better questions to ask for guidance</a:t>
-            </a:r>
-          </a:p>
-          <a:p>
-            <a:r>
-              <a:rPr lang="en-GB" dirty="0"/>
-              <a:t>Next general meeting in one month [06.10.2022]</a:t>
-            </a:r>
-          </a:p>
-          <a:p>
-            <a:pPr lvl="1"/>
-            <a:r>
-              <a:rPr lang="en-GB" dirty="0"/>
-              <a:t>It will be beneficial for me to give status updates along the way and sharing plans ahead</a:t>
-            </a:r>
-            <a:endParaRPr lang="nb-NO" dirty="0"/>
           </a:p>
         </p:txBody>
       </p:sp>
     </p:spTree>
     <p:extLst>
       <p:ext uri="{BB962C8B-B14F-4D97-AF65-F5344CB8AC3E}">
-        <p14:creationId xmlns:p14="http://schemas.microsoft.com/office/powerpoint/2010/main" val="2242473429"/>
+        <p14:creationId xmlns:p14="http://schemas.microsoft.com/office/powerpoint/2010/main" val="3828456986"/>
       </p:ext>
     </p:extLst>
   </p:cSld>
@@ -8163,6 +8150,213 @@
       </p:grpSpPr>
       <p:sp>
         <p:nvSpPr>
+          <p:cNvPr id="2" name="Title 1">
+            <a:extLst>
+              <a:ext uri="{FF2B5EF4-FFF2-40B4-BE49-F238E27FC236}">
+                <a16:creationId xmlns:a16="http://schemas.microsoft.com/office/drawing/2014/main" id="{D1FA454F-487C-4A90-9ED9-11F6F58DC691}"/>
+              </a:ext>
+            </a:extLst>
+          </p:cNvPr>
+          <p:cNvSpPr>
+            <a:spLocks noGrp="1"/>
+          </p:cNvSpPr>
+          <p:nvPr>
+            <p:ph type="title"/>
+          </p:nvPr>
+        </p:nvSpPr>
+        <p:spPr/>
+        <p:txBody>
+          <a:bodyPr/>
+          <a:lstStyle/>
+          <a:p>
+            <a:r>
+              <a:rPr lang="nb-NO" dirty="0" err="1"/>
+              <a:t>Next</a:t>
+            </a:r>
+            <a:r>
+              <a:rPr lang="nb-NO" dirty="0"/>
+              <a:t> </a:t>
+            </a:r>
+            <a:r>
+              <a:rPr lang="nb-NO" dirty="0" err="1"/>
+              <a:t>meeting</a:t>
+            </a:r>
+            <a:endParaRPr lang="en-GB" dirty="0"/>
+          </a:p>
+        </p:txBody>
+      </p:sp>
+      <p:sp>
+        <p:nvSpPr>
+          <p:cNvPr id="3" name="Content Placeholder 2">
+            <a:extLst>
+              <a:ext uri="{FF2B5EF4-FFF2-40B4-BE49-F238E27FC236}">
+                <a16:creationId xmlns:a16="http://schemas.microsoft.com/office/drawing/2014/main" id="{EEDE0348-4BAD-4DC6-A630-22EDE1929B6C}"/>
+              </a:ext>
+            </a:extLst>
+          </p:cNvPr>
+          <p:cNvSpPr>
+            <a:spLocks noGrp="1"/>
+          </p:cNvSpPr>
+          <p:nvPr>
+            <p:ph idx="1"/>
+          </p:nvPr>
+        </p:nvSpPr>
+        <p:spPr/>
+        <p:txBody>
+          <a:bodyPr>
+            <a:normAutofit fontScale="85000" lnSpcReduction="20000"/>
+          </a:bodyPr>
+          <a:lstStyle/>
+          <a:p>
+            <a:r>
+              <a:rPr lang="nb-NO" dirty="0" err="1"/>
+              <a:t>I’m</a:t>
+            </a:r>
+            <a:r>
+              <a:rPr lang="nb-NO" dirty="0"/>
+              <a:t> planning to </a:t>
+            </a:r>
+            <a:r>
+              <a:rPr lang="nb-NO" dirty="0" err="1"/>
+              <a:t>schedule</a:t>
+            </a:r>
+            <a:r>
+              <a:rPr lang="nb-NO" dirty="0"/>
+              <a:t> a ML </a:t>
+            </a:r>
+            <a:r>
+              <a:rPr lang="nb-NO" dirty="0" err="1"/>
+              <a:t>meeting</a:t>
+            </a:r>
+            <a:r>
+              <a:rPr lang="nb-NO" dirty="0"/>
+              <a:t> in </a:t>
+            </a:r>
+            <a:r>
+              <a:rPr lang="nb-NO" dirty="0" err="1"/>
+              <a:t>two</a:t>
+            </a:r>
+            <a:r>
+              <a:rPr lang="nb-NO" dirty="0"/>
+              <a:t> </a:t>
+            </a:r>
+            <a:r>
+              <a:rPr lang="nb-NO" dirty="0" err="1"/>
+              <a:t>weeks</a:t>
+            </a:r>
+            <a:r>
+              <a:rPr lang="nb-NO" dirty="0"/>
+              <a:t> [14.09.2022]</a:t>
+            </a:r>
+            <a:endParaRPr lang="en-GB" dirty="0"/>
+          </a:p>
+          <a:p>
+            <a:r>
+              <a:rPr lang="en-GB" dirty="0"/>
+              <a:t>By then I want to have:</a:t>
+            </a:r>
+          </a:p>
+          <a:p>
+            <a:pPr lvl="1"/>
+            <a:r>
+              <a:rPr lang="en-GB" dirty="0"/>
+              <a:t>Implemented all needed architectures</a:t>
+            </a:r>
+          </a:p>
+          <a:p>
+            <a:pPr lvl="1"/>
+            <a:r>
+              <a:rPr lang="en-GB" dirty="0"/>
+              <a:t>Implemented transfer learning loss functions</a:t>
+            </a:r>
+          </a:p>
+          <a:p>
+            <a:pPr lvl="1"/>
+            <a:r>
+              <a:rPr lang="en-GB" dirty="0"/>
+              <a:t>Implemented logging script</a:t>
+            </a:r>
+          </a:p>
+          <a:p>
+            <a:pPr lvl="1"/>
+            <a:r>
+              <a:rPr lang="en-GB" dirty="0"/>
+              <a:t>Gotten familiar with loading the data from NGI’s TNW folder (</a:t>
+            </a:r>
+            <a:r>
+              <a:rPr lang="en-GB" dirty="0" err="1"/>
+              <a:t>OpendTect</a:t>
+            </a:r>
+            <a:r>
+              <a:rPr lang="en-GB" dirty="0"/>
+              <a:t> etc.)</a:t>
+            </a:r>
+          </a:p>
+          <a:p>
+            <a:pPr lvl="1"/>
+            <a:r>
+              <a:rPr lang="en-GB" dirty="0"/>
+              <a:t>Ran at least one algorithm with summary statistics</a:t>
+            </a:r>
+          </a:p>
+          <a:p>
+            <a:pPr lvl="1"/>
+            <a:endParaRPr lang="en-GB" dirty="0"/>
+          </a:p>
+          <a:p>
+            <a:r>
+              <a:rPr lang="en-GB" dirty="0"/>
+              <a:t>Or at the very least have better questions to ask for guidance</a:t>
+            </a:r>
+          </a:p>
+          <a:p>
+            <a:r>
+              <a:rPr lang="en-GB" dirty="0"/>
+              <a:t>Next general meeting in one month [06.10.2022]</a:t>
+            </a:r>
+          </a:p>
+          <a:p>
+            <a:pPr lvl="1"/>
+            <a:r>
+              <a:rPr lang="en-GB" dirty="0"/>
+              <a:t>It will be beneficial for me to give status updates along the way and sharing plans ahead</a:t>
+            </a:r>
+            <a:endParaRPr lang="nb-NO" dirty="0"/>
+          </a:p>
+        </p:txBody>
+      </p:sp>
+    </p:spTree>
+    <p:extLst>
+      <p:ext uri="{BB962C8B-B14F-4D97-AF65-F5344CB8AC3E}">
+        <p14:creationId xmlns:p14="http://schemas.microsoft.com/office/powerpoint/2010/main" val="2242473429"/>
+      </p:ext>
+    </p:extLst>
+  </p:cSld>
+  <p:clrMapOvr>
+    <a:masterClrMapping/>
+  </p:clrMapOvr>
+</p:sld>
+</file>
+
+<file path=ppt/slides/slide16.xml><?xml version="1.0" encoding="utf-8"?>
+<p:sld xmlns:a="http://schemas.openxmlformats.org/drawingml/2006/main" xmlns:r="http://schemas.openxmlformats.org/officeDocument/2006/relationships" xmlns:p="http://schemas.openxmlformats.org/presentationml/2006/main">
+  <p:cSld>
+    <p:spTree>
+      <p:nvGrpSpPr>
+        <p:cNvPr id="1" name=""/>
+        <p:cNvGrpSpPr/>
+        <p:nvPr/>
+      </p:nvGrpSpPr>
+      <p:grpSpPr>
+        <a:xfrm>
+          <a:off x="0" y="0"/>
+          <a:ext cx="0" cy="0"/>
+          <a:chOff x="0" y="0"/>
+          <a:chExt cx="0" cy="0"/>
+        </a:xfrm>
+      </p:grpSpPr>
+      <p:sp>
+        <p:nvSpPr>
           <p:cNvPr id="4" name="Title 3">
             <a:extLst>
               <a:ext uri="{FF2B5EF4-FFF2-40B4-BE49-F238E27FC236}">
@@ -8207,7 +8401,7 @@
 </p:sld>
 </file>
 
-<file path=ppt/slides/slide16.xml><?xml version="1.0" encoding="utf-8"?>
+<file path=ppt/slides/slide17.xml><?xml version="1.0" encoding="utf-8"?>
 <p:sld xmlns:a="http://schemas.openxmlformats.org/drawingml/2006/main" xmlns:r="http://schemas.openxmlformats.org/officeDocument/2006/relationships" xmlns:p="http://schemas.openxmlformats.org/presentationml/2006/main">
   <p:cSld>
     <p:spTree>
@@ -11096,15 +11290,6 @@
 </file>
 
 <file path=customXml/item1.xml><?xml version="1.0" encoding="utf-8"?>
-<?mso-contentType ?>
-<FormTemplates xmlns="http://schemas.microsoft.com/sharepoint/v3/contenttype/forms">
-  <Display>DocumentLibraryForm</Display>
-  <Edit>DocumentLibraryForm</Edit>
-  <New>DocumentLibraryForm</New>
-</FormTemplates>
-</file>
-
-<file path=customXml/item2.xml><?xml version="1.0" encoding="utf-8"?>
 <ct:contentTypeSchema xmlns:ct="http://schemas.microsoft.com/office/2006/metadata/contentType" xmlns:ma="http://schemas.microsoft.com/office/2006/metadata/properties/metaAttributes" ct:_="" ma:_="" ma:contentTypeName="Dokument" ma:contentTypeID="0x010100529457019D10524BA2EE120DFA1AE6D8" ma:contentTypeVersion="12" ma:contentTypeDescription="Opprett et nytt dokument." ma:contentTypeScope="" ma:versionID="448971300e3e908049932ea285d6ac90">
   <xsd:schema xmlns:xsd="http://www.w3.org/2001/XMLSchema" xmlns:xs="http://www.w3.org/2001/XMLSchema" xmlns:p="http://schemas.microsoft.com/office/2006/metadata/properties" xmlns:ns3="a55fa175-6382-43b9-aff5-d7307f697fc1" xmlns:ns4="b9f3292d-4775-4e83-af09-7d60675e39f3" targetNamespace="http://schemas.microsoft.com/office/2006/metadata/properties" ma:root="true" ma:fieldsID="ff0424fa62092feeaa306be5d30ad0bc" ns3:_="" ns4:_="">
     <xsd:import namespace="a55fa175-6382-43b9-aff5-d7307f697fc1"/>
@@ -11321,6 +11506,15 @@
 </ct:contentTypeSchema>
 </file>
 
+<file path=customXml/item2.xml><?xml version="1.0" encoding="utf-8"?>
+<?mso-contentType ?>
+<FormTemplates xmlns="http://schemas.microsoft.com/sharepoint/v3/contenttype/forms">
+  <Display>DocumentLibraryForm</Display>
+  <Edit>DocumentLibraryForm</Edit>
+  <New>DocumentLibraryForm</New>
+</FormTemplates>
+</file>
+
 <file path=customXml/item3.xml><?xml version="1.0" encoding="utf-8"?>
 <p:properties xmlns:p="http://schemas.microsoft.com/office/2006/metadata/properties" xmlns:xsi="http://www.w3.org/2001/XMLSchema-instance" xmlns:pc="http://schemas.microsoft.com/office/infopath/2007/PartnerControls">
   <documentManagement/>
@@ -11328,14 +11522,6 @@
 </file>
 
 <file path=customXml/itemProps1.xml><?xml version="1.0" encoding="utf-8"?>
-<ds:datastoreItem xmlns:ds="http://schemas.openxmlformats.org/officeDocument/2006/customXml" ds:itemID="{A5C1D168-2A2F-4A76-B1FF-D0F26B96B617}">
-  <ds:schemaRefs>
-    <ds:schemaRef ds:uri="http://schemas.microsoft.com/sharepoint/v3/contenttype/forms"/>
-  </ds:schemaRefs>
-</ds:datastoreItem>
-</file>
-
-<file path=customXml/itemProps2.xml><?xml version="1.0" encoding="utf-8"?>
 <ds:datastoreItem xmlns:ds="http://schemas.openxmlformats.org/officeDocument/2006/customXml" ds:itemID="{F80D94FE-6C36-4EAD-9793-4895E298CF09}">
   <ds:schemaRefs>
     <ds:schemaRef ds:uri="http://schemas.microsoft.com/office/2006/metadata/contentType"/>
@@ -11350,6 +11536,14 @@
     <ds:schemaRef ds:uri="http://purl.org/dc/elements/1.1/"/>
     <ds:schemaRef ds:uri="http://purl.org/dc/terms/"/>
     <ds:schemaRef ds:uri="http://schemas.microsoft.com/internal/obd"/>
+  </ds:schemaRefs>
+</ds:datastoreItem>
+</file>
+
+<file path=customXml/itemProps2.xml><?xml version="1.0" encoding="utf-8"?>
+<ds:datastoreItem xmlns:ds="http://schemas.openxmlformats.org/officeDocument/2006/customXml" ds:itemID="{A5C1D168-2A2F-4A76-B1FF-D0F26B96B617}">
+  <ds:schemaRefs>
+    <ds:schemaRef ds:uri="http://schemas.microsoft.com/sharepoint/v3/contenttype/forms"/>
   </ds:schemaRefs>
 </ds:datastoreItem>
 </file>

--- a/Meeting Presentations/01.09.2022_Meeting.pptx
+++ b/Meeting Presentations/01.09.2022_Meeting.pptx
@@ -14,14 +14,13 @@
     <p:sldId id="270" r:id="rId11"/>
     <p:sldId id="258" r:id="rId12"/>
     <p:sldId id="259" r:id="rId13"/>
-    <p:sldId id="260" r:id="rId14"/>
-    <p:sldId id="261" r:id="rId15"/>
-    <p:sldId id="262" r:id="rId16"/>
-    <p:sldId id="263" r:id="rId17"/>
-    <p:sldId id="272" r:id="rId18"/>
-    <p:sldId id="264" r:id="rId19"/>
-    <p:sldId id="269" r:id="rId20"/>
-    <p:sldId id="268" r:id="rId21"/>
+    <p:sldId id="261" r:id="rId14"/>
+    <p:sldId id="262" r:id="rId15"/>
+    <p:sldId id="263" r:id="rId16"/>
+    <p:sldId id="272" r:id="rId17"/>
+    <p:sldId id="264" r:id="rId18"/>
+    <p:sldId id="269" r:id="rId19"/>
+    <p:sldId id="268" r:id="rId20"/>
   </p:sldIdLst>
   <p:sldSz cx="12192000" cy="6858000"/>
   <p:notesSz cx="6858000" cy="9144000"/>
@@ -5875,7 +5874,7 @@
           <p:cNvPr id="2" name="Title 1">
             <a:extLst>
               <a:ext uri="{FF2B5EF4-FFF2-40B4-BE49-F238E27FC236}">
-                <a16:creationId xmlns:a16="http://schemas.microsoft.com/office/drawing/2014/main" id="{FB47785E-558D-486E-A48D-98B0F64AF476}"/>
+                <a16:creationId xmlns:a16="http://schemas.microsoft.com/office/drawing/2014/main" id="{69439ECD-3CD9-4AFB-97C9-9847185C750B}"/>
               </a:ext>
             </a:extLst>
           </p:cNvPr>
@@ -5893,27 +5892,7 @@
           <a:p>
             <a:r>
               <a:rPr lang="nb-NO" dirty="0"/>
-              <a:t>My </a:t>
-            </a:r>
-            <a:r>
-              <a:rPr lang="nb-NO" dirty="0" err="1"/>
-              <a:t>expectations</a:t>
-            </a:r>
-            <a:r>
-              <a:rPr lang="nb-NO" dirty="0"/>
-              <a:t> </a:t>
-            </a:r>
-            <a:r>
-              <a:rPr lang="nb-NO" dirty="0" err="1"/>
-              <a:t>of</a:t>
-            </a:r>
-            <a:r>
-              <a:rPr lang="nb-NO" dirty="0"/>
-              <a:t> </a:t>
-            </a:r>
-            <a:r>
-              <a:rPr lang="nb-NO" dirty="0" err="1"/>
-              <a:t>you</a:t>
+              <a:t>Time management</a:t>
             </a:r>
             <a:endParaRPr lang="en-GB" dirty="0"/>
           </a:p>
@@ -5924,7 +5903,7 @@
           <p:cNvPr id="3" name="Content Placeholder 2">
             <a:extLst>
               <a:ext uri="{FF2B5EF4-FFF2-40B4-BE49-F238E27FC236}">
-                <a16:creationId xmlns:a16="http://schemas.microsoft.com/office/drawing/2014/main" id="{6CCBA94A-3773-476E-BD52-8A36EE89E1C5}"/>
+                <a16:creationId xmlns:a16="http://schemas.microsoft.com/office/drawing/2014/main" id="{FE3F0B15-89A0-441F-9677-446312102D6B}"/>
               </a:ext>
             </a:extLst>
           </p:cNvPr>
@@ -5937,12 +5916,122 @@
         </p:nvSpPr>
         <p:spPr/>
         <p:txBody>
-          <a:bodyPr/>
+          <a:bodyPr>
+            <a:normAutofit fontScale="92500" lnSpcReduction="20000"/>
+          </a:bodyPr>
           <a:lstStyle/>
           <a:p>
             <a:r>
-              <a:rPr lang="nb-NO" dirty="0" err="1"/>
-              <a:t>Consultation</a:t>
+              <a:rPr lang="nb-NO" dirty="0"/>
+              <a:t>Progress </a:t>
+            </a:r>
+            <a:r>
+              <a:rPr lang="nb-NO" dirty="0" err="1"/>
+              <a:t>with</a:t>
+            </a:r>
+            <a:r>
+              <a:rPr lang="nb-NO" dirty="0"/>
+              <a:t> </a:t>
+            </a:r>
+            <a:r>
+              <a:rPr lang="nb-NO" dirty="0" err="1"/>
+              <a:t>the</a:t>
+            </a:r>
+            <a:r>
+              <a:rPr lang="nb-NO" dirty="0"/>
+              <a:t> </a:t>
+            </a:r>
+            <a:r>
+              <a:rPr lang="nb-NO" dirty="0" err="1"/>
+              <a:t>thesis</a:t>
+            </a:r>
+            <a:r>
+              <a:rPr lang="nb-NO" dirty="0"/>
+              <a:t> </a:t>
+            </a:r>
+            <a:r>
+              <a:rPr lang="nb-NO" dirty="0" err="1"/>
+              <a:t>might</a:t>
+            </a:r>
+            <a:r>
+              <a:rPr lang="nb-NO" dirty="0"/>
+              <a:t> </a:t>
+            </a:r>
+            <a:r>
+              <a:rPr lang="nb-NO" dirty="0" err="1"/>
+              <a:t>stagnate</a:t>
+            </a:r>
+            <a:r>
+              <a:rPr lang="nb-NO" dirty="0"/>
+              <a:t> </a:t>
+            </a:r>
+            <a:r>
+              <a:rPr lang="nb-NO" dirty="0" err="1"/>
+              <a:t>while</a:t>
+            </a:r>
+            <a:r>
+              <a:rPr lang="nb-NO" dirty="0"/>
+              <a:t> </a:t>
+            </a:r>
+            <a:r>
+              <a:rPr lang="nb-NO" dirty="0" err="1"/>
+              <a:t>waiting</a:t>
+            </a:r>
+            <a:r>
+              <a:rPr lang="nb-NO" dirty="0"/>
+              <a:t> for feedback or input from </a:t>
+            </a:r>
+            <a:r>
+              <a:rPr lang="nb-NO" dirty="0" err="1"/>
+              <a:t>one</a:t>
+            </a:r>
+            <a:r>
+              <a:rPr lang="nb-NO" dirty="0"/>
+              <a:t> </a:t>
+            </a:r>
+            <a:r>
+              <a:rPr lang="nb-NO" dirty="0" err="1"/>
+              <a:t>of</a:t>
+            </a:r>
+            <a:r>
+              <a:rPr lang="nb-NO" dirty="0"/>
+              <a:t> </a:t>
+            </a:r>
+            <a:r>
+              <a:rPr lang="nb-NO" dirty="0" err="1"/>
+              <a:t>you</a:t>
+            </a:r>
+            <a:r>
+              <a:rPr lang="nb-NO" dirty="0"/>
+              <a:t>. </a:t>
+            </a:r>
+            <a:r>
+              <a:rPr lang="nb-NO" dirty="0" err="1"/>
+              <a:t>Therefore</a:t>
+            </a:r>
+            <a:r>
+              <a:rPr lang="nb-NO" dirty="0"/>
+              <a:t> I </a:t>
+            </a:r>
+            <a:r>
+              <a:rPr lang="nb-NO" dirty="0" err="1"/>
+              <a:t>expect</a:t>
+            </a:r>
+            <a:r>
+              <a:rPr lang="nb-NO" dirty="0"/>
+              <a:t> </a:t>
+            </a:r>
+            <a:r>
+              <a:rPr lang="nb-NO" dirty="0" err="1"/>
+              <a:t>you</a:t>
+            </a:r>
+            <a:r>
+              <a:rPr lang="nb-NO" dirty="0"/>
+              <a:t> to be </a:t>
+            </a:r>
+            <a:r>
+              <a:rPr lang="nb-NO" dirty="0" err="1"/>
+              <a:t>available</a:t>
             </a:r>
             <a:r>
               <a:rPr lang="nb-NO" dirty="0"/>
@@ -5950,14 +6039,238 @@
             </a:r>
             <a:r>
               <a:rPr lang="nb-NO" dirty="0" err="1"/>
-              <a:t>guidance</a:t>
+              <a:t>respond</a:t>
+            </a:r>
+            <a:r>
+              <a:rPr lang="nb-NO" dirty="0"/>
+              <a:t> </a:t>
+            </a:r>
+            <a:r>
+              <a:rPr lang="nb-NO" dirty="0" err="1"/>
+              <a:t>quickly</a:t>
+            </a:r>
+            <a:r>
+              <a:rPr lang="nb-NO" dirty="0"/>
+              <a:t> (</a:t>
+            </a:r>
+            <a:r>
+              <a:rPr lang="nb-NO" dirty="0" err="1"/>
+              <a:t>within</a:t>
+            </a:r>
+            <a:r>
+              <a:rPr lang="nb-NO" dirty="0"/>
+              <a:t> </a:t>
+            </a:r>
+            <a:r>
+              <a:rPr lang="nb-NO" dirty="0" err="1"/>
+              <a:t>reason</a:t>
+            </a:r>
+            <a:r>
+              <a:rPr lang="nb-NO" dirty="0"/>
+              <a:t>)</a:t>
+            </a:r>
+          </a:p>
+          <a:p>
+            <a:r>
+              <a:rPr lang="nb-NO" dirty="0"/>
+              <a:t>I </a:t>
+            </a:r>
+            <a:r>
+              <a:rPr lang="nb-NO" dirty="0" err="1"/>
+              <a:t>will</a:t>
+            </a:r>
+            <a:r>
+              <a:rPr lang="nb-NO" dirty="0"/>
+              <a:t> be </a:t>
+            </a:r>
+            <a:r>
+              <a:rPr lang="nb-NO" dirty="0" err="1"/>
+              <a:t>managing</a:t>
+            </a:r>
+            <a:r>
+              <a:rPr lang="nb-NO" dirty="0"/>
+              <a:t> my time </a:t>
+            </a:r>
+            <a:r>
+              <a:rPr lang="nb-NO" dirty="0" err="1"/>
+              <a:t>between</a:t>
+            </a:r>
+            <a:r>
+              <a:rPr lang="nb-NO" dirty="0"/>
+              <a:t> different </a:t>
+            </a:r>
+            <a:r>
+              <a:rPr lang="nb-NO" dirty="0" err="1"/>
+              <a:t>activities</a:t>
             </a:r>
             <a:endParaRPr lang="nb-NO" dirty="0"/>
           </a:p>
           <a:p>
-            <a:r>
-              <a:rPr lang="nb-NO" dirty="0"/>
-              <a:t>Progress </a:t>
+            <a:pPr lvl="1"/>
+            <a:r>
+              <a:rPr lang="nb-NO" dirty="0"/>
+              <a:t>Student </a:t>
+            </a:r>
+            <a:r>
+              <a:rPr lang="nb-NO" dirty="0" err="1"/>
+              <a:t>assistant</a:t>
+            </a:r>
+            <a:r>
+              <a:rPr lang="nb-NO" dirty="0"/>
+              <a:t> </a:t>
+            </a:r>
+            <a:r>
+              <a:rPr lang="nb-NO" dirty="0" err="1"/>
+              <a:t>position</a:t>
+            </a:r>
+            <a:r>
+              <a:rPr lang="nb-NO" dirty="0"/>
+              <a:t> during </a:t>
+            </a:r>
+            <a:r>
+              <a:rPr lang="nb-NO" dirty="0" err="1"/>
+              <a:t>the</a:t>
+            </a:r>
+            <a:r>
+              <a:rPr lang="nb-NO" dirty="0"/>
+              <a:t> fall semester</a:t>
+            </a:r>
+            <a:endParaRPr lang="en-GB" dirty="0"/>
+          </a:p>
+          <a:p>
+            <a:pPr lvl="1"/>
+            <a:r>
+              <a:rPr lang="en-GB" dirty="0"/>
+              <a:t>Playing in the </a:t>
+            </a:r>
+            <a:r>
+              <a:rPr lang="en-GB" dirty="0" err="1"/>
+              <a:t>revy</a:t>
+            </a:r>
+            <a:r>
+              <a:rPr lang="en-GB" dirty="0"/>
+              <a:t> band, and also playing elsewhere some days</a:t>
+            </a:r>
+          </a:p>
+          <a:p>
+            <a:r>
+              <a:rPr lang="nb-NO" dirty="0" err="1"/>
+              <a:t>Finishing</a:t>
+            </a:r>
+            <a:r>
+              <a:rPr lang="nb-NO" dirty="0"/>
+              <a:t> </a:t>
+            </a:r>
+            <a:r>
+              <a:rPr lang="nb-NO" dirty="0" err="1"/>
+              <a:t>the</a:t>
+            </a:r>
+            <a:r>
+              <a:rPr lang="nb-NO" dirty="0"/>
+              <a:t> </a:t>
+            </a:r>
+            <a:r>
+              <a:rPr lang="nb-NO" dirty="0" err="1"/>
+              <a:t>project</a:t>
+            </a:r>
+            <a:endParaRPr lang="nb-NO" dirty="0"/>
+          </a:p>
+          <a:p>
+            <a:pPr lvl="1"/>
+            <a:r>
+              <a:rPr lang="nb-NO" dirty="0"/>
+              <a:t>Long term plans make it so </a:t>
+            </a:r>
+            <a:r>
+              <a:rPr lang="nb-NO" dirty="0" err="1"/>
+              <a:t>that</a:t>
+            </a:r>
+            <a:r>
+              <a:rPr lang="nb-NO" dirty="0"/>
+              <a:t> I</a:t>
+            </a:r>
+            <a:r>
+              <a:rPr lang="nb-NO" b="1" dirty="0"/>
+              <a:t> must </a:t>
+            </a:r>
+            <a:r>
+              <a:rPr lang="nb-NO" dirty="0"/>
+              <a:t>finish </a:t>
+            </a:r>
+            <a:r>
+              <a:rPr lang="nb-NO" dirty="0" err="1"/>
+              <a:t>within</a:t>
+            </a:r>
+            <a:r>
+              <a:rPr lang="nb-NO" dirty="0"/>
+              <a:t> </a:t>
+            </a:r>
+            <a:r>
+              <a:rPr lang="nb-NO" dirty="0" err="1"/>
+              <a:t>alotted</a:t>
+            </a:r>
+            <a:r>
+              <a:rPr lang="nb-NO" dirty="0"/>
+              <a:t> time, and </a:t>
+            </a:r>
+            <a:r>
+              <a:rPr lang="nb-NO" dirty="0" err="1"/>
+              <a:t>I’m</a:t>
+            </a:r>
+            <a:r>
+              <a:rPr lang="nb-NO" dirty="0"/>
+              <a:t> </a:t>
+            </a:r>
+            <a:r>
+              <a:rPr lang="nb-NO" dirty="0" err="1"/>
+              <a:t>motivated</a:t>
+            </a:r>
+            <a:r>
+              <a:rPr lang="nb-NO" dirty="0"/>
+              <a:t> to do so</a:t>
+            </a:r>
+          </a:p>
+          <a:p>
+            <a:pPr lvl="1"/>
+            <a:r>
+              <a:rPr lang="nb-NO" dirty="0" err="1"/>
+              <a:t>Therefore</a:t>
+            </a:r>
+            <a:r>
+              <a:rPr lang="nb-NO" dirty="0"/>
+              <a:t> I </a:t>
+            </a:r>
+            <a:r>
+              <a:rPr lang="nb-NO" dirty="0" err="1"/>
+              <a:t>will</a:t>
+            </a:r>
+            <a:r>
+              <a:rPr lang="nb-NO" dirty="0"/>
+              <a:t> start more </a:t>
+            </a:r>
+            <a:r>
+              <a:rPr lang="nb-NO" dirty="0" err="1"/>
+              <a:t>modestly</a:t>
+            </a:r>
+            <a:r>
+              <a:rPr lang="nb-NO" dirty="0"/>
+              <a:t> (</a:t>
+            </a:r>
+            <a:r>
+              <a:rPr lang="nb-NO" dirty="0" err="1"/>
+              <a:t>than</a:t>
+            </a:r>
+            <a:r>
+              <a:rPr lang="nb-NO" dirty="0"/>
+              <a:t> I </a:t>
+            </a:r>
+            <a:r>
+              <a:rPr lang="nb-NO" dirty="0" err="1"/>
+              <a:t>would</a:t>
+            </a:r>
+            <a:r>
+              <a:rPr lang="nb-NO" dirty="0"/>
+              <a:t> like) </a:t>
             </a:r>
             <a:r>
               <a:rPr lang="nb-NO" dirty="0" err="1"/>
@@ -5977,47 +6290,7 @@
             </a:r>
             <a:r>
               <a:rPr lang="nb-NO" dirty="0" err="1"/>
-              <a:t>thesis</a:t>
-            </a:r>
-            <a:r>
-              <a:rPr lang="nb-NO" dirty="0"/>
-              <a:t> </a:t>
-            </a:r>
-            <a:r>
-              <a:rPr lang="nb-NO" dirty="0" err="1"/>
-              <a:t>might</a:t>
-            </a:r>
-            <a:r>
-              <a:rPr lang="nb-NO" dirty="0"/>
-              <a:t> </a:t>
-            </a:r>
-            <a:r>
-              <a:rPr lang="nb-NO" dirty="0" err="1"/>
-              <a:t>stagnate</a:t>
-            </a:r>
-            <a:r>
-              <a:rPr lang="nb-NO" dirty="0"/>
-              <a:t> </a:t>
-            </a:r>
-            <a:r>
-              <a:rPr lang="nb-NO" dirty="0" err="1"/>
-              <a:t>while</a:t>
-            </a:r>
-            <a:r>
-              <a:rPr lang="nb-NO" dirty="0"/>
-              <a:t> </a:t>
-            </a:r>
-            <a:r>
-              <a:rPr lang="nb-NO" dirty="0" err="1"/>
-              <a:t>waiting</a:t>
-            </a:r>
-            <a:r>
-              <a:rPr lang="nb-NO" dirty="0"/>
-              <a:t> for feedback or input from </a:t>
-            </a:r>
-            <a:r>
-              <a:rPr lang="nb-NO" dirty="0" err="1"/>
-              <a:t>one</a:t>
+              <a:t>scope</a:t>
             </a:r>
             <a:r>
               <a:rPr lang="nb-NO" dirty="0"/>
@@ -6033,39 +6306,7 @@
             </a:r>
             <a:r>
               <a:rPr lang="nb-NO" dirty="0" err="1"/>
-              <a:t>you</a:t>
-            </a:r>
-            <a:r>
-              <a:rPr lang="nb-NO" dirty="0"/>
-              <a:t>. </a:t>
-            </a:r>
-            <a:r>
-              <a:rPr lang="nb-NO" dirty="0" err="1"/>
-              <a:t>Therefore</a:t>
-            </a:r>
-            <a:r>
-              <a:rPr lang="nb-NO" dirty="0"/>
-              <a:t> I </a:t>
-            </a:r>
-            <a:r>
-              <a:rPr lang="nb-NO" dirty="0" err="1"/>
-              <a:t>expect</a:t>
-            </a:r>
-            <a:r>
-              <a:rPr lang="nb-NO" dirty="0"/>
-              <a:t> </a:t>
-            </a:r>
-            <a:r>
-              <a:rPr lang="nb-NO" dirty="0" err="1"/>
-              <a:t>you</a:t>
-            </a:r>
-            <a:r>
-              <a:rPr lang="nb-NO" dirty="0"/>
-              <a:t> to be </a:t>
-            </a:r>
-            <a:r>
-              <a:rPr lang="nb-NO" dirty="0" err="1"/>
-              <a:t>available</a:t>
+              <a:t>work</a:t>
             </a:r>
             <a:r>
               <a:rPr lang="nb-NO" dirty="0"/>
@@ -6073,44 +6314,16 @@
             </a:r>
             <a:r>
               <a:rPr lang="nb-NO" dirty="0" err="1"/>
-              <a:t>respond</a:t>
-            </a:r>
-            <a:r>
-              <a:rPr lang="nb-NO" dirty="0"/>
-              <a:t> </a:t>
-            </a:r>
-            <a:r>
-              <a:rPr lang="nb-NO" dirty="0" err="1"/>
-              <a:t>quickly</a:t>
-            </a:r>
-            <a:r>
-              <a:rPr lang="nb-NO" dirty="0"/>
-              <a:t> (</a:t>
-            </a:r>
-            <a:r>
-              <a:rPr lang="nb-NO" dirty="0" err="1"/>
-              <a:t>within</a:t>
-            </a:r>
-            <a:r>
-              <a:rPr lang="nb-NO" dirty="0"/>
-              <a:t> </a:t>
-            </a:r>
-            <a:r>
-              <a:rPr lang="nb-NO" dirty="0" err="1"/>
-              <a:t>reason</a:t>
-            </a:r>
-            <a:r>
-              <a:rPr lang="nb-NO" dirty="0"/>
-              <a:t>)</a:t>
-            </a:r>
-            <a:endParaRPr lang="en-GB" dirty="0"/>
+              <a:t>expand</a:t>
+            </a:r>
+            <a:endParaRPr lang="nb-NO" dirty="0"/>
           </a:p>
         </p:txBody>
       </p:sp>
     </p:spTree>
     <p:extLst>
       <p:ext uri="{BB962C8B-B14F-4D97-AF65-F5344CB8AC3E}">
-        <p14:creationId xmlns:p14="http://schemas.microsoft.com/office/powerpoint/2010/main" val="2655566215"/>
+        <p14:creationId xmlns:p14="http://schemas.microsoft.com/office/powerpoint/2010/main" val="3857087672"/>
       </p:ext>
     </p:extLst>
   </p:cSld>
@@ -6142,343 +6355,6 @@
           <p:cNvPr id="2" name="Title 1">
             <a:extLst>
               <a:ext uri="{FF2B5EF4-FFF2-40B4-BE49-F238E27FC236}">
-                <a16:creationId xmlns:a16="http://schemas.microsoft.com/office/drawing/2014/main" id="{69439ECD-3CD9-4AFB-97C9-9847185C750B}"/>
-              </a:ext>
-            </a:extLst>
-          </p:cNvPr>
-          <p:cNvSpPr>
-            <a:spLocks noGrp="1"/>
-          </p:cNvSpPr>
-          <p:nvPr>
-            <p:ph type="title"/>
-          </p:nvPr>
-        </p:nvSpPr>
-        <p:spPr/>
-        <p:txBody>
-          <a:bodyPr/>
-          <a:lstStyle/>
-          <a:p>
-            <a:r>
-              <a:rPr lang="nb-NO" dirty="0"/>
-              <a:t>My </a:t>
-            </a:r>
-            <a:r>
-              <a:rPr lang="nb-NO" dirty="0" err="1"/>
-              <a:t>promises</a:t>
-            </a:r>
-            <a:r>
-              <a:rPr lang="nb-NO" dirty="0"/>
-              <a:t> to </a:t>
-            </a:r>
-            <a:r>
-              <a:rPr lang="nb-NO" dirty="0" err="1"/>
-              <a:t>you</a:t>
-            </a:r>
-            <a:endParaRPr lang="en-GB" dirty="0"/>
-          </a:p>
-        </p:txBody>
-      </p:sp>
-      <p:sp>
-        <p:nvSpPr>
-          <p:cNvPr id="3" name="Content Placeholder 2">
-            <a:extLst>
-              <a:ext uri="{FF2B5EF4-FFF2-40B4-BE49-F238E27FC236}">
-                <a16:creationId xmlns:a16="http://schemas.microsoft.com/office/drawing/2014/main" id="{FE3F0B15-89A0-441F-9677-446312102D6B}"/>
-              </a:ext>
-            </a:extLst>
-          </p:cNvPr>
-          <p:cNvSpPr>
-            <a:spLocks noGrp="1"/>
-          </p:cNvSpPr>
-          <p:nvPr>
-            <p:ph idx="1"/>
-          </p:nvPr>
-        </p:nvSpPr>
-        <p:spPr/>
-        <p:txBody>
-          <a:bodyPr/>
-          <a:lstStyle/>
-          <a:p>
-            <a:r>
-              <a:rPr lang="nb-NO" dirty="0"/>
-              <a:t>I </a:t>
-            </a:r>
-            <a:r>
-              <a:rPr lang="nb-NO" dirty="0" err="1"/>
-              <a:t>will</a:t>
-            </a:r>
-            <a:r>
-              <a:rPr lang="nb-NO" dirty="0"/>
-              <a:t> be </a:t>
-            </a:r>
-            <a:r>
-              <a:rPr lang="nb-NO" dirty="0" err="1"/>
-              <a:t>managing</a:t>
-            </a:r>
-            <a:r>
-              <a:rPr lang="nb-NO" dirty="0"/>
-              <a:t> my time </a:t>
-            </a:r>
-            <a:r>
-              <a:rPr lang="nb-NO" dirty="0" err="1"/>
-              <a:t>between</a:t>
-            </a:r>
-            <a:r>
-              <a:rPr lang="nb-NO" dirty="0"/>
-              <a:t> different </a:t>
-            </a:r>
-            <a:r>
-              <a:rPr lang="nb-NO" dirty="0" err="1"/>
-              <a:t>activities</a:t>
-            </a:r>
-            <a:endParaRPr lang="nb-NO" dirty="0"/>
-          </a:p>
-          <a:p>
-            <a:pPr lvl="1"/>
-            <a:r>
-              <a:rPr lang="nb-NO" dirty="0"/>
-              <a:t>Student </a:t>
-            </a:r>
-            <a:r>
-              <a:rPr lang="nb-NO" dirty="0" err="1"/>
-              <a:t>assistant</a:t>
-            </a:r>
-            <a:r>
-              <a:rPr lang="nb-NO" dirty="0"/>
-              <a:t> </a:t>
-            </a:r>
-            <a:r>
-              <a:rPr lang="nb-NO" dirty="0" err="1"/>
-              <a:t>position</a:t>
-            </a:r>
-            <a:r>
-              <a:rPr lang="nb-NO" dirty="0"/>
-              <a:t> during </a:t>
-            </a:r>
-            <a:r>
-              <a:rPr lang="nb-NO" dirty="0" err="1"/>
-              <a:t>the</a:t>
-            </a:r>
-            <a:r>
-              <a:rPr lang="nb-NO" dirty="0"/>
-              <a:t> fall semester</a:t>
-            </a:r>
-            <a:endParaRPr lang="en-GB" dirty="0"/>
-          </a:p>
-          <a:p>
-            <a:pPr lvl="1"/>
-            <a:r>
-              <a:rPr lang="en-GB" dirty="0"/>
-              <a:t>Playing in the </a:t>
-            </a:r>
-            <a:r>
-              <a:rPr lang="en-GB" dirty="0" err="1"/>
-              <a:t>revy</a:t>
-            </a:r>
-            <a:r>
-              <a:rPr lang="en-GB" dirty="0"/>
-              <a:t> band, and also playing elsewhere some days</a:t>
-            </a:r>
-          </a:p>
-          <a:p>
-            <a:r>
-              <a:rPr lang="nb-NO" dirty="0"/>
-              <a:t>I have a </a:t>
-            </a:r>
-            <a:r>
-              <a:rPr lang="nb-NO" dirty="0" err="1"/>
-              <a:t>tendency</a:t>
-            </a:r>
-            <a:r>
-              <a:rPr lang="nb-NO" dirty="0"/>
-              <a:t> to </a:t>
-            </a:r>
-            <a:r>
-              <a:rPr lang="nb-NO" dirty="0" err="1"/>
-              <a:t>procrastinate</a:t>
-            </a:r>
-            <a:endParaRPr lang="nb-NO" dirty="0"/>
-          </a:p>
-          <a:p>
-            <a:pPr lvl="1"/>
-            <a:r>
-              <a:rPr lang="nb-NO" dirty="0"/>
-              <a:t>Long term plans make it so </a:t>
-            </a:r>
-            <a:r>
-              <a:rPr lang="nb-NO" dirty="0" err="1"/>
-              <a:t>that</a:t>
-            </a:r>
-            <a:r>
-              <a:rPr lang="nb-NO" dirty="0"/>
-              <a:t> I</a:t>
-            </a:r>
-            <a:r>
-              <a:rPr lang="nb-NO" b="1" dirty="0"/>
-              <a:t> must </a:t>
-            </a:r>
-            <a:r>
-              <a:rPr lang="nb-NO" dirty="0"/>
-              <a:t>finish </a:t>
-            </a:r>
-            <a:r>
-              <a:rPr lang="nb-NO" dirty="0" err="1"/>
-              <a:t>within</a:t>
-            </a:r>
-            <a:r>
-              <a:rPr lang="nb-NO" dirty="0"/>
-              <a:t> </a:t>
-            </a:r>
-            <a:r>
-              <a:rPr lang="nb-NO" dirty="0" err="1"/>
-              <a:t>alotted</a:t>
-            </a:r>
-            <a:r>
-              <a:rPr lang="nb-NO" dirty="0"/>
-              <a:t> time, and </a:t>
-            </a:r>
-            <a:r>
-              <a:rPr lang="nb-NO" dirty="0" err="1"/>
-              <a:t>I’m</a:t>
-            </a:r>
-            <a:r>
-              <a:rPr lang="nb-NO" dirty="0"/>
-              <a:t> </a:t>
-            </a:r>
-            <a:r>
-              <a:rPr lang="nb-NO" dirty="0" err="1"/>
-              <a:t>motivated</a:t>
-            </a:r>
-            <a:r>
-              <a:rPr lang="nb-NO" dirty="0"/>
-              <a:t> to do so</a:t>
-            </a:r>
-          </a:p>
-          <a:p>
-            <a:pPr lvl="1"/>
-            <a:r>
-              <a:rPr lang="nb-NO" dirty="0" err="1"/>
-              <a:t>Therefore</a:t>
-            </a:r>
-            <a:r>
-              <a:rPr lang="nb-NO" dirty="0"/>
-              <a:t> I </a:t>
-            </a:r>
-            <a:r>
-              <a:rPr lang="nb-NO" dirty="0" err="1"/>
-              <a:t>will</a:t>
-            </a:r>
-            <a:r>
-              <a:rPr lang="nb-NO" dirty="0"/>
-              <a:t> start more </a:t>
-            </a:r>
-            <a:r>
-              <a:rPr lang="nb-NO" dirty="0" err="1"/>
-              <a:t>modestly</a:t>
-            </a:r>
-            <a:r>
-              <a:rPr lang="nb-NO" dirty="0"/>
-              <a:t> (</a:t>
-            </a:r>
-            <a:r>
-              <a:rPr lang="nb-NO" dirty="0" err="1"/>
-              <a:t>than</a:t>
-            </a:r>
-            <a:r>
-              <a:rPr lang="nb-NO" dirty="0"/>
-              <a:t> I </a:t>
-            </a:r>
-            <a:r>
-              <a:rPr lang="nb-NO" dirty="0" err="1"/>
-              <a:t>would</a:t>
-            </a:r>
-            <a:r>
-              <a:rPr lang="nb-NO" dirty="0"/>
-              <a:t> like) </a:t>
-            </a:r>
-            <a:r>
-              <a:rPr lang="nb-NO" dirty="0" err="1"/>
-              <a:t>with</a:t>
-            </a:r>
-            <a:r>
-              <a:rPr lang="nb-NO" dirty="0"/>
-              <a:t> </a:t>
-            </a:r>
-            <a:r>
-              <a:rPr lang="nb-NO" dirty="0" err="1"/>
-              <a:t>the</a:t>
-            </a:r>
-            <a:r>
-              <a:rPr lang="nb-NO" dirty="0"/>
-              <a:t> </a:t>
-            </a:r>
-            <a:r>
-              <a:rPr lang="nb-NO" dirty="0" err="1"/>
-              <a:t>scope</a:t>
-            </a:r>
-            <a:r>
-              <a:rPr lang="nb-NO" dirty="0"/>
-              <a:t> </a:t>
-            </a:r>
-            <a:r>
-              <a:rPr lang="nb-NO" dirty="0" err="1"/>
-              <a:t>of</a:t>
-            </a:r>
-            <a:r>
-              <a:rPr lang="nb-NO" dirty="0"/>
-              <a:t> </a:t>
-            </a:r>
-            <a:r>
-              <a:rPr lang="nb-NO" dirty="0" err="1"/>
-              <a:t>work</a:t>
-            </a:r>
-            <a:r>
-              <a:rPr lang="nb-NO" dirty="0"/>
-              <a:t> and </a:t>
-            </a:r>
-            <a:r>
-              <a:rPr lang="nb-NO" dirty="0" err="1"/>
-              <a:t>expand</a:t>
-            </a:r>
-            <a:endParaRPr lang="nb-NO" dirty="0"/>
-          </a:p>
-        </p:txBody>
-      </p:sp>
-    </p:spTree>
-    <p:extLst>
-      <p:ext uri="{BB962C8B-B14F-4D97-AF65-F5344CB8AC3E}">
-        <p14:creationId xmlns:p14="http://schemas.microsoft.com/office/powerpoint/2010/main" val="3857087672"/>
-      </p:ext>
-    </p:extLst>
-  </p:cSld>
-  <p:clrMapOvr>
-    <a:masterClrMapping/>
-  </p:clrMapOvr>
-</p:sld>
-</file>
-
-<file path=ppt/slides/slide12.xml><?xml version="1.0" encoding="utf-8"?>
-<p:sld xmlns:a="http://schemas.openxmlformats.org/drawingml/2006/main" xmlns:r="http://schemas.openxmlformats.org/officeDocument/2006/relationships" xmlns:p="http://schemas.openxmlformats.org/presentationml/2006/main">
-  <p:cSld>
-    <p:spTree>
-      <p:nvGrpSpPr>
-        <p:cNvPr id="1" name=""/>
-        <p:cNvGrpSpPr/>
-        <p:nvPr/>
-      </p:nvGrpSpPr>
-      <p:grpSpPr>
-        <a:xfrm>
-          <a:off x="0" y="0"/>
-          <a:ext cx="0" cy="0"/>
-          <a:chOff x="0" y="0"/>
-          <a:chExt cx="0" cy="0"/>
-        </a:xfrm>
-      </p:grpSpPr>
-      <p:sp>
-        <p:nvSpPr>
-          <p:cNvPr id="2" name="Title 1">
-            <a:extLst>
-              <a:ext uri="{FF2B5EF4-FFF2-40B4-BE49-F238E27FC236}">
                 <a16:creationId xmlns:a16="http://schemas.microsoft.com/office/drawing/2014/main" id="{D6D78DD2-A80E-4E85-A635-702A6330AB51}"/>
               </a:ext>
             </a:extLst>
@@ -6790,7 +6666,7 @@
 </p:sld>
 </file>
 
-<file path=ppt/slides/slide13.xml><?xml version="1.0" encoding="utf-8"?>
+<file path=ppt/slides/slide12.xml><?xml version="1.0" encoding="utf-8"?>
 <p:sld xmlns:a="http://schemas.openxmlformats.org/drawingml/2006/main" xmlns:r="http://schemas.openxmlformats.org/officeDocument/2006/relationships" xmlns:p="http://schemas.openxmlformats.org/presentationml/2006/main">
   <p:cSld>
     <p:spTree>
@@ -7938,7 +7814,7 @@
 </p:sld>
 </file>
 
-<file path=ppt/slides/slide14.xml><?xml version="1.0" encoding="utf-8"?>
+<file path=ppt/slides/slide13.xml><?xml version="1.0" encoding="utf-8"?>
 <p:sld xmlns:a="http://schemas.openxmlformats.org/drawingml/2006/main" xmlns:r="http://schemas.openxmlformats.org/officeDocument/2006/relationships" xmlns:p="http://schemas.openxmlformats.org/presentationml/2006/main">
   <p:cSld>
     <p:spTree>
@@ -8122,6 +7998,213 @@
     <p:extLst>
       <p:ext uri="{BB962C8B-B14F-4D97-AF65-F5344CB8AC3E}">
         <p14:creationId xmlns:p14="http://schemas.microsoft.com/office/powerpoint/2010/main" val="3828456986"/>
+      </p:ext>
+    </p:extLst>
+  </p:cSld>
+  <p:clrMapOvr>
+    <a:masterClrMapping/>
+  </p:clrMapOvr>
+</p:sld>
+</file>
+
+<file path=ppt/slides/slide14.xml><?xml version="1.0" encoding="utf-8"?>
+<p:sld xmlns:a="http://schemas.openxmlformats.org/drawingml/2006/main" xmlns:r="http://schemas.openxmlformats.org/officeDocument/2006/relationships" xmlns:p="http://schemas.openxmlformats.org/presentationml/2006/main">
+  <p:cSld>
+    <p:spTree>
+      <p:nvGrpSpPr>
+        <p:cNvPr id="1" name=""/>
+        <p:cNvGrpSpPr/>
+        <p:nvPr/>
+      </p:nvGrpSpPr>
+      <p:grpSpPr>
+        <a:xfrm>
+          <a:off x="0" y="0"/>
+          <a:ext cx="0" cy="0"/>
+          <a:chOff x="0" y="0"/>
+          <a:chExt cx="0" cy="0"/>
+        </a:xfrm>
+      </p:grpSpPr>
+      <p:sp>
+        <p:nvSpPr>
+          <p:cNvPr id="2" name="Title 1">
+            <a:extLst>
+              <a:ext uri="{FF2B5EF4-FFF2-40B4-BE49-F238E27FC236}">
+                <a16:creationId xmlns:a16="http://schemas.microsoft.com/office/drawing/2014/main" id="{D1FA454F-487C-4A90-9ED9-11F6F58DC691}"/>
+              </a:ext>
+            </a:extLst>
+          </p:cNvPr>
+          <p:cNvSpPr>
+            <a:spLocks noGrp="1"/>
+          </p:cNvSpPr>
+          <p:nvPr>
+            <p:ph type="title"/>
+          </p:nvPr>
+        </p:nvSpPr>
+        <p:spPr/>
+        <p:txBody>
+          <a:bodyPr/>
+          <a:lstStyle/>
+          <a:p>
+            <a:r>
+              <a:rPr lang="nb-NO" dirty="0" err="1"/>
+              <a:t>Next</a:t>
+            </a:r>
+            <a:r>
+              <a:rPr lang="nb-NO" dirty="0"/>
+              <a:t> </a:t>
+            </a:r>
+            <a:r>
+              <a:rPr lang="nb-NO" dirty="0" err="1"/>
+              <a:t>meeting</a:t>
+            </a:r>
+            <a:endParaRPr lang="en-GB" dirty="0"/>
+          </a:p>
+        </p:txBody>
+      </p:sp>
+      <p:sp>
+        <p:nvSpPr>
+          <p:cNvPr id="3" name="Content Placeholder 2">
+            <a:extLst>
+              <a:ext uri="{FF2B5EF4-FFF2-40B4-BE49-F238E27FC236}">
+                <a16:creationId xmlns:a16="http://schemas.microsoft.com/office/drawing/2014/main" id="{EEDE0348-4BAD-4DC6-A630-22EDE1929B6C}"/>
+              </a:ext>
+            </a:extLst>
+          </p:cNvPr>
+          <p:cNvSpPr>
+            <a:spLocks noGrp="1"/>
+          </p:cNvSpPr>
+          <p:nvPr>
+            <p:ph idx="1"/>
+          </p:nvPr>
+        </p:nvSpPr>
+        <p:spPr/>
+        <p:txBody>
+          <a:bodyPr>
+            <a:normAutofit fontScale="85000" lnSpcReduction="20000"/>
+          </a:bodyPr>
+          <a:lstStyle/>
+          <a:p>
+            <a:r>
+              <a:rPr lang="nb-NO" dirty="0" err="1"/>
+              <a:t>I’m</a:t>
+            </a:r>
+            <a:r>
+              <a:rPr lang="nb-NO" dirty="0"/>
+              <a:t> planning to </a:t>
+            </a:r>
+            <a:r>
+              <a:rPr lang="nb-NO" dirty="0" err="1"/>
+              <a:t>schedule</a:t>
+            </a:r>
+            <a:r>
+              <a:rPr lang="nb-NO" dirty="0"/>
+              <a:t> a ML </a:t>
+            </a:r>
+            <a:r>
+              <a:rPr lang="nb-NO" dirty="0" err="1"/>
+              <a:t>meeting</a:t>
+            </a:r>
+            <a:r>
+              <a:rPr lang="nb-NO" dirty="0"/>
+              <a:t> in </a:t>
+            </a:r>
+            <a:r>
+              <a:rPr lang="nb-NO" dirty="0" err="1"/>
+              <a:t>two</a:t>
+            </a:r>
+            <a:r>
+              <a:rPr lang="nb-NO" dirty="0"/>
+              <a:t> </a:t>
+            </a:r>
+            <a:r>
+              <a:rPr lang="nb-NO" dirty="0" err="1"/>
+              <a:t>weeks</a:t>
+            </a:r>
+            <a:r>
+              <a:rPr lang="nb-NO" dirty="0"/>
+              <a:t> [14.09.2022]</a:t>
+            </a:r>
+            <a:endParaRPr lang="en-GB" dirty="0"/>
+          </a:p>
+          <a:p>
+            <a:r>
+              <a:rPr lang="en-GB" dirty="0"/>
+              <a:t>By then I want to have:</a:t>
+            </a:r>
+          </a:p>
+          <a:p>
+            <a:pPr lvl="1"/>
+            <a:r>
+              <a:rPr lang="en-GB" dirty="0"/>
+              <a:t>Implemented all needed architectures</a:t>
+            </a:r>
+          </a:p>
+          <a:p>
+            <a:pPr lvl="1"/>
+            <a:r>
+              <a:rPr lang="en-GB" dirty="0"/>
+              <a:t>Implemented transfer learning loss functions</a:t>
+            </a:r>
+          </a:p>
+          <a:p>
+            <a:pPr lvl="1"/>
+            <a:r>
+              <a:rPr lang="en-GB" dirty="0"/>
+              <a:t>Implemented logging script</a:t>
+            </a:r>
+          </a:p>
+          <a:p>
+            <a:pPr lvl="1"/>
+            <a:r>
+              <a:rPr lang="en-GB" dirty="0"/>
+              <a:t>Gotten familiar with loading the data from NGI’s TNW folder (</a:t>
+            </a:r>
+            <a:r>
+              <a:rPr lang="en-GB" dirty="0" err="1"/>
+              <a:t>OpendTect</a:t>
+            </a:r>
+            <a:r>
+              <a:rPr lang="en-GB" dirty="0"/>
+              <a:t> etc.)</a:t>
+            </a:r>
+          </a:p>
+          <a:p>
+            <a:pPr lvl="1"/>
+            <a:r>
+              <a:rPr lang="en-GB" dirty="0"/>
+              <a:t>Ran at least one algorithm with summary statistics</a:t>
+            </a:r>
+          </a:p>
+          <a:p>
+            <a:pPr lvl="1"/>
+            <a:endParaRPr lang="en-GB" dirty="0"/>
+          </a:p>
+          <a:p>
+            <a:r>
+              <a:rPr lang="en-GB" dirty="0"/>
+              <a:t>Or at the very least have better questions to ask for guidance</a:t>
+            </a:r>
+          </a:p>
+          <a:p>
+            <a:r>
+              <a:rPr lang="en-GB" dirty="0"/>
+              <a:t>Next general meeting in one month [06.10.2022]</a:t>
+            </a:r>
+          </a:p>
+          <a:p>
+            <a:pPr lvl="1"/>
+            <a:r>
+              <a:rPr lang="en-GB" dirty="0"/>
+              <a:t>It will be beneficial for me to give status updates along the way and sharing plans ahead</a:t>
+            </a:r>
+            <a:endParaRPr lang="nb-NO" dirty="0"/>
+          </a:p>
+        </p:txBody>
+      </p:sp>
+    </p:spTree>
+    <p:extLst>
+      <p:ext uri="{BB962C8B-B14F-4D97-AF65-F5344CB8AC3E}">
+        <p14:creationId xmlns:p14="http://schemas.microsoft.com/office/powerpoint/2010/main" val="2242473429"/>
       </p:ext>
     </p:extLst>
   </p:cSld>
@@ -8150,10 +8233,10 @@
       </p:grpSpPr>
       <p:sp>
         <p:nvSpPr>
-          <p:cNvPr id="2" name="Title 1">
-            <a:extLst>
-              <a:ext uri="{FF2B5EF4-FFF2-40B4-BE49-F238E27FC236}">
-                <a16:creationId xmlns:a16="http://schemas.microsoft.com/office/drawing/2014/main" id="{D1FA454F-487C-4A90-9ED9-11F6F58DC691}"/>
+          <p:cNvPr id="4" name="Title 3">
+            <a:extLst>
+              <a:ext uri="{FF2B5EF4-FFF2-40B4-BE49-F238E27FC236}">
+                <a16:creationId xmlns:a16="http://schemas.microsoft.com/office/drawing/2014/main" id="{C7E85503-2DEB-4D0C-9111-431964BF5FBB}"/>
               </a:ext>
             </a:extLst>
           </p:cNvPr>
@@ -8171,164 +8254,20 @@
           <a:p>
             <a:r>
               <a:rPr lang="nb-NO" dirty="0" err="1"/>
-              <a:t>Next</a:t>
-            </a:r>
-            <a:r>
-              <a:rPr lang="nb-NO" dirty="0"/>
-              <a:t> </a:t>
-            </a:r>
-            <a:r>
-              <a:rPr lang="nb-NO" dirty="0" err="1"/>
-              <a:t>meeting</a:t>
+              <a:t>Thoughts</a:t>
+            </a:r>
+            <a:r>
+              <a:rPr lang="nb-NO" dirty="0"/>
+              <a:t> / Feedback ?</a:t>
             </a:r>
             <a:endParaRPr lang="en-GB" dirty="0"/>
-          </a:p>
-        </p:txBody>
-      </p:sp>
-      <p:sp>
-        <p:nvSpPr>
-          <p:cNvPr id="3" name="Content Placeholder 2">
-            <a:extLst>
-              <a:ext uri="{FF2B5EF4-FFF2-40B4-BE49-F238E27FC236}">
-                <a16:creationId xmlns:a16="http://schemas.microsoft.com/office/drawing/2014/main" id="{EEDE0348-4BAD-4DC6-A630-22EDE1929B6C}"/>
-              </a:ext>
-            </a:extLst>
-          </p:cNvPr>
-          <p:cNvSpPr>
-            <a:spLocks noGrp="1"/>
-          </p:cNvSpPr>
-          <p:nvPr>
-            <p:ph idx="1"/>
-          </p:nvPr>
-        </p:nvSpPr>
-        <p:spPr/>
-        <p:txBody>
-          <a:bodyPr>
-            <a:normAutofit fontScale="85000" lnSpcReduction="20000"/>
-          </a:bodyPr>
-          <a:lstStyle/>
-          <a:p>
-            <a:r>
-              <a:rPr lang="nb-NO" dirty="0" err="1"/>
-              <a:t>I’m</a:t>
-            </a:r>
-            <a:r>
-              <a:rPr lang="nb-NO" dirty="0"/>
-              <a:t> planning to </a:t>
-            </a:r>
-            <a:r>
-              <a:rPr lang="nb-NO" dirty="0" err="1"/>
-              <a:t>schedule</a:t>
-            </a:r>
-            <a:r>
-              <a:rPr lang="nb-NO" dirty="0"/>
-              <a:t> a ML </a:t>
-            </a:r>
-            <a:r>
-              <a:rPr lang="nb-NO" dirty="0" err="1"/>
-              <a:t>meeting</a:t>
-            </a:r>
-            <a:r>
-              <a:rPr lang="nb-NO" dirty="0"/>
-              <a:t> in </a:t>
-            </a:r>
-            <a:r>
-              <a:rPr lang="nb-NO" dirty="0" err="1"/>
-              <a:t>two</a:t>
-            </a:r>
-            <a:r>
-              <a:rPr lang="nb-NO" dirty="0"/>
-              <a:t> </a:t>
-            </a:r>
-            <a:r>
-              <a:rPr lang="nb-NO" dirty="0" err="1"/>
-              <a:t>weeks</a:t>
-            </a:r>
-            <a:r>
-              <a:rPr lang="nb-NO" dirty="0"/>
-              <a:t> [14.09.2022]</a:t>
-            </a:r>
-            <a:endParaRPr lang="en-GB" dirty="0"/>
-          </a:p>
-          <a:p>
-            <a:r>
-              <a:rPr lang="en-GB" dirty="0"/>
-              <a:t>By then I want to have:</a:t>
-            </a:r>
-          </a:p>
-          <a:p>
-            <a:pPr lvl="1"/>
-            <a:r>
-              <a:rPr lang="en-GB" dirty="0"/>
-              <a:t>Implemented all needed architectures</a:t>
-            </a:r>
-          </a:p>
-          <a:p>
-            <a:pPr lvl="1"/>
-            <a:r>
-              <a:rPr lang="en-GB" dirty="0"/>
-              <a:t>Implemented transfer learning loss functions</a:t>
-            </a:r>
-          </a:p>
-          <a:p>
-            <a:pPr lvl="1"/>
-            <a:r>
-              <a:rPr lang="en-GB" dirty="0"/>
-              <a:t>Implemented logging script</a:t>
-            </a:r>
-          </a:p>
-          <a:p>
-            <a:pPr lvl="1"/>
-            <a:r>
-              <a:rPr lang="en-GB" dirty="0"/>
-              <a:t>Gotten familiar with loading the data from NGI’s TNW folder (</a:t>
-            </a:r>
-            <a:r>
-              <a:rPr lang="en-GB" dirty="0" err="1"/>
-              <a:t>OpendTect</a:t>
-            </a:r>
-            <a:r>
-              <a:rPr lang="en-GB" dirty="0"/>
-              <a:t> etc.)</a:t>
-            </a:r>
-          </a:p>
-          <a:p>
-            <a:pPr lvl="1"/>
-            <a:r>
-              <a:rPr lang="en-GB" dirty="0"/>
-              <a:t>Ran at least one algorithm with summary statistics</a:t>
-            </a:r>
-          </a:p>
-          <a:p>
-            <a:pPr lvl="1"/>
-            <a:endParaRPr lang="en-GB" dirty="0"/>
-          </a:p>
-          <a:p>
-            <a:r>
-              <a:rPr lang="en-GB" dirty="0"/>
-              <a:t>Or at the very least have better questions to ask for guidance</a:t>
-            </a:r>
-          </a:p>
-          <a:p>
-            <a:r>
-              <a:rPr lang="en-GB" dirty="0"/>
-              <a:t>Next general meeting in one month [06.10.2022]</a:t>
-            </a:r>
-          </a:p>
-          <a:p>
-            <a:pPr lvl="1"/>
-            <a:r>
-              <a:rPr lang="en-GB" dirty="0"/>
-              <a:t>It will be beneficial for me to give status updates along the way and sharing plans ahead</a:t>
-            </a:r>
-            <a:endParaRPr lang="nb-NO" dirty="0"/>
           </a:p>
         </p:txBody>
       </p:sp>
     </p:spTree>
     <p:extLst>
       <p:ext uri="{BB962C8B-B14F-4D97-AF65-F5344CB8AC3E}">
-        <p14:creationId xmlns:p14="http://schemas.microsoft.com/office/powerpoint/2010/main" val="2242473429"/>
+        <p14:creationId xmlns:p14="http://schemas.microsoft.com/office/powerpoint/2010/main" val="2974972426"/>
       </p:ext>
     </p:extLst>
   </p:cSld>
@@ -8357,10 +8296,10 @@
       </p:grpSpPr>
       <p:sp>
         <p:nvSpPr>
-          <p:cNvPr id="4" name="Title 3">
-            <a:extLst>
-              <a:ext uri="{FF2B5EF4-FFF2-40B4-BE49-F238E27FC236}">
-                <a16:creationId xmlns:a16="http://schemas.microsoft.com/office/drawing/2014/main" id="{C7E85503-2DEB-4D0C-9111-431964BF5FBB}"/>
+          <p:cNvPr id="2" name="Title 1">
+            <a:extLst>
+              <a:ext uri="{FF2B5EF4-FFF2-40B4-BE49-F238E27FC236}">
+                <a16:creationId xmlns:a16="http://schemas.microsoft.com/office/drawing/2014/main" id="{9F09D899-D74F-4D92-81EA-43EFCE79434D}"/>
               </a:ext>
             </a:extLst>
           </p:cNvPr>
@@ -8378,69 +8317,6 @@
           <a:p>
             <a:r>
               <a:rPr lang="nb-NO" dirty="0" err="1"/>
-              <a:t>Thoughts</a:t>
-            </a:r>
-            <a:r>
-              <a:rPr lang="nb-NO" dirty="0"/>
-              <a:t> / Feedback ?</a:t>
-            </a:r>
-            <a:endParaRPr lang="en-GB" dirty="0"/>
-          </a:p>
-        </p:txBody>
-      </p:sp>
-    </p:spTree>
-    <p:extLst>
-      <p:ext uri="{BB962C8B-B14F-4D97-AF65-F5344CB8AC3E}">
-        <p14:creationId xmlns:p14="http://schemas.microsoft.com/office/powerpoint/2010/main" val="2974972426"/>
-      </p:ext>
-    </p:extLst>
-  </p:cSld>
-  <p:clrMapOvr>
-    <a:masterClrMapping/>
-  </p:clrMapOvr>
-</p:sld>
-</file>
-
-<file path=ppt/slides/slide17.xml><?xml version="1.0" encoding="utf-8"?>
-<p:sld xmlns:a="http://schemas.openxmlformats.org/drawingml/2006/main" xmlns:r="http://schemas.openxmlformats.org/officeDocument/2006/relationships" xmlns:p="http://schemas.openxmlformats.org/presentationml/2006/main">
-  <p:cSld>
-    <p:spTree>
-      <p:nvGrpSpPr>
-        <p:cNvPr id="1" name=""/>
-        <p:cNvGrpSpPr/>
-        <p:nvPr/>
-      </p:nvGrpSpPr>
-      <p:grpSpPr>
-        <a:xfrm>
-          <a:off x="0" y="0"/>
-          <a:ext cx="0" cy="0"/>
-          <a:chOff x="0" y="0"/>
-          <a:chExt cx="0" cy="0"/>
-        </a:xfrm>
-      </p:grpSpPr>
-      <p:sp>
-        <p:nvSpPr>
-          <p:cNvPr id="2" name="Title 1">
-            <a:extLst>
-              <a:ext uri="{FF2B5EF4-FFF2-40B4-BE49-F238E27FC236}">
-                <a16:creationId xmlns:a16="http://schemas.microsoft.com/office/drawing/2014/main" id="{9F09D899-D74F-4D92-81EA-43EFCE79434D}"/>
-              </a:ext>
-            </a:extLst>
-          </p:cNvPr>
-          <p:cNvSpPr>
-            <a:spLocks noGrp="1"/>
-          </p:cNvSpPr>
-          <p:nvPr>
-            <p:ph type="title"/>
-          </p:nvPr>
-        </p:nvSpPr>
-        <p:spPr/>
-        <p:txBody>
-          <a:bodyPr/>
-          <a:lstStyle/>
-          <a:p>
-            <a:r>
-              <a:rPr lang="nb-NO" dirty="0" err="1"/>
               <a:t>Discussion</a:t>
             </a:r>
             <a:endParaRPr lang="en-GB" dirty="0"/>
@@ -8507,6 +8383,24 @@
             <a:r>
               <a:rPr lang="nb-NO" dirty="0" err="1"/>
               <a:t>repo</a:t>
+            </a:r>
+            <a:r>
+              <a:rPr lang="nb-NO" dirty="0"/>
+              <a:t>?</a:t>
+            </a:r>
+          </a:p>
+          <a:p>
+            <a:r>
+              <a:rPr lang="nb-NO" dirty="0" err="1"/>
+              <a:t>Working</a:t>
+            </a:r>
+            <a:r>
+              <a:rPr lang="nb-NO" dirty="0"/>
+              <a:t> </a:t>
+            </a:r>
+            <a:r>
+              <a:rPr lang="nb-NO" dirty="0" err="1"/>
+              <a:t>title</a:t>
             </a:r>
             <a:endParaRPr lang="nb-NO" dirty="0"/>
           </a:p>
@@ -11290,6 +11184,15 @@
 </file>
 
 <file path=customXml/item1.xml><?xml version="1.0" encoding="utf-8"?>
+<?mso-contentType ?>
+<FormTemplates xmlns="http://schemas.microsoft.com/sharepoint/v3/contenttype/forms">
+  <Display>DocumentLibraryForm</Display>
+  <Edit>DocumentLibraryForm</Edit>
+  <New>DocumentLibraryForm</New>
+</FormTemplates>
+</file>
+
+<file path=customXml/item2.xml><?xml version="1.0" encoding="utf-8"?>
 <ct:contentTypeSchema xmlns:ct="http://schemas.microsoft.com/office/2006/metadata/contentType" xmlns:ma="http://schemas.microsoft.com/office/2006/metadata/properties/metaAttributes" ct:_="" ma:_="" ma:contentTypeName="Dokument" ma:contentTypeID="0x010100529457019D10524BA2EE120DFA1AE6D8" ma:contentTypeVersion="12" ma:contentTypeDescription="Opprett et nytt dokument." ma:contentTypeScope="" ma:versionID="448971300e3e908049932ea285d6ac90">
   <xsd:schema xmlns:xsd="http://www.w3.org/2001/XMLSchema" xmlns:xs="http://www.w3.org/2001/XMLSchema" xmlns:p="http://schemas.microsoft.com/office/2006/metadata/properties" xmlns:ns3="a55fa175-6382-43b9-aff5-d7307f697fc1" xmlns:ns4="b9f3292d-4775-4e83-af09-7d60675e39f3" targetNamespace="http://schemas.microsoft.com/office/2006/metadata/properties" ma:root="true" ma:fieldsID="ff0424fa62092feeaa306be5d30ad0bc" ns3:_="" ns4:_="">
     <xsd:import namespace="a55fa175-6382-43b9-aff5-d7307f697fc1"/>
@@ -11506,15 +11409,6 @@
 </ct:contentTypeSchema>
 </file>
 
-<file path=customXml/item2.xml><?xml version="1.0" encoding="utf-8"?>
-<?mso-contentType ?>
-<FormTemplates xmlns="http://schemas.microsoft.com/sharepoint/v3/contenttype/forms">
-  <Display>DocumentLibraryForm</Display>
-  <Edit>DocumentLibraryForm</Edit>
-  <New>DocumentLibraryForm</New>
-</FormTemplates>
-</file>
-
 <file path=customXml/item3.xml><?xml version="1.0" encoding="utf-8"?>
 <p:properties xmlns:p="http://schemas.microsoft.com/office/2006/metadata/properties" xmlns:xsi="http://www.w3.org/2001/XMLSchema-instance" xmlns:pc="http://schemas.microsoft.com/office/infopath/2007/PartnerControls">
   <documentManagement/>
@@ -11522,6 +11416,14 @@
 </file>
 
 <file path=customXml/itemProps1.xml><?xml version="1.0" encoding="utf-8"?>
+<ds:datastoreItem xmlns:ds="http://schemas.openxmlformats.org/officeDocument/2006/customXml" ds:itemID="{A5C1D168-2A2F-4A76-B1FF-D0F26B96B617}">
+  <ds:schemaRefs>
+    <ds:schemaRef ds:uri="http://schemas.microsoft.com/sharepoint/v3/contenttype/forms"/>
+  </ds:schemaRefs>
+</ds:datastoreItem>
+</file>
+
+<file path=customXml/itemProps2.xml><?xml version="1.0" encoding="utf-8"?>
 <ds:datastoreItem xmlns:ds="http://schemas.openxmlformats.org/officeDocument/2006/customXml" ds:itemID="{F80D94FE-6C36-4EAD-9793-4895E298CF09}">
   <ds:schemaRefs>
     <ds:schemaRef ds:uri="http://schemas.microsoft.com/office/2006/metadata/contentType"/>
@@ -11536,14 +11438,6 @@
     <ds:schemaRef ds:uri="http://purl.org/dc/elements/1.1/"/>
     <ds:schemaRef ds:uri="http://purl.org/dc/terms/"/>
     <ds:schemaRef ds:uri="http://schemas.microsoft.com/internal/obd"/>
-  </ds:schemaRefs>
-</ds:datastoreItem>
-</file>
-
-<file path=customXml/itemProps2.xml><?xml version="1.0" encoding="utf-8"?>
-<ds:datastoreItem xmlns:ds="http://schemas.openxmlformats.org/officeDocument/2006/customXml" ds:itemID="{A5C1D168-2A2F-4A76-B1FF-D0F26B96B617}">
-  <ds:schemaRefs>
-    <ds:schemaRef ds:uri="http://schemas.microsoft.com/sharepoint/v3/contenttype/forms"/>
   </ds:schemaRefs>
 </ds:datastoreItem>
 </file>
